--- a/ppt/EZJava-Session2-Java发展简史.pptx
+++ b/ppt/EZJava-Session2-Java发展简史.pptx
@@ -11,14 +11,14 @@
   <p:sldIdLst>
     <p:sldId id="258" r:id="rId3"/>
     <p:sldId id="259" r:id="rId4"/>
-    <p:sldId id="260" r:id="rId5"/>
-    <p:sldId id="261" r:id="rId6"/>
-    <p:sldId id="262" r:id="rId7"/>
-    <p:sldId id="263" r:id="rId8"/>
-    <p:sldId id="266" r:id="rId9"/>
-    <p:sldId id="268" r:id="rId10"/>
-    <p:sldId id="265" r:id="rId11"/>
-    <p:sldId id="269" r:id="rId12"/>
+    <p:sldId id="272" r:id="rId5"/>
+    <p:sldId id="260" r:id="rId6"/>
+    <p:sldId id="261" r:id="rId7"/>
+    <p:sldId id="262" r:id="rId8"/>
+    <p:sldId id="263" r:id="rId9"/>
+    <p:sldId id="265" r:id="rId10"/>
+    <p:sldId id="266" r:id="rId11"/>
+    <p:sldId id="268" r:id="rId12"/>
     <p:sldId id="271" r:id="rId13"/>
     <p:sldId id="270" r:id="rId14"/>
   </p:sldIdLst>
@@ -209,7 +209,7 @@
           <a:p>
             <a:fld id="{04228595-6F44-4E29-B13B-69FF369B1452}" type="datetimeFigureOut">
               <a:rPr lang="zh-CN" altLang="en-US" smtClean="0"/>
-              <a:t>2018/3/17</a:t>
+              <a:t>2018/3/25</a:t>
             </a:fld>
             <a:endParaRPr lang="zh-CN" altLang="en-US"/>
           </a:p>
@@ -521,34 +521,6 @@
           <a:bodyPr/>
           <a:lstStyle/>
           <a:p>
-            <a:r>
-              <a:rPr lang="zh-CN" altLang="en-US" dirty="0" smtClean="0"/>
-              <a:t>左边这张图那，是</a:t>
-            </a:r>
-            <a:r>
-              <a:rPr lang="en-US" altLang="zh-CN" dirty="0" smtClean="0"/>
-              <a:t>《</a:t>
-            </a:r>
-            <a:r>
-              <a:rPr lang="zh-CN" altLang="en-US" dirty="0" smtClean="0"/>
-              <a:t>加勒比海盗</a:t>
-            </a:r>
-            <a:r>
-              <a:rPr lang="en-US" altLang="zh-CN" dirty="0" smtClean="0"/>
-              <a:t>》</a:t>
-            </a:r>
-            <a:r>
-              <a:rPr lang="zh-CN" altLang="en-US" dirty="0" smtClean="0"/>
-              <a:t>中的一幕哈，</a:t>
-            </a:r>
-            <a:r>
-              <a:rPr lang="en-US" altLang="zh-CN" dirty="0" smtClean="0"/>
-              <a:t>JackSparrow</a:t>
-            </a:r>
-            <a:r>
-              <a:rPr lang="zh-CN" altLang="en-US" dirty="0" smtClean="0"/>
-              <a:t>船长的罗盘，是海之女神送给杰克的，大家都知道航海那是需要罗盘的也就是指南针，但是这个罗盘呢，并不能够指向东南西北，不过那，它可以指向，持有者内心真正想要的东西，这个就很厉害了，其实很多时候那，我们都是不知道自己真正想要的是什么的，所以我们才会迷茫，如果有了这个罗盘，我们就能够找到正确的方向了，放这张图那，也是希望大家那能够找到自己内心真正想要的东西，或者真正想要去做的事情</a:t>
-            </a:r>
             <a:endParaRPr lang="zh-CN" altLang="en-US" dirty="0"/>
           </a:p>
         </p:txBody>
@@ -633,1041 +605,6 @@
           <a:bodyPr/>
           <a:lstStyle/>
           <a:p>
-            <a:r>
-              <a:rPr lang="zh-CN" altLang="en-US" dirty="0" smtClean="0"/>
-              <a:t>最后那，再介绍给大家几本武林秘籍哈</a:t>
-            </a:r>
-            <a:endParaRPr lang="en-US" altLang="zh-CN" dirty="0" smtClean="0"/>
-          </a:p>
-          <a:p>
-            <a:r>
-              <a:rPr lang="zh-CN" altLang="en-US" dirty="0" smtClean="0"/>
-              <a:t>最近听到一句话挺好玩的，</a:t>
-            </a:r>
-            <a:r>
-              <a:rPr lang="en-US" altLang="zh-CN" dirty="0" smtClean="0"/>
-              <a:t>You are what your read</a:t>
-            </a:r>
-            <a:r>
-              <a:rPr lang="zh-CN" altLang="en-US" dirty="0" smtClean="0"/>
-              <a:t>，你是你所读的东西，读好书有多么的重要，很多书呀，作者自己没弄明白，就开始瞎讲了，有很多书都是抄吧抄吧就发表了，读了真的就是浪费时间，浪费脑细胞</a:t>
-            </a:r>
-            <a:endParaRPr lang="en-US" altLang="zh-CN" dirty="0" smtClean="0"/>
-          </a:p>
-          <a:p>
-            <a:r>
-              <a:rPr lang="en-US" altLang="zh-CN" dirty="0" smtClean="0"/>
-              <a:t>Java</a:t>
-            </a:r>
-            <a:r>
-              <a:rPr lang="zh-CN" altLang="en-US" dirty="0" smtClean="0"/>
-              <a:t>编程界的圣经，</a:t>
-            </a:r>
-            <a:r>
-              <a:rPr lang="en-US" altLang="zh-CN" sz="1200" b="0" i="0" kern="1200" dirty="0" smtClean="0">
-                <a:solidFill>
-                  <a:schemeClr val="tx1"/>
-                </a:solidFill>
-                <a:effectLst/>
-                <a:latin typeface="+mn-lt"/>
-                <a:ea typeface="+mn-ea"/>
-                <a:cs typeface="+mn-cs"/>
-              </a:rPr>
-              <a:t>Bruce </a:t>
-            </a:r>
-            <a:r>
-              <a:rPr lang="en-US" altLang="zh-CN" sz="1200" b="0" i="0" kern="1200" dirty="0" err="1" smtClean="0">
-                <a:solidFill>
-                  <a:schemeClr val="tx1"/>
-                </a:solidFill>
-                <a:effectLst/>
-                <a:latin typeface="+mn-lt"/>
-                <a:ea typeface="+mn-ea"/>
-                <a:cs typeface="+mn-cs"/>
-              </a:rPr>
-              <a:t>Eckel</a:t>
-            </a:r>
-            <a:r>
-              <a:rPr lang="zh-CN" altLang="en-US" sz="1200" b="0" i="0" kern="1200" dirty="0" smtClean="0">
-                <a:solidFill>
-                  <a:schemeClr val="tx1"/>
-                </a:solidFill>
-                <a:effectLst/>
-                <a:latin typeface="+mn-lt"/>
-                <a:ea typeface="+mn-ea"/>
-                <a:cs typeface="+mn-cs"/>
-              </a:rPr>
-              <a:t>是</a:t>
-            </a:r>
-            <a:r>
-              <a:rPr lang="en-US" altLang="zh-CN" sz="1200" b="0" i="0" kern="1200" dirty="0" err="1" smtClean="0">
-                <a:solidFill>
-                  <a:schemeClr val="tx1"/>
-                </a:solidFill>
-                <a:effectLst/>
-                <a:latin typeface="+mn-lt"/>
-                <a:ea typeface="+mn-ea"/>
-                <a:cs typeface="+mn-cs"/>
-              </a:rPr>
-              <a:t>MindView</a:t>
-            </a:r>
-            <a:r>
-              <a:rPr lang="zh-CN" altLang="en-US" sz="1200" b="0" i="0" kern="1200" dirty="0" smtClean="0">
-                <a:solidFill>
-                  <a:schemeClr val="tx1"/>
-                </a:solidFill>
-                <a:effectLst/>
-                <a:latin typeface="+mn-lt"/>
-                <a:ea typeface="+mn-ea"/>
-                <a:cs typeface="+mn-cs"/>
-              </a:rPr>
-              <a:t>公司的总裁，</a:t>
-            </a:r>
-            <a:r>
-              <a:rPr lang="en-US" altLang="zh-CN" sz="1200" b="0" i="0" kern="1200" dirty="0" smtClean="0">
-                <a:solidFill>
-                  <a:schemeClr val="tx1"/>
-                </a:solidFill>
-                <a:effectLst/>
-                <a:latin typeface="+mn-lt"/>
-                <a:ea typeface="+mn-ea"/>
-                <a:cs typeface="+mn-cs"/>
-              </a:rPr>
-              <a:t>C++</a:t>
-            </a:r>
-            <a:r>
-              <a:rPr lang="zh-CN" altLang="en-US" sz="1200" b="0" i="0" kern="1200" dirty="0" smtClean="0">
-                <a:solidFill>
-                  <a:schemeClr val="tx1"/>
-                </a:solidFill>
-                <a:effectLst/>
-                <a:latin typeface="+mn-lt"/>
-                <a:ea typeface="+mn-ea"/>
-                <a:cs typeface="+mn-cs"/>
-              </a:rPr>
-              <a:t>标准委员会拥有表决权的成员之一，拥有应用物理学学士和计算机工程硕士学位。</a:t>
-            </a:r>
-            <a:r>
-              <a:rPr lang="en-US" altLang="zh-CN" sz="1200" b="0" i="0" kern="1200" dirty="0" smtClean="0">
-                <a:solidFill>
-                  <a:schemeClr val="tx1"/>
-                </a:solidFill>
-                <a:effectLst/>
-                <a:latin typeface="+mn-lt"/>
-                <a:ea typeface="+mn-ea"/>
-                <a:cs typeface="+mn-cs"/>
-              </a:rPr>
-              <a:t>Bruce </a:t>
-            </a:r>
-            <a:r>
-              <a:rPr lang="en-US" altLang="zh-CN" sz="1200" b="0" i="0" kern="1200" dirty="0" err="1" smtClean="0">
-                <a:solidFill>
-                  <a:schemeClr val="tx1"/>
-                </a:solidFill>
-                <a:effectLst/>
-                <a:latin typeface="+mn-lt"/>
-                <a:ea typeface="+mn-ea"/>
-                <a:cs typeface="+mn-cs"/>
-              </a:rPr>
-              <a:t>Eckel</a:t>
-            </a:r>
-            <a:r>
-              <a:rPr lang="zh-CN" altLang="en-US" sz="1200" b="0" i="0" kern="1200" dirty="0" smtClean="0">
-                <a:solidFill>
-                  <a:schemeClr val="tx1"/>
-                </a:solidFill>
-                <a:effectLst/>
-                <a:latin typeface="+mn-lt"/>
-                <a:ea typeface="+mn-ea"/>
-                <a:cs typeface="+mn-cs"/>
-              </a:rPr>
-              <a:t>从</a:t>
-            </a:r>
-            <a:r>
-              <a:rPr lang="en-US" altLang="zh-CN" sz="1200" b="0" i="0" kern="1200" dirty="0" smtClean="0">
-                <a:solidFill>
-                  <a:schemeClr val="tx1"/>
-                </a:solidFill>
-                <a:effectLst/>
-                <a:latin typeface="+mn-lt"/>
-                <a:ea typeface="+mn-ea"/>
-                <a:cs typeface="+mn-cs"/>
-              </a:rPr>
-              <a:t>1984</a:t>
-            </a:r>
-            <a:r>
-              <a:rPr lang="zh-CN" altLang="en-US" sz="1200" b="0" i="0" kern="1200" dirty="0" smtClean="0">
-                <a:solidFill>
-                  <a:schemeClr val="tx1"/>
-                </a:solidFill>
-                <a:effectLst/>
-                <a:latin typeface="+mn-lt"/>
-                <a:ea typeface="+mn-ea"/>
-                <a:cs typeface="+mn-cs"/>
-              </a:rPr>
-              <a:t>年至今，已经发表了超过</a:t>
-            </a:r>
-            <a:r>
-              <a:rPr lang="en-US" altLang="zh-CN" sz="1200" b="0" i="0" kern="1200" dirty="0" smtClean="0">
-                <a:solidFill>
-                  <a:schemeClr val="tx1"/>
-                </a:solidFill>
-                <a:effectLst/>
-                <a:latin typeface="+mn-lt"/>
-                <a:ea typeface="+mn-ea"/>
-                <a:cs typeface="+mn-cs"/>
-              </a:rPr>
-              <a:t>150</a:t>
-            </a:r>
-            <a:r>
-              <a:rPr lang="zh-CN" altLang="en-US" sz="1200" b="0" i="0" kern="1200" dirty="0" smtClean="0">
-                <a:solidFill>
-                  <a:schemeClr val="tx1"/>
-                </a:solidFill>
-                <a:effectLst/>
-                <a:latin typeface="+mn-lt"/>
-                <a:ea typeface="+mn-ea"/>
-                <a:cs typeface="+mn-cs"/>
-              </a:rPr>
-              <a:t>篇计算机技术文章，出版了</a:t>
-            </a:r>
-            <a:r>
-              <a:rPr lang="en-US" altLang="zh-CN" sz="1200" b="0" i="0" kern="1200" dirty="0" smtClean="0">
-                <a:solidFill>
-                  <a:schemeClr val="tx1"/>
-                </a:solidFill>
-                <a:effectLst/>
-                <a:latin typeface="+mn-lt"/>
-                <a:ea typeface="+mn-ea"/>
-                <a:cs typeface="+mn-cs"/>
-              </a:rPr>
-              <a:t>6</a:t>
-            </a:r>
-            <a:r>
-              <a:rPr lang="zh-CN" altLang="en-US" sz="1200" b="0" i="0" kern="1200" dirty="0" smtClean="0">
-                <a:solidFill>
-                  <a:schemeClr val="tx1"/>
-                </a:solidFill>
-                <a:effectLst/>
-                <a:latin typeface="+mn-lt"/>
-                <a:ea typeface="+mn-ea"/>
-                <a:cs typeface="+mn-cs"/>
-              </a:rPr>
-              <a:t>本书</a:t>
-            </a:r>
-            <a:r>
-              <a:rPr lang="en-US" altLang="zh-CN" sz="1200" b="0" i="0" kern="1200" dirty="0" smtClean="0">
-                <a:solidFill>
-                  <a:schemeClr val="tx1"/>
-                </a:solidFill>
-                <a:effectLst/>
-                <a:latin typeface="+mn-lt"/>
-                <a:ea typeface="+mn-ea"/>
-                <a:cs typeface="+mn-cs"/>
-              </a:rPr>
-              <a:t>.</a:t>
-            </a:r>
-            <a:r>
-              <a:rPr lang="zh-CN" altLang="en-US" sz="1200" b="0" i="0" kern="1200" dirty="0" smtClean="0">
-                <a:solidFill>
-                  <a:schemeClr val="tx1"/>
-                </a:solidFill>
-                <a:effectLst/>
-                <a:latin typeface="+mn-lt"/>
-                <a:ea typeface="+mn-ea"/>
-                <a:cs typeface="+mn-cs"/>
-              </a:rPr>
-              <a:t>他的</a:t>
-            </a:r>
-            <a:r>
-              <a:rPr lang="en-US" altLang="zh-CN" sz="1200" b="0" i="0" kern="1200" dirty="0" smtClean="0">
-                <a:solidFill>
-                  <a:schemeClr val="tx1"/>
-                </a:solidFill>
-                <a:effectLst/>
-                <a:latin typeface="+mn-lt"/>
-                <a:ea typeface="+mn-ea"/>
-                <a:cs typeface="+mn-cs"/>
-              </a:rPr>
-              <a:t>《Thinking in C++》</a:t>
-            </a:r>
-            <a:r>
-              <a:rPr lang="zh-CN" altLang="en-US" sz="1200" b="0" i="0" kern="1200" dirty="0" smtClean="0">
-                <a:solidFill>
-                  <a:schemeClr val="tx1"/>
-                </a:solidFill>
-                <a:effectLst/>
-                <a:latin typeface="+mn-lt"/>
-                <a:ea typeface="+mn-ea"/>
-                <a:cs typeface="+mn-cs"/>
-              </a:rPr>
-              <a:t>一本书在</a:t>
-            </a:r>
-            <a:r>
-              <a:rPr lang="en-US" altLang="zh-CN" sz="1200" b="0" i="0" kern="1200" dirty="0" smtClean="0">
-                <a:solidFill>
-                  <a:schemeClr val="tx1"/>
-                </a:solidFill>
-                <a:effectLst/>
-                <a:latin typeface="+mn-lt"/>
-                <a:ea typeface="+mn-ea"/>
-                <a:cs typeface="+mn-cs"/>
-              </a:rPr>
-              <a:t>1995</a:t>
-            </a:r>
-            <a:r>
-              <a:rPr lang="zh-CN" altLang="en-US" sz="1200" b="0" i="0" kern="1200" dirty="0" smtClean="0">
-                <a:solidFill>
-                  <a:schemeClr val="tx1"/>
-                </a:solidFill>
-                <a:effectLst/>
-                <a:latin typeface="+mn-lt"/>
-                <a:ea typeface="+mn-ea"/>
-                <a:cs typeface="+mn-cs"/>
-              </a:rPr>
-              <a:t>年被评为“最佳软件开发图书”，</a:t>
-            </a:r>
-            <a:r>
-              <a:rPr lang="en-US" altLang="zh-CN" sz="1200" b="0" i="0" kern="1200" dirty="0" smtClean="0">
-                <a:solidFill>
-                  <a:schemeClr val="tx1"/>
-                </a:solidFill>
-                <a:effectLst/>
-                <a:latin typeface="+mn-lt"/>
-                <a:ea typeface="+mn-ea"/>
-                <a:cs typeface="+mn-cs"/>
-              </a:rPr>
-              <a:t>《Thinking in Java》</a:t>
-            </a:r>
-            <a:r>
-              <a:rPr lang="zh-CN" altLang="en-US" sz="1200" b="0" i="0" kern="1200" dirty="0" smtClean="0">
-                <a:solidFill>
-                  <a:schemeClr val="tx1"/>
-                </a:solidFill>
-                <a:effectLst/>
-                <a:latin typeface="+mn-lt"/>
-                <a:ea typeface="+mn-ea"/>
-                <a:cs typeface="+mn-cs"/>
-              </a:rPr>
-              <a:t>被评为</a:t>
-            </a:r>
-            <a:r>
-              <a:rPr lang="en-US" altLang="zh-CN" sz="1200" b="0" i="0" kern="1200" dirty="0" smtClean="0">
-                <a:solidFill>
-                  <a:schemeClr val="tx1"/>
-                </a:solidFill>
-                <a:effectLst/>
-                <a:latin typeface="+mn-lt"/>
-                <a:ea typeface="+mn-ea"/>
-                <a:cs typeface="+mn-cs"/>
-              </a:rPr>
-              <a:t>1999</a:t>
-            </a:r>
-            <a:r>
-              <a:rPr lang="zh-CN" altLang="en-US" sz="1200" b="0" i="0" kern="1200" dirty="0" smtClean="0">
-                <a:solidFill>
-                  <a:schemeClr val="tx1"/>
-                </a:solidFill>
-                <a:effectLst/>
-                <a:latin typeface="+mn-lt"/>
-                <a:ea typeface="+mn-ea"/>
-                <a:cs typeface="+mn-cs"/>
-              </a:rPr>
-              <a:t>年</a:t>
-            </a:r>
-            <a:r>
-              <a:rPr lang="en-US" altLang="zh-CN" sz="1200" b="0" i="0" kern="1200" dirty="0" smtClean="0">
-                <a:solidFill>
-                  <a:schemeClr val="tx1"/>
-                </a:solidFill>
-                <a:effectLst/>
-                <a:latin typeface="+mn-lt"/>
-                <a:ea typeface="+mn-ea"/>
-                <a:cs typeface="+mn-cs"/>
-              </a:rPr>
-              <a:t>Java World“</a:t>
-            </a:r>
-            <a:r>
-              <a:rPr lang="zh-CN" altLang="en-US" sz="1200" b="0" i="0" kern="1200" dirty="0" smtClean="0">
-                <a:solidFill>
-                  <a:schemeClr val="tx1"/>
-                </a:solidFill>
-                <a:effectLst/>
-                <a:latin typeface="+mn-lt"/>
-                <a:ea typeface="+mn-ea"/>
-                <a:cs typeface="+mn-cs"/>
-              </a:rPr>
-              <a:t>最受读者欢迎图书”，并且赢得了编辑首选图书奖。</a:t>
-            </a:r>
-            <a:endParaRPr lang="en-US" altLang="zh-CN" sz="1200" b="0" i="0" kern="1200" dirty="0" smtClean="0">
-              <a:solidFill>
-                <a:schemeClr val="tx1"/>
-              </a:solidFill>
-              <a:effectLst/>
-              <a:latin typeface="+mn-lt"/>
-              <a:ea typeface="+mn-ea"/>
-              <a:cs typeface="+mn-cs"/>
-            </a:endParaRPr>
-          </a:p>
-          <a:p>
-            <a:r>
-              <a:rPr lang="zh-CN" altLang="en-US" sz="1200" b="0" i="0" kern="1200" dirty="0" smtClean="0">
-                <a:solidFill>
-                  <a:schemeClr val="tx1"/>
-                </a:solidFill>
-                <a:effectLst/>
-                <a:latin typeface="+mn-lt"/>
-                <a:ea typeface="+mn-ea"/>
-                <a:cs typeface="+mn-cs"/>
-              </a:rPr>
-              <a:t>作者本身对</a:t>
-            </a:r>
-            <a:r>
-              <a:rPr lang="en-US" altLang="zh-CN" sz="1200" b="0" i="0" kern="1200" dirty="0" smtClean="0">
-                <a:solidFill>
-                  <a:schemeClr val="tx1"/>
-                </a:solidFill>
-                <a:effectLst/>
-                <a:latin typeface="+mn-lt"/>
-                <a:ea typeface="+mn-ea"/>
-                <a:cs typeface="+mn-cs"/>
-              </a:rPr>
-              <a:t>C</a:t>
-            </a:r>
-            <a:r>
-              <a:rPr lang="zh-CN" altLang="en-US" sz="1200" b="0" i="0" kern="1200" dirty="0" smtClean="0">
-                <a:solidFill>
-                  <a:schemeClr val="tx1"/>
-                </a:solidFill>
-                <a:effectLst/>
-                <a:latin typeface="+mn-lt"/>
-                <a:ea typeface="+mn-ea"/>
-                <a:cs typeface="+mn-cs"/>
-              </a:rPr>
-              <a:t>和</a:t>
-            </a:r>
-            <a:r>
-              <a:rPr lang="en-US" altLang="zh-CN" sz="1200" b="0" i="0" kern="1200" dirty="0" smtClean="0">
-                <a:solidFill>
-                  <a:schemeClr val="tx1"/>
-                </a:solidFill>
-                <a:effectLst/>
-                <a:latin typeface="+mn-lt"/>
-                <a:ea typeface="+mn-ea"/>
-                <a:cs typeface="+mn-cs"/>
-              </a:rPr>
-              <a:t>C++</a:t>
-            </a:r>
-            <a:r>
-              <a:rPr lang="zh-CN" altLang="en-US" sz="1200" b="0" i="0" kern="1200" dirty="0" smtClean="0">
-                <a:solidFill>
-                  <a:schemeClr val="tx1"/>
-                </a:solidFill>
-                <a:effectLst/>
-                <a:latin typeface="+mn-lt"/>
-                <a:ea typeface="+mn-ea"/>
-                <a:cs typeface="+mn-cs"/>
-              </a:rPr>
-              <a:t>有非常深刻的理解和认识，因此更加能够了解</a:t>
-            </a:r>
-            <a:r>
-              <a:rPr lang="en-US" altLang="zh-CN" sz="1200" b="0" i="0" kern="1200" dirty="0" smtClean="0">
-                <a:solidFill>
-                  <a:schemeClr val="tx1"/>
-                </a:solidFill>
-                <a:effectLst/>
-                <a:latin typeface="+mn-lt"/>
-                <a:ea typeface="+mn-ea"/>
-                <a:cs typeface="+mn-cs"/>
-              </a:rPr>
-              <a:t>Java</a:t>
-            </a:r>
-            <a:r>
-              <a:rPr lang="zh-CN" altLang="en-US" sz="1200" b="0" i="0" kern="1200" dirty="0" smtClean="0">
-                <a:solidFill>
-                  <a:schemeClr val="tx1"/>
-                </a:solidFill>
-                <a:effectLst/>
-                <a:latin typeface="+mn-lt"/>
-                <a:ea typeface="+mn-ea"/>
-                <a:cs typeface="+mn-cs"/>
-              </a:rPr>
-              <a:t>语言的好处，编程思想，</a:t>
-            </a:r>
-            <a:r>
-              <a:rPr lang="en-US" altLang="zh-CN" sz="1200" b="0" i="0" kern="1200" dirty="0" smtClean="0">
-                <a:solidFill>
-                  <a:schemeClr val="tx1"/>
-                </a:solidFill>
-                <a:effectLst/>
-                <a:latin typeface="+mn-lt"/>
-                <a:ea typeface="+mn-ea"/>
-                <a:cs typeface="+mn-cs"/>
-              </a:rPr>
-              <a:t>Thinking in</a:t>
-            </a:r>
-            <a:r>
-              <a:rPr lang="zh-CN" altLang="en-US" sz="1200" b="0" i="0" kern="1200" dirty="0" smtClean="0">
-                <a:solidFill>
-                  <a:schemeClr val="tx1"/>
-                </a:solidFill>
-                <a:effectLst/>
-                <a:latin typeface="+mn-lt"/>
-                <a:ea typeface="+mn-ea"/>
-                <a:cs typeface="+mn-cs"/>
-              </a:rPr>
-              <a:t>，作者不单单是在简单的介绍语法，而是在同我们一起思考，</a:t>
-            </a:r>
-            <a:r>
-              <a:rPr lang="en-US" altLang="zh-CN" sz="1200" b="0" i="0" kern="1200" dirty="0" smtClean="0">
-                <a:solidFill>
-                  <a:schemeClr val="tx1"/>
-                </a:solidFill>
-                <a:effectLst/>
-                <a:latin typeface="+mn-lt"/>
-                <a:ea typeface="+mn-ea"/>
-                <a:cs typeface="+mn-cs"/>
-              </a:rPr>
-              <a:t>java</a:t>
-            </a:r>
-            <a:r>
-              <a:rPr lang="zh-CN" altLang="en-US" sz="1200" b="0" i="0" kern="1200" dirty="0" smtClean="0">
-                <a:solidFill>
-                  <a:schemeClr val="tx1"/>
-                </a:solidFill>
-                <a:effectLst/>
-                <a:latin typeface="+mn-lt"/>
-                <a:ea typeface="+mn-ea"/>
-                <a:cs typeface="+mn-cs"/>
-              </a:rPr>
-              <a:t>中为什么这样去做，相比于其他编程语言有怎样的好处，我们的课程呢，也将会以这本书为主要参考</a:t>
-            </a:r>
-            <a:endParaRPr lang="en-US" altLang="zh-CN" sz="1200" b="0" i="0" kern="1200" dirty="0" smtClean="0">
-              <a:solidFill>
-                <a:schemeClr val="tx1"/>
-              </a:solidFill>
-              <a:effectLst/>
-              <a:latin typeface="+mn-lt"/>
-              <a:ea typeface="+mn-ea"/>
-              <a:cs typeface="+mn-cs"/>
-            </a:endParaRPr>
-          </a:p>
-          <a:p>
-            <a:endParaRPr lang="en-US" altLang="zh-CN" sz="1200" b="0" i="0" kern="1200" dirty="0" smtClean="0">
-              <a:solidFill>
-                <a:schemeClr val="tx1"/>
-              </a:solidFill>
-              <a:effectLst/>
-              <a:latin typeface="+mn-lt"/>
-              <a:ea typeface="+mn-ea"/>
-              <a:cs typeface="+mn-cs"/>
-            </a:endParaRPr>
-          </a:p>
-          <a:p>
-            <a:r>
-              <a:rPr lang="zh-CN" altLang="en-US" sz="1200" b="0" i="0" kern="1200" dirty="0" smtClean="0">
-                <a:solidFill>
-                  <a:schemeClr val="tx1"/>
-                </a:solidFill>
-                <a:effectLst/>
-                <a:latin typeface="+mn-lt"/>
-                <a:ea typeface="+mn-ea"/>
-                <a:cs typeface="+mn-cs"/>
-              </a:rPr>
-              <a:t>设计模式，四人帮，四位面向对象方面的大师写的，不过是</a:t>
-            </a:r>
-            <a:r>
-              <a:rPr lang="en-US" altLang="zh-CN" sz="1200" b="0" i="0" kern="1200" dirty="0" smtClean="0">
-                <a:solidFill>
-                  <a:schemeClr val="tx1"/>
-                </a:solidFill>
-                <a:effectLst/>
-                <a:latin typeface="+mn-lt"/>
-                <a:ea typeface="+mn-ea"/>
-                <a:cs typeface="+mn-cs"/>
-              </a:rPr>
-              <a:t>C++</a:t>
-            </a:r>
-            <a:r>
-              <a:rPr lang="zh-CN" altLang="en-US" sz="1200" b="0" i="0" kern="1200" dirty="0" smtClean="0">
-                <a:solidFill>
-                  <a:schemeClr val="tx1"/>
-                </a:solidFill>
-                <a:effectLst/>
-                <a:latin typeface="+mn-lt"/>
-                <a:ea typeface="+mn-ea"/>
-                <a:cs typeface="+mn-cs"/>
-              </a:rPr>
-              <a:t>语言的，稍有可惜，但是这个</a:t>
-            </a:r>
-            <a:r>
-              <a:rPr lang="en-US" altLang="zh-CN" sz="1200" b="0" i="0" kern="1200" dirty="0" smtClean="0">
-                <a:solidFill>
-                  <a:schemeClr val="tx1"/>
-                </a:solidFill>
-                <a:effectLst/>
-                <a:latin typeface="+mn-lt"/>
-                <a:ea typeface="+mn-ea"/>
-                <a:cs typeface="+mn-cs"/>
-              </a:rPr>
-              <a:t>23</a:t>
-            </a:r>
-            <a:r>
-              <a:rPr lang="zh-CN" altLang="en-US" sz="1200" b="0" i="0" kern="1200" dirty="0" smtClean="0">
-                <a:solidFill>
-                  <a:schemeClr val="tx1"/>
-                </a:solidFill>
-                <a:effectLst/>
-                <a:latin typeface="+mn-lt"/>
-                <a:ea typeface="+mn-ea"/>
-                <a:cs typeface="+mn-cs"/>
-              </a:rPr>
-              <a:t>种模式是他们所提出的，总结的在面向对象编程中的宝贵经验和最佳实践呢，这本可以说概括总结的最好，你看其中的每一种模式，你都会感觉像是艺术品一样，真的体现了设计的智慧，大家在学习</a:t>
-            </a:r>
-            <a:r>
-              <a:rPr lang="en-US" altLang="zh-CN" sz="1200" b="0" i="0" kern="1200" dirty="0" smtClean="0">
-                <a:solidFill>
-                  <a:schemeClr val="tx1"/>
-                </a:solidFill>
-                <a:effectLst/>
-                <a:latin typeface="+mn-lt"/>
-                <a:ea typeface="+mn-ea"/>
-                <a:cs typeface="+mn-cs"/>
-              </a:rPr>
-              <a:t>java</a:t>
-            </a:r>
-            <a:r>
-              <a:rPr lang="zh-CN" altLang="en-US" sz="1200" b="0" i="0" kern="1200" dirty="0" smtClean="0">
-                <a:solidFill>
-                  <a:schemeClr val="tx1"/>
-                </a:solidFill>
-                <a:effectLst/>
-                <a:latin typeface="+mn-lt"/>
-                <a:ea typeface="+mn-ea"/>
-                <a:cs typeface="+mn-cs"/>
-              </a:rPr>
-              <a:t>一段时间之后可以来看一看真的会感觉收获良多</a:t>
-            </a:r>
-            <a:endParaRPr lang="en-US" altLang="zh-CN" sz="1200" b="0" i="0" kern="1200" dirty="0" smtClean="0">
-              <a:solidFill>
-                <a:schemeClr val="tx1"/>
-              </a:solidFill>
-              <a:effectLst/>
-              <a:latin typeface="+mn-lt"/>
-              <a:ea typeface="+mn-ea"/>
-              <a:cs typeface="+mn-cs"/>
-            </a:endParaRPr>
-          </a:p>
-          <a:p>
-            <a:endParaRPr lang="en-US" altLang="zh-CN" sz="1200" b="0" i="0" kern="1200" dirty="0" smtClean="0">
-              <a:solidFill>
-                <a:schemeClr val="tx1"/>
-              </a:solidFill>
-              <a:effectLst/>
-              <a:latin typeface="+mn-lt"/>
-              <a:ea typeface="+mn-ea"/>
-              <a:cs typeface="+mn-cs"/>
-            </a:endParaRPr>
-          </a:p>
-          <a:p>
-            <a:endParaRPr lang="en-US" altLang="zh-CN" sz="1200" b="0" i="0" kern="1200" dirty="0" smtClean="0">
-              <a:solidFill>
-                <a:schemeClr val="tx1"/>
-              </a:solidFill>
-              <a:effectLst/>
-              <a:latin typeface="+mn-lt"/>
-              <a:ea typeface="+mn-ea"/>
-              <a:cs typeface="+mn-cs"/>
-            </a:endParaRPr>
-          </a:p>
-          <a:p>
-            <a:r>
-              <a:rPr lang="zh-CN" altLang="en-US" sz="1200" b="0" i="0" kern="1200" dirty="0" smtClean="0">
-                <a:solidFill>
-                  <a:schemeClr val="tx1"/>
-                </a:solidFill>
-                <a:effectLst/>
-                <a:latin typeface="+mn-lt"/>
-                <a:ea typeface="+mn-ea"/>
-                <a:cs typeface="+mn-cs"/>
-              </a:rPr>
-              <a:t>重构，啥意思呢？重构（</a:t>
-            </a:r>
-            <a:r>
-              <a:rPr lang="en-US" altLang="zh-CN" sz="1200" b="0" i="0" kern="1200" dirty="0" smtClean="0">
-                <a:solidFill>
-                  <a:schemeClr val="tx1"/>
-                </a:solidFill>
-                <a:effectLst/>
-                <a:latin typeface="+mn-lt"/>
-                <a:ea typeface="+mn-ea"/>
-                <a:cs typeface="+mn-cs"/>
-              </a:rPr>
-              <a:t>Refactoring</a:t>
-            </a:r>
-            <a:r>
-              <a:rPr lang="zh-CN" altLang="en-US" sz="1200" b="0" i="0" kern="1200" dirty="0" smtClean="0">
-                <a:solidFill>
-                  <a:schemeClr val="tx1"/>
-                </a:solidFill>
-                <a:effectLst/>
-                <a:latin typeface="+mn-lt"/>
-                <a:ea typeface="+mn-ea"/>
-                <a:cs typeface="+mn-cs"/>
-              </a:rPr>
-              <a:t>）就是通过调整程序代码改善软件的质量、性能，使其程序的设计模式和架构更趋合理，提高软件的扩展性和维护性。我觉得呢，最开始就可以看这本书了，因为其中很多都是编码的规范，有时候我们的重构一开始就开始了，小到起名字这件事上，不多说，这也是一本好书，这个可以在学习完</a:t>
-            </a:r>
-            <a:r>
-              <a:rPr lang="en-US" altLang="zh-CN" sz="1200" b="0" i="0" kern="1200" dirty="0" smtClean="0">
-                <a:solidFill>
-                  <a:schemeClr val="tx1"/>
-                </a:solidFill>
-                <a:effectLst/>
-                <a:latin typeface="+mn-lt"/>
-                <a:ea typeface="+mn-ea"/>
-                <a:cs typeface="+mn-cs"/>
-              </a:rPr>
-              <a:t>java</a:t>
-            </a:r>
-            <a:r>
-              <a:rPr lang="zh-CN" altLang="en-US" sz="1200" b="0" i="0" kern="1200" dirty="0" smtClean="0">
-                <a:solidFill>
-                  <a:schemeClr val="tx1"/>
-                </a:solidFill>
-                <a:effectLst/>
-                <a:latin typeface="+mn-lt"/>
-                <a:ea typeface="+mn-ea"/>
-                <a:cs typeface="+mn-cs"/>
-              </a:rPr>
-              <a:t>语法就看起来了</a:t>
-            </a:r>
-            <a:endParaRPr lang="en-US" altLang="zh-CN" sz="1200" b="0" i="0" kern="1200" dirty="0" smtClean="0">
-              <a:solidFill>
-                <a:schemeClr val="tx1"/>
-              </a:solidFill>
-              <a:effectLst/>
-              <a:latin typeface="+mn-lt"/>
-              <a:ea typeface="+mn-ea"/>
-              <a:cs typeface="+mn-cs"/>
-            </a:endParaRPr>
-          </a:p>
-          <a:p>
-            <a:endParaRPr lang="en-US" altLang="zh-CN" sz="1200" b="0" i="0" kern="1200" dirty="0" smtClean="0">
-              <a:solidFill>
-                <a:schemeClr val="tx1"/>
-              </a:solidFill>
-              <a:effectLst/>
-              <a:latin typeface="+mn-lt"/>
-              <a:ea typeface="+mn-ea"/>
-              <a:cs typeface="+mn-cs"/>
-            </a:endParaRPr>
-          </a:p>
-          <a:p>
-            <a:r>
-              <a:rPr lang="en-US" altLang="zh-CN" sz="1200" b="0" i="0" kern="1200" dirty="0" smtClean="0">
-                <a:solidFill>
-                  <a:schemeClr val="tx1"/>
-                </a:solidFill>
-                <a:effectLst/>
-                <a:latin typeface="+mn-lt"/>
-                <a:ea typeface="+mn-ea"/>
-                <a:cs typeface="+mn-cs"/>
-              </a:rPr>
-              <a:t>C</a:t>
-            </a:r>
-            <a:r>
-              <a:rPr lang="zh-CN" altLang="en-US" sz="1200" b="0" i="0" kern="1200" dirty="0" smtClean="0">
-                <a:solidFill>
-                  <a:schemeClr val="tx1"/>
-                </a:solidFill>
-                <a:effectLst/>
-                <a:latin typeface="+mn-lt"/>
-                <a:ea typeface="+mn-ea"/>
-                <a:cs typeface="+mn-cs"/>
-              </a:rPr>
-              <a:t>语言程序设计，很薄的一本书，</a:t>
-            </a:r>
-            <a:r>
-              <a:rPr lang="en-US" altLang="zh-CN" sz="1200" b="0" i="0" kern="1200" dirty="0" smtClean="0">
-                <a:solidFill>
-                  <a:schemeClr val="tx1"/>
-                </a:solidFill>
-                <a:effectLst/>
-                <a:latin typeface="+mn-lt"/>
-                <a:ea typeface="+mn-ea"/>
-                <a:cs typeface="+mn-cs"/>
-              </a:rPr>
-              <a:t>C</a:t>
-            </a:r>
-            <a:r>
-              <a:rPr lang="zh-CN" altLang="en-US" sz="1200" b="0" i="0" kern="1200" dirty="0" smtClean="0">
-                <a:solidFill>
-                  <a:schemeClr val="tx1"/>
-                </a:solidFill>
-                <a:effectLst/>
-                <a:latin typeface="+mn-lt"/>
-                <a:ea typeface="+mn-ea"/>
-                <a:cs typeface="+mn-cs"/>
-              </a:rPr>
-              <a:t>语言的语法规则本来就是简洁的，看这本书我们能了解到</a:t>
-            </a:r>
-            <a:r>
-              <a:rPr lang="en-US" altLang="zh-CN" sz="1200" b="0" i="0" kern="1200" dirty="0" smtClean="0">
-                <a:solidFill>
-                  <a:schemeClr val="tx1"/>
-                </a:solidFill>
-                <a:effectLst/>
-                <a:latin typeface="+mn-lt"/>
-                <a:ea typeface="+mn-ea"/>
-                <a:cs typeface="+mn-cs"/>
-              </a:rPr>
-              <a:t>C</a:t>
-            </a:r>
-            <a:r>
-              <a:rPr lang="zh-CN" altLang="en-US" sz="1200" b="0" i="0" kern="1200" dirty="0" smtClean="0">
-                <a:solidFill>
-                  <a:schemeClr val="tx1"/>
-                </a:solidFill>
-                <a:effectLst/>
-                <a:latin typeface="+mn-lt"/>
-                <a:ea typeface="+mn-ea"/>
-                <a:cs typeface="+mn-cs"/>
-              </a:rPr>
-              <a:t>语言的简洁之美，不过也会知道其中的很多令人苦恼的地方，在看到这些地方后，你会明白，</a:t>
-            </a:r>
-            <a:r>
-              <a:rPr lang="en-US" altLang="zh-CN" sz="1200" b="0" i="0" kern="1200" dirty="0" smtClean="0">
-                <a:solidFill>
-                  <a:schemeClr val="tx1"/>
-                </a:solidFill>
-                <a:effectLst/>
-                <a:latin typeface="+mn-lt"/>
-                <a:ea typeface="+mn-ea"/>
-                <a:cs typeface="+mn-cs"/>
-              </a:rPr>
-              <a:t>Java</a:t>
-            </a:r>
-            <a:r>
-              <a:rPr lang="zh-CN" altLang="en-US" sz="1200" b="0" i="0" kern="1200" dirty="0" smtClean="0">
-                <a:solidFill>
-                  <a:schemeClr val="tx1"/>
-                </a:solidFill>
-                <a:effectLst/>
-                <a:latin typeface="+mn-lt"/>
-                <a:ea typeface="+mn-ea"/>
-                <a:cs typeface="+mn-cs"/>
-              </a:rPr>
-              <a:t>语言为什么是这样的原因，</a:t>
-            </a:r>
-            <a:r>
-              <a:rPr lang="en-US" altLang="zh-CN" sz="1200" b="0" i="0" kern="1200" dirty="0" smtClean="0">
-                <a:solidFill>
-                  <a:schemeClr val="tx1"/>
-                </a:solidFill>
-                <a:effectLst/>
-                <a:latin typeface="+mn-lt"/>
-                <a:ea typeface="+mn-ea"/>
-                <a:cs typeface="+mn-cs"/>
-              </a:rPr>
-              <a:t>java</a:t>
-            </a:r>
-            <a:r>
-              <a:rPr lang="zh-CN" altLang="en-US" sz="1200" b="0" i="0" kern="1200" dirty="0" smtClean="0">
-                <a:solidFill>
-                  <a:schemeClr val="tx1"/>
-                </a:solidFill>
-                <a:effectLst/>
-                <a:latin typeface="+mn-lt"/>
-                <a:ea typeface="+mn-ea"/>
-                <a:cs typeface="+mn-cs"/>
-              </a:rPr>
-              <a:t>为我们带来了多少的方便，通过对比我们也可能会认识到</a:t>
-            </a:r>
-            <a:r>
-              <a:rPr lang="en-US" altLang="zh-CN" sz="1200" b="0" i="0" kern="1200" dirty="0" smtClean="0">
-                <a:solidFill>
-                  <a:schemeClr val="tx1"/>
-                </a:solidFill>
-                <a:effectLst/>
-                <a:latin typeface="+mn-lt"/>
-                <a:ea typeface="+mn-ea"/>
-                <a:cs typeface="+mn-cs"/>
-              </a:rPr>
-              <a:t>Java</a:t>
-            </a:r>
-            <a:r>
-              <a:rPr lang="zh-CN" altLang="en-US" sz="1200" b="0" i="0" kern="1200" dirty="0" smtClean="0">
-                <a:solidFill>
-                  <a:schemeClr val="tx1"/>
-                </a:solidFill>
-                <a:effectLst/>
-                <a:latin typeface="+mn-lt"/>
-                <a:ea typeface="+mn-ea"/>
-                <a:cs typeface="+mn-cs"/>
-              </a:rPr>
-              <a:t>的一些局限，对比可能会让你对</a:t>
-            </a:r>
-            <a:r>
-              <a:rPr lang="en-US" altLang="zh-CN" sz="1200" b="0" i="0" kern="1200" dirty="0" smtClean="0">
-                <a:solidFill>
-                  <a:schemeClr val="tx1"/>
-                </a:solidFill>
-                <a:effectLst/>
-                <a:latin typeface="+mn-lt"/>
-                <a:ea typeface="+mn-ea"/>
-                <a:cs typeface="+mn-cs"/>
-              </a:rPr>
-              <a:t>Java</a:t>
-            </a:r>
-            <a:r>
-              <a:rPr lang="zh-CN" altLang="en-US" sz="1200" b="0" i="0" kern="1200" dirty="0" smtClean="0">
-                <a:solidFill>
-                  <a:schemeClr val="tx1"/>
-                </a:solidFill>
-                <a:effectLst/>
-                <a:latin typeface="+mn-lt"/>
-                <a:ea typeface="+mn-ea"/>
-                <a:cs typeface="+mn-cs"/>
-              </a:rPr>
-              <a:t>的理解更为深入</a:t>
-            </a:r>
-            <a:endParaRPr lang="en-US" altLang="zh-CN" sz="1200" b="0" i="0" kern="1200" dirty="0" smtClean="0">
-              <a:solidFill>
-                <a:schemeClr val="tx1"/>
-              </a:solidFill>
-              <a:effectLst/>
-              <a:latin typeface="+mn-lt"/>
-              <a:ea typeface="+mn-ea"/>
-              <a:cs typeface="+mn-cs"/>
-            </a:endParaRPr>
-          </a:p>
-          <a:p>
-            <a:endParaRPr lang="en-US" altLang="zh-CN" sz="1200" b="0" i="0" kern="1200" dirty="0" smtClean="0">
-              <a:solidFill>
-                <a:schemeClr val="tx1"/>
-              </a:solidFill>
-              <a:effectLst/>
-              <a:latin typeface="+mn-lt"/>
-              <a:ea typeface="+mn-ea"/>
-              <a:cs typeface="+mn-cs"/>
-            </a:endParaRPr>
-          </a:p>
-          <a:p>
-            <a:r>
-              <a:rPr lang="zh-CN" altLang="en-US" sz="1200" b="0" i="0" kern="1200" dirty="0" smtClean="0">
-                <a:solidFill>
-                  <a:schemeClr val="tx1"/>
-                </a:solidFill>
-                <a:effectLst/>
-                <a:latin typeface="+mn-lt"/>
-                <a:ea typeface="+mn-ea"/>
-                <a:cs typeface="+mn-cs"/>
-              </a:rPr>
-              <a:t>最后一本书是国人写的，写的关键还很棒，真的是国人的骄傲，如果我们编写</a:t>
-            </a:r>
-            <a:r>
-              <a:rPr lang="en-US" altLang="zh-CN" sz="1200" b="0" i="0" kern="1200" dirty="0" smtClean="0">
-                <a:solidFill>
-                  <a:schemeClr val="tx1"/>
-                </a:solidFill>
-                <a:effectLst/>
-                <a:latin typeface="+mn-lt"/>
-                <a:ea typeface="+mn-ea"/>
-                <a:cs typeface="+mn-cs"/>
-              </a:rPr>
-              <a:t>java</a:t>
-            </a:r>
-            <a:r>
-              <a:rPr lang="zh-CN" altLang="en-US" sz="1200" b="0" i="0" kern="1200" dirty="0" smtClean="0">
-                <a:solidFill>
-                  <a:schemeClr val="tx1"/>
-                </a:solidFill>
-                <a:effectLst/>
-                <a:latin typeface="+mn-lt"/>
-                <a:ea typeface="+mn-ea"/>
-                <a:cs typeface="+mn-cs"/>
-              </a:rPr>
-              <a:t>程序有一段时间了，想要进一步深入了解下</a:t>
-            </a:r>
-            <a:r>
-              <a:rPr lang="en-US" altLang="zh-CN" sz="1200" b="0" i="0" kern="1200" dirty="0" smtClean="0">
-                <a:solidFill>
-                  <a:schemeClr val="tx1"/>
-                </a:solidFill>
-                <a:effectLst/>
-                <a:latin typeface="+mn-lt"/>
-                <a:ea typeface="+mn-ea"/>
-                <a:cs typeface="+mn-cs"/>
-              </a:rPr>
-              <a:t>java</a:t>
-            </a:r>
-            <a:r>
-              <a:rPr lang="zh-CN" altLang="en-US" sz="1200" b="0" i="0" kern="1200" dirty="0" smtClean="0">
-                <a:solidFill>
-                  <a:schemeClr val="tx1"/>
-                </a:solidFill>
-                <a:effectLst/>
-                <a:latin typeface="+mn-lt"/>
-                <a:ea typeface="+mn-ea"/>
-                <a:cs typeface="+mn-cs"/>
-              </a:rPr>
-              <a:t>运行的原理，我推荐大家看下这本书，写的真的很好</a:t>
-            </a:r>
-            <a:endParaRPr lang="en-US" altLang="zh-CN" sz="1200" b="0" i="0" kern="1200" dirty="0" smtClean="0">
-              <a:solidFill>
-                <a:schemeClr val="tx1"/>
-              </a:solidFill>
-              <a:effectLst/>
-              <a:latin typeface="+mn-lt"/>
-              <a:ea typeface="+mn-ea"/>
-              <a:cs typeface="+mn-cs"/>
-            </a:endParaRPr>
-          </a:p>
-          <a:p>
-            <a:endParaRPr lang="en-US" altLang="zh-CN" sz="1200" b="0" i="0" kern="1200" dirty="0" smtClean="0">
-              <a:solidFill>
-                <a:schemeClr val="tx1"/>
-              </a:solidFill>
-              <a:effectLst/>
-              <a:latin typeface="+mn-lt"/>
-              <a:ea typeface="+mn-ea"/>
-              <a:cs typeface="+mn-cs"/>
-            </a:endParaRPr>
-          </a:p>
-          <a:p>
-            <a:endParaRPr lang="en-US" altLang="zh-CN" sz="1200" b="0" i="0" kern="1200" dirty="0" smtClean="0">
-              <a:solidFill>
-                <a:schemeClr val="tx1"/>
-              </a:solidFill>
-              <a:effectLst/>
-              <a:latin typeface="+mn-lt"/>
-              <a:ea typeface="+mn-ea"/>
-              <a:cs typeface="+mn-cs"/>
-            </a:endParaRPr>
-          </a:p>
-          <a:p>
-            <a:endParaRPr lang="en-US" altLang="zh-CN" sz="1200" b="0" i="0" kern="1200" dirty="0" smtClean="0">
-              <a:solidFill>
-                <a:schemeClr val="tx1"/>
-              </a:solidFill>
-              <a:effectLst/>
-              <a:latin typeface="+mn-lt"/>
-              <a:ea typeface="+mn-ea"/>
-              <a:cs typeface="+mn-cs"/>
-            </a:endParaRPr>
-          </a:p>
-          <a:p>
-            <a:endParaRPr lang="en-US" altLang="zh-CN" sz="1200" b="0" i="0" kern="1200" dirty="0" smtClean="0">
-              <a:solidFill>
-                <a:schemeClr val="tx1"/>
-              </a:solidFill>
-              <a:effectLst/>
-              <a:latin typeface="+mn-lt"/>
-              <a:ea typeface="+mn-ea"/>
-              <a:cs typeface="+mn-cs"/>
-            </a:endParaRPr>
-          </a:p>
-          <a:p>
             <a:endParaRPr lang="zh-CN" altLang="en-US" dirty="0"/>
           </a:p>
         </p:txBody>
@@ -1689,7 +626,7 @@
           <a:p>
             <a:fld id="{38A8ACF5-C29D-4199-AE4F-AD7991FDFB26}" type="slidenum">
               <a:rPr lang="zh-CN" altLang="en-US" smtClean="0"/>
-              <a:t>10</a:t>
+              <a:t>11</a:t>
             </a:fld>
             <a:endParaRPr lang="zh-CN" altLang="en-US"/>
           </a:p>
@@ -1698,7 +635,7 @@
     </p:spTree>
     <p:extLst>
       <p:ext uri="{BB962C8B-B14F-4D97-AF65-F5344CB8AC3E}">
-        <p14:creationId xmlns:p14="http://schemas.microsoft.com/office/powerpoint/2010/main" val="2314395700"/>
+        <p14:creationId xmlns:p14="http://schemas.microsoft.com/office/powerpoint/2010/main" val="3295385151"/>
       </p:ext>
     </p:extLst>
   </p:cSld>
@@ -1751,216 +688,6 @@
         <p:txBody>
           <a:bodyPr/>
           <a:lstStyle/>
-          <a:p>
-            <a:r>
-              <a:rPr lang="en-US" altLang="zh-CN" dirty="0" smtClean="0"/>
-              <a:t>OK</a:t>
-            </a:r>
-            <a:r>
-              <a:rPr lang="zh-CN" altLang="en-US" dirty="0" smtClean="0"/>
-              <a:t>，其他的全部可以忘记了，大家记住这两点就可以了，下一讲那，我将会带大家正式去写一个</a:t>
-            </a:r>
-            <a:r>
-              <a:rPr lang="en-US" altLang="zh-CN" dirty="0" smtClean="0"/>
-              <a:t>Java</a:t>
-            </a:r>
-            <a:r>
-              <a:rPr lang="zh-CN" altLang="en-US" dirty="0" smtClean="0"/>
-              <a:t>小程序，写完这个小程序那，大家就可以说，哦，我是一个</a:t>
-            </a:r>
-            <a:r>
-              <a:rPr lang="en-US" altLang="zh-CN" dirty="0" smtClean="0"/>
-              <a:t>Java</a:t>
-            </a:r>
-            <a:r>
-              <a:rPr lang="zh-CN" altLang="en-US" dirty="0" smtClean="0"/>
-              <a:t>程序员了，尽管要合格还需要努力，</a:t>
-            </a:r>
-            <a:r>
-              <a:rPr lang="en-US" altLang="zh-CN" dirty="0" smtClean="0"/>
-              <a:t>OK</a:t>
-            </a:r>
-            <a:r>
-              <a:rPr lang="zh-CN" altLang="en-US" dirty="0" smtClean="0"/>
-              <a:t>就是这些了</a:t>
-            </a:r>
-            <a:endParaRPr lang="zh-CN" altLang="en-US" dirty="0"/>
-          </a:p>
-        </p:txBody>
-      </p:sp>
-      <p:sp>
-        <p:nvSpPr>
-          <p:cNvPr id="4" name="灯片编号占位符 3"/>
-          <p:cNvSpPr>
-            <a:spLocks noGrp="1"/>
-          </p:cNvSpPr>
-          <p:nvPr>
-            <p:ph type="sldNum" sz="quarter" idx="10"/>
-          </p:nvPr>
-        </p:nvSpPr>
-        <p:spPr/>
-        <p:txBody>
-          <a:bodyPr/>
-          <a:lstStyle/>
-          <a:p>
-            <a:fld id="{38A8ACF5-C29D-4199-AE4F-AD7991FDFB26}" type="slidenum">
-              <a:rPr lang="zh-CN" altLang="en-US" smtClean="0"/>
-              <a:t>11</a:t>
-            </a:fld>
-            <a:endParaRPr lang="zh-CN" altLang="en-US"/>
-          </a:p>
-        </p:txBody>
-      </p:sp>
-    </p:spTree>
-    <p:extLst>
-      <p:ext uri="{BB962C8B-B14F-4D97-AF65-F5344CB8AC3E}">
-        <p14:creationId xmlns:p14="http://schemas.microsoft.com/office/powerpoint/2010/main" val="3295385151"/>
-      </p:ext>
-    </p:extLst>
-  </p:cSld>
-  <p:clrMapOvr>
-    <a:masterClrMapping/>
-  </p:clrMapOvr>
-</p:notes>
-</file>
-
-<file path=ppt/notesSlides/notesSlide12.xml><?xml version="1.0" encoding="utf-8"?>
-<p:notes xmlns:a="http://schemas.openxmlformats.org/drawingml/2006/main" xmlns:r="http://schemas.openxmlformats.org/officeDocument/2006/relationships" xmlns:p="http://schemas.openxmlformats.org/presentationml/2006/main">
-  <p:cSld>
-    <p:spTree>
-      <p:nvGrpSpPr>
-        <p:cNvPr id="1" name=""/>
-        <p:cNvGrpSpPr/>
-        <p:nvPr/>
-      </p:nvGrpSpPr>
-      <p:grpSpPr>
-        <a:xfrm>
-          <a:off x="0" y="0"/>
-          <a:ext cx="0" cy="0"/>
-          <a:chOff x="0" y="0"/>
-          <a:chExt cx="0" cy="0"/>
-        </a:xfrm>
-      </p:grpSpPr>
-      <p:sp>
-        <p:nvSpPr>
-          <p:cNvPr id="2" name="幻灯片图像占位符 1"/>
-          <p:cNvSpPr>
-            <a:spLocks noGrp="1" noRot="1" noChangeAspect="1"/>
-          </p:cNvSpPr>
-          <p:nvPr>
-            <p:ph type="sldImg"/>
-          </p:nvPr>
-        </p:nvSpPr>
-        <p:spPr/>
-      </p:sp>
-      <p:sp>
-        <p:nvSpPr>
-          <p:cNvPr id="3" name="备注占位符 2"/>
-          <p:cNvSpPr>
-            <a:spLocks noGrp="1"/>
-          </p:cNvSpPr>
-          <p:nvPr>
-            <p:ph type="body" idx="1"/>
-          </p:nvPr>
-        </p:nvSpPr>
-        <p:spPr/>
-        <p:txBody>
-          <a:bodyPr/>
-          <a:lstStyle/>
-          <a:p>
-            <a:r>
-              <a:rPr lang="zh-CN" altLang="en-US" dirty="0" smtClean="0"/>
-              <a:t>最后那我想说下，和大家交流沟通的方式哈，首先是微博，如果新的视频或者分享那我会在微博上通知大家，如果大家有编程方面的相关问题呢，我也会尽量的回答大家，因为本人工作原因，可能会回答不及时哈，请大家见谅哈</a:t>
-            </a:r>
-            <a:endParaRPr lang="en-US" altLang="zh-CN" dirty="0" smtClean="0"/>
-          </a:p>
-          <a:p>
-            <a:r>
-              <a:rPr lang="zh-CN" altLang="en-US" dirty="0" smtClean="0"/>
-              <a:t>教学视频我会上传到优酷和</a:t>
-            </a:r>
-            <a:r>
-              <a:rPr lang="en-US" altLang="zh-CN" dirty="0" smtClean="0"/>
-              <a:t>BiliBili</a:t>
-            </a:r>
-            <a:r>
-              <a:rPr lang="zh-CN" altLang="en-US" dirty="0" smtClean="0"/>
-              <a:t>上的</a:t>
-            </a:r>
-            <a:endParaRPr lang="en-US" altLang="zh-CN" dirty="0" smtClean="0"/>
-          </a:p>
-          <a:p>
-            <a:r>
-              <a:rPr lang="en-US" altLang="zh-CN" dirty="0" smtClean="0"/>
-              <a:t>GitHub</a:t>
-            </a:r>
-            <a:r>
-              <a:rPr lang="zh-CN" altLang="en-US" dirty="0" smtClean="0"/>
-              <a:t>那这个网站可能大家不是很熟悉哈，这个是全球最大的同性交友网站哈，因为上这个网站的基本都是程序员，哈哈，如何使用</a:t>
-            </a:r>
-            <a:r>
-              <a:rPr lang="en-US" altLang="zh-CN" dirty="0" err="1" smtClean="0"/>
-              <a:t>git</a:t>
-            </a:r>
-            <a:r>
-              <a:rPr lang="zh-CN" altLang="en-US" dirty="0" smtClean="0"/>
-              <a:t>和</a:t>
-            </a:r>
-            <a:r>
-              <a:rPr lang="en-US" altLang="zh-CN" dirty="0" err="1" smtClean="0"/>
-              <a:t>github</a:t>
-            </a:r>
-            <a:r>
-              <a:rPr lang="zh-CN" altLang="en-US" dirty="0" smtClean="0"/>
-              <a:t>还需要大家学习一下呢，简单的讲那它可以帮助维护项目，可以上传到上面一些文件，而大家都可以进行下载，或者提交，我会将</a:t>
-            </a:r>
-            <a:r>
-              <a:rPr lang="en-US" altLang="zh-CN" dirty="0" err="1" smtClean="0"/>
-              <a:t>ppt</a:t>
-            </a:r>
-            <a:r>
-              <a:rPr lang="zh-CN" altLang="en-US" dirty="0" smtClean="0"/>
-              <a:t>和相关的资料上传到这个网站上，后期那，我会留一些题目，大家可以在这个网站上提交答案，另外后期我会带大家一起做一个小项目，进行简单的实战，我们的代码那，会在这个网站上进行维护</a:t>
-            </a:r>
-            <a:endParaRPr lang="en-US" altLang="zh-CN" dirty="0" smtClean="0"/>
-          </a:p>
-          <a:p>
-            <a:pPr marL="0" marR="0" indent="0" algn="l" defTabSz="914400" rtl="0" eaLnBrk="1" fontAlgn="auto" latinLnBrk="0" hangingPunct="1">
-              <a:lnSpc>
-                <a:spcPct val="100000"/>
-              </a:lnSpc>
-              <a:spcBef>
-                <a:spcPts val="0"/>
-              </a:spcBef>
-              <a:spcAft>
-                <a:spcPts val="0"/>
-              </a:spcAft>
-              <a:buClrTx/>
-              <a:buSzTx/>
-              <a:buFontTx/>
-              <a:buNone/>
-              <a:tabLst/>
-              <a:defRPr/>
-            </a:pPr>
-            <a:r>
-              <a:rPr lang="en-US" altLang="zh-CN" sz="1200" b="1" dirty="0" smtClean="0">
-                <a:latin typeface="幼圆" panose="02010509060101010101" pitchFamily="49" charset="-122"/>
-                <a:ea typeface="幼圆" panose="02010509060101010101" pitchFamily="49" charset="-122"/>
-              </a:rPr>
-              <a:t>www.ezcode.top</a:t>
-            </a:r>
-            <a:r>
-              <a:rPr lang="zh-CN" altLang="en-US" sz="1200" b="1" dirty="0" smtClean="0">
-                <a:latin typeface="幼圆" panose="02010509060101010101" pitchFamily="49" charset="-122"/>
-                <a:ea typeface="幼圆" panose="02010509060101010101" pitchFamily="49" charset="-122"/>
-              </a:rPr>
-              <a:t>，这个网站域名那我已经申请下来了，不过现在还没有开通，后期我会把这个网站搭起来，这样那以后和大家交流就会更加方便哈</a:t>
-            </a:r>
-            <a:endParaRPr lang="en-US" altLang="zh-CN" sz="1200" b="1" dirty="0" smtClean="0">
-              <a:latin typeface="幼圆" panose="02010509060101010101" pitchFamily="49" charset="-122"/>
-              <a:ea typeface="幼圆" panose="02010509060101010101" pitchFamily="49" charset="-122"/>
-            </a:endParaRPr>
-          </a:p>
           <a:p>
             <a:endParaRPr lang="en-US" altLang="zh-CN" dirty="0" smtClean="0"/>
           </a:p>
@@ -2046,18 +773,6 @@
           <a:bodyPr/>
           <a:lstStyle/>
           <a:p>
-            <a:r>
-              <a:rPr lang="zh-CN" altLang="en-US" dirty="0" smtClean="0"/>
-              <a:t>书归正传，我们在这一讲那，将会讲下</a:t>
-            </a:r>
-            <a:r>
-              <a:rPr lang="en-US" altLang="zh-CN" dirty="0" smtClean="0"/>
-              <a:t>Java</a:t>
-            </a:r>
-            <a:r>
-              <a:rPr lang="zh-CN" altLang="en-US" dirty="0" smtClean="0"/>
-              <a:t>是在怎样的背景下诞生的，同时那介绍下其他的几种相关语言</a:t>
-            </a:r>
             <a:endParaRPr lang="zh-CN" altLang="en-US" dirty="0"/>
           </a:p>
         </p:txBody>
@@ -2142,66 +857,6 @@
           <a:bodyPr/>
           <a:lstStyle/>
           <a:p>
-            <a:r>
-              <a:rPr lang="zh-CN" altLang="en-US" sz="1200" b="0" i="0" kern="1200" dirty="0" smtClean="0">
-                <a:solidFill>
-                  <a:schemeClr val="tx1"/>
-                </a:solidFill>
-                <a:effectLst/>
-                <a:latin typeface="+mn-lt"/>
-                <a:ea typeface="+mn-ea"/>
-                <a:cs typeface="+mn-cs"/>
-              </a:rPr>
-              <a:t>关于优点：计算机的灵魂是</a:t>
-            </a:r>
-            <a:r>
-              <a:rPr lang="en-US" altLang="zh-CN" sz="1200" b="0" i="0" kern="1200" dirty="0" smtClean="0">
-                <a:solidFill>
-                  <a:schemeClr val="tx1"/>
-                </a:solidFill>
-                <a:effectLst/>
-                <a:latin typeface="+mn-lt"/>
-                <a:ea typeface="+mn-ea"/>
-                <a:cs typeface="+mn-cs"/>
-              </a:rPr>
-              <a:t>01</a:t>
-            </a:r>
-            <a:r>
-              <a:rPr lang="zh-CN" altLang="en-US" sz="1200" b="0" i="0" kern="1200" dirty="0" smtClean="0">
-                <a:solidFill>
-                  <a:schemeClr val="tx1"/>
-                </a:solidFill>
-                <a:effectLst/>
-                <a:latin typeface="+mn-lt"/>
-                <a:ea typeface="+mn-ea"/>
-                <a:cs typeface="+mn-cs"/>
-              </a:rPr>
-              <a:t>码，她所能够直接理解的就是</a:t>
-            </a:r>
-            <a:r>
-              <a:rPr lang="en-US" altLang="zh-CN" sz="1200" b="0" i="0" kern="1200" dirty="0" smtClean="0">
-                <a:solidFill>
-                  <a:schemeClr val="tx1"/>
-                </a:solidFill>
-                <a:effectLst/>
-                <a:latin typeface="+mn-lt"/>
-                <a:ea typeface="+mn-ea"/>
-                <a:cs typeface="+mn-cs"/>
-              </a:rPr>
-              <a:t>01</a:t>
-            </a:r>
-            <a:r>
-              <a:rPr lang="zh-CN" altLang="en-US" sz="1200" b="0" i="0" kern="1200" dirty="0" smtClean="0">
-                <a:solidFill>
-                  <a:schemeClr val="tx1"/>
-                </a:solidFill>
-                <a:effectLst/>
-                <a:latin typeface="+mn-lt"/>
-                <a:ea typeface="+mn-ea"/>
-                <a:cs typeface="+mn-cs"/>
-              </a:rPr>
-              <a:t>了，没有任何的中介，故而最快</a:t>
-            </a:r>
             <a:endParaRPr lang="en-US" altLang="zh-CN" sz="1200" b="0" i="0" kern="1200" dirty="0" smtClean="0">
               <a:solidFill>
                 <a:schemeClr val="tx1"/>
@@ -2212,180 +867,6 @@
               <a:cs typeface="+mn-cs"/>
             </a:endParaRPr>
           </a:p>
-          <a:p>
-            <a:endParaRPr lang="en-US" altLang="zh-CN" sz="1200" b="0" i="0" kern="1200" dirty="0" smtClean="0">
-              <a:solidFill>
-                <a:schemeClr val="tx1"/>
-              </a:solidFill>
-              <a:effectLst/>
-              <a:latin typeface="+mn-lt"/>
-              <a:ea typeface="+mn-ea"/>
-              <a:cs typeface="+mn-cs"/>
-            </a:endParaRPr>
-          </a:p>
-          <a:p>
-            <a:r>
-              <a:rPr lang="zh-CN" altLang="en-US" sz="1200" b="0" i="0" kern="1200" dirty="0" smtClean="0">
-                <a:solidFill>
-                  <a:schemeClr val="tx1"/>
-                </a:solidFill>
-                <a:effectLst/>
-                <a:latin typeface="+mn-lt"/>
-                <a:ea typeface="+mn-ea"/>
-                <a:cs typeface="+mn-cs"/>
-              </a:rPr>
-              <a:t>关于缺点：看示例，电脑手机同一段</a:t>
-            </a:r>
-            <a:r>
-              <a:rPr lang="en-US" altLang="zh-CN" sz="1200" b="0" i="0" kern="1200" dirty="0" smtClean="0">
-                <a:solidFill>
-                  <a:schemeClr val="tx1"/>
-                </a:solidFill>
-                <a:effectLst/>
-                <a:latin typeface="+mn-lt"/>
-                <a:ea typeface="+mn-ea"/>
-                <a:cs typeface="+mn-cs"/>
-              </a:rPr>
-              <a:t>01</a:t>
-            </a:r>
-            <a:r>
-              <a:rPr lang="zh-CN" altLang="en-US" sz="1200" b="0" i="0" kern="1200" dirty="0" smtClean="0">
-                <a:solidFill>
-                  <a:schemeClr val="tx1"/>
-                </a:solidFill>
-                <a:effectLst/>
-                <a:latin typeface="+mn-lt"/>
-                <a:ea typeface="+mn-ea"/>
-                <a:cs typeface="+mn-cs"/>
-              </a:rPr>
-              <a:t>码表示不同的含义，在电脑上运行的代码无法在手机上运行</a:t>
-            </a:r>
-            <a:endParaRPr lang="en-US" altLang="zh-CN" sz="1200" b="0" i="0" kern="1200" dirty="0" smtClean="0">
-              <a:solidFill>
-                <a:schemeClr val="tx1"/>
-              </a:solidFill>
-              <a:effectLst/>
-              <a:latin typeface="+mn-lt"/>
-              <a:ea typeface="+mn-ea"/>
-              <a:cs typeface="+mn-cs"/>
-            </a:endParaRPr>
-          </a:p>
-          <a:p>
-            <a:endParaRPr lang="en-US" altLang="zh-CN" sz="1200" b="0" i="0" kern="1200" dirty="0" smtClean="0">
-              <a:solidFill>
-                <a:schemeClr val="tx1"/>
-              </a:solidFill>
-              <a:effectLst/>
-              <a:latin typeface="+mn-lt"/>
-              <a:ea typeface="+mn-ea"/>
-              <a:cs typeface="+mn-cs"/>
-            </a:endParaRPr>
-          </a:p>
-          <a:p>
-            <a:r>
-              <a:rPr lang="zh-CN" altLang="en-US" sz="1200" b="0" i="0" kern="1200" dirty="0" smtClean="0">
-                <a:solidFill>
-                  <a:schemeClr val="tx1"/>
-                </a:solidFill>
-                <a:effectLst/>
-                <a:latin typeface="+mn-lt"/>
-                <a:ea typeface="+mn-ea"/>
-                <a:cs typeface="+mn-cs"/>
-              </a:rPr>
-              <a:t>关于示例：看到这段</a:t>
-            </a:r>
-            <a:r>
-              <a:rPr lang="en-US" altLang="zh-CN" sz="1200" b="0" i="0" kern="1200" dirty="0" smtClean="0">
-                <a:solidFill>
-                  <a:schemeClr val="tx1"/>
-                </a:solidFill>
-                <a:effectLst/>
-                <a:latin typeface="+mn-lt"/>
-                <a:ea typeface="+mn-ea"/>
-                <a:cs typeface="+mn-cs"/>
-              </a:rPr>
-              <a:t>01</a:t>
-            </a:r>
-            <a:r>
-              <a:rPr lang="zh-CN" altLang="en-US" sz="1200" b="0" i="0" kern="1200" dirty="0" smtClean="0">
-                <a:solidFill>
-                  <a:schemeClr val="tx1"/>
-                </a:solidFill>
-                <a:effectLst/>
-                <a:latin typeface="+mn-lt"/>
-                <a:ea typeface="+mn-ea"/>
-                <a:cs typeface="+mn-cs"/>
-              </a:rPr>
-              <a:t>码那，非常难以理解，没有任何的提示内容，这段</a:t>
-            </a:r>
-            <a:r>
-              <a:rPr lang="en-US" altLang="zh-CN" sz="1200" b="0" i="0" kern="1200" dirty="0" smtClean="0">
-                <a:solidFill>
-                  <a:schemeClr val="tx1"/>
-                </a:solidFill>
-                <a:effectLst/>
-                <a:latin typeface="+mn-lt"/>
-                <a:ea typeface="+mn-ea"/>
-                <a:cs typeface="+mn-cs"/>
-              </a:rPr>
-              <a:t>01</a:t>
-            </a:r>
-            <a:r>
-              <a:rPr lang="zh-CN" altLang="en-US" sz="1200" b="0" i="0" kern="1200" dirty="0" smtClean="0">
-                <a:solidFill>
-                  <a:schemeClr val="tx1"/>
-                </a:solidFill>
-                <a:effectLst/>
-                <a:latin typeface="+mn-lt"/>
-                <a:ea typeface="+mn-ea"/>
-                <a:cs typeface="+mn-cs"/>
-              </a:rPr>
-              <a:t>码同他所表示的含义之间我们人类是看不出任何联系的</a:t>
-            </a:r>
-            <a:endParaRPr lang="en-US" altLang="zh-CN" sz="1200" b="0" i="0" kern="1200" dirty="0" smtClean="0">
-              <a:solidFill>
-                <a:schemeClr val="tx1"/>
-              </a:solidFill>
-              <a:effectLst/>
-              <a:latin typeface="+mn-lt"/>
-              <a:ea typeface="+mn-ea"/>
-              <a:cs typeface="+mn-cs"/>
-            </a:endParaRPr>
-          </a:p>
-          <a:p>
-            <a:endParaRPr lang="en-US" altLang="zh-CN" sz="1200" b="0" i="0" kern="1200" dirty="0" smtClean="0">
-              <a:solidFill>
-                <a:schemeClr val="tx1"/>
-              </a:solidFill>
-              <a:effectLst/>
-              <a:latin typeface="+mn-lt"/>
-              <a:ea typeface="+mn-ea"/>
-              <a:cs typeface="+mn-cs"/>
-            </a:endParaRPr>
-          </a:p>
-          <a:p>
-            <a:r>
-              <a:rPr lang="zh-CN" altLang="en-US" sz="1200" b="0" i="0" kern="1200" dirty="0" smtClean="0">
-                <a:solidFill>
-                  <a:schemeClr val="tx1"/>
-                </a:solidFill>
-                <a:effectLst/>
-                <a:latin typeface="+mn-lt"/>
-                <a:ea typeface="+mn-ea"/>
-                <a:cs typeface="+mn-cs"/>
-              </a:rPr>
-              <a:t>为了解决机器语言的问题。。</a:t>
-            </a:r>
-            <a:endParaRPr lang="en-US" altLang="zh-CN" sz="1200" b="0" i="0" kern="1200" dirty="0" smtClean="0">
-              <a:solidFill>
-                <a:schemeClr val="tx1"/>
-              </a:solidFill>
-              <a:effectLst/>
-              <a:latin typeface="+mn-lt"/>
-              <a:ea typeface="+mn-ea"/>
-              <a:cs typeface="+mn-cs"/>
-            </a:endParaRPr>
-          </a:p>
         </p:txBody>
       </p:sp>
       <p:sp>
@@ -2405,7 +886,7 @@
           <a:p>
             <a:fld id="{38A8ACF5-C29D-4199-AE4F-AD7991FDFB26}" type="slidenum">
               <a:rPr lang="zh-CN" altLang="en-US" smtClean="0"/>
-              <a:t>3</a:t>
+              <a:t>4</a:t>
             </a:fld>
             <a:endParaRPr lang="zh-CN" altLang="en-US"/>
           </a:p>
@@ -2468,51 +949,6 @@
           <a:bodyPr/>
           <a:lstStyle/>
           <a:p>
-            <a:r>
-              <a:rPr lang="zh-CN" altLang="en-US" dirty="0" smtClean="0"/>
-              <a:t>简介：这些符号可以理解为助记符</a:t>
-            </a:r>
-            <a:endParaRPr lang="en-US" altLang="zh-CN" dirty="0" smtClean="0"/>
-          </a:p>
-          <a:p>
-            <a:endParaRPr lang="en-US" altLang="zh-CN" dirty="0" smtClean="0"/>
-          </a:p>
-          <a:p>
-            <a:r>
-              <a:rPr lang="zh-CN" altLang="en-US" dirty="0" smtClean="0"/>
-              <a:t>缺点：汇编</a:t>
-            </a:r>
-            <a:r>
-              <a:rPr lang="zh-CN" altLang="en-US" dirty="0" smtClean="0"/>
-              <a:t>指令依然是硬件相关的，一些指令在一个</a:t>
-            </a:r>
-            <a:r>
-              <a:rPr lang="en-US" altLang="zh-CN" dirty="0" smtClean="0"/>
-              <a:t>CPU</a:t>
-            </a:r>
-            <a:r>
-              <a:rPr lang="zh-CN" altLang="en-US" dirty="0" smtClean="0"/>
-              <a:t>上能用，另一个也许就不能了</a:t>
-            </a:r>
-            <a:endParaRPr lang="en-US" altLang="zh-CN" dirty="0" smtClean="0"/>
-          </a:p>
-          <a:p>
-            <a:endParaRPr lang="en-US" altLang="zh-CN" dirty="0" smtClean="0"/>
-          </a:p>
-          <a:p>
-            <a:endParaRPr lang="en-US" altLang="zh-CN" dirty="0" smtClean="0"/>
-          </a:p>
-          <a:p>
-            <a:endParaRPr lang="en-US" altLang="zh-CN" dirty="0" smtClean="0"/>
-          </a:p>
-          <a:p>
-            <a:r>
-              <a:rPr lang="zh-CN" altLang="en-US" dirty="0" smtClean="0"/>
-              <a:t>翻译官的概念</a:t>
-            </a:r>
-            <a:endParaRPr lang="en-US" altLang="zh-CN" dirty="0" smtClean="0"/>
-          </a:p>
-          <a:p>
             <a:endParaRPr lang="zh-CN" altLang="en-US" dirty="0"/>
           </a:p>
         </p:txBody>
@@ -2534,7 +970,7 @@
           <a:p>
             <a:fld id="{38A8ACF5-C29D-4199-AE4F-AD7991FDFB26}" type="slidenum">
               <a:rPr lang="zh-CN" altLang="en-US" smtClean="0"/>
-              <a:t>4</a:t>
+              <a:t>5</a:t>
             </a:fld>
             <a:endParaRPr lang="zh-CN" altLang="en-US"/>
           </a:p>
@@ -2597,1752 +1033,6 @@
           <a:bodyPr/>
           <a:lstStyle/>
           <a:p>
-            <a:r>
-              <a:rPr lang="en-US" altLang="zh-CN" sz="1200" b="0" i="0" kern="1200" dirty="0" smtClean="0">
-                <a:solidFill>
-                  <a:schemeClr val="tx1"/>
-                </a:solidFill>
-                <a:effectLst/>
-                <a:latin typeface="+mn-lt"/>
-                <a:ea typeface="+mn-ea"/>
-                <a:cs typeface="+mn-cs"/>
-              </a:rPr>
-              <a:t>C</a:t>
-            </a:r>
-            <a:r>
-              <a:rPr lang="zh-CN" altLang="en-US" sz="1200" b="0" i="0" kern="1200" dirty="0" smtClean="0">
-                <a:solidFill>
-                  <a:schemeClr val="tx1"/>
-                </a:solidFill>
-                <a:effectLst/>
-                <a:latin typeface="+mn-lt"/>
-                <a:ea typeface="+mn-ea"/>
-                <a:cs typeface="+mn-cs"/>
-              </a:rPr>
-              <a:t>语言之所以命名为</a:t>
-            </a:r>
-            <a:r>
-              <a:rPr lang="en-US" altLang="zh-CN" sz="1200" b="0" i="0" kern="1200" dirty="0" smtClean="0">
-                <a:solidFill>
-                  <a:schemeClr val="tx1"/>
-                </a:solidFill>
-                <a:effectLst/>
-                <a:latin typeface="+mn-lt"/>
-                <a:ea typeface="+mn-ea"/>
-                <a:cs typeface="+mn-cs"/>
-              </a:rPr>
-              <a:t>C</a:t>
-            </a:r>
-            <a:r>
-              <a:rPr lang="zh-CN" altLang="en-US" sz="1200" b="0" i="0" kern="1200" dirty="0" smtClean="0">
-                <a:solidFill>
-                  <a:schemeClr val="tx1"/>
-                </a:solidFill>
-                <a:effectLst/>
-                <a:latin typeface="+mn-lt"/>
-                <a:ea typeface="+mn-ea"/>
-                <a:cs typeface="+mn-cs"/>
-              </a:rPr>
-              <a:t>，是因为 </a:t>
-            </a:r>
-            <a:r>
-              <a:rPr lang="en-US" altLang="zh-CN" sz="1200" b="0" i="0" kern="1200" dirty="0" smtClean="0">
-                <a:solidFill>
-                  <a:schemeClr val="tx1"/>
-                </a:solidFill>
-                <a:effectLst/>
-                <a:latin typeface="+mn-lt"/>
-                <a:ea typeface="+mn-ea"/>
-                <a:cs typeface="+mn-cs"/>
-              </a:rPr>
-              <a:t>C</a:t>
-            </a:r>
-            <a:r>
-              <a:rPr lang="zh-CN" altLang="en-US" sz="1200" b="0" i="0" kern="1200" dirty="0" smtClean="0">
-                <a:solidFill>
-                  <a:schemeClr val="tx1"/>
-                </a:solidFill>
-                <a:effectLst/>
-                <a:latin typeface="+mn-lt"/>
-                <a:ea typeface="+mn-ea"/>
-                <a:cs typeface="+mn-cs"/>
-              </a:rPr>
-              <a:t>语言源自</a:t>
-            </a:r>
-            <a:r>
-              <a:rPr lang="en-US" altLang="zh-CN" sz="1200" b="0" i="0" u="none" strike="noStrike" kern="1200" dirty="0" smtClean="0">
-                <a:solidFill>
-                  <a:schemeClr val="tx1"/>
-                </a:solidFill>
-                <a:effectLst/>
-                <a:latin typeface="+mn-lt"/>
-                <a:ea typeface="+mn-ea"/>
-                <a:cs typeface="+mn-cs"/>
-                <a:hlinkClick r:id="rId3"/>
-              </a:rPr>
-              <a:t>Ken Thompson</a:t>
-            </a:r>
-            <a:r>
-              <a:rPr lang="zh-CN" altLang="en-US" sz="1200" b="0" i="0" kern="1200" dirty="0" smtClean="0">
-                <a:solidFill>
-                  <a:schemeClr val="tx1"/>
-                </a:solidFill>
-                <a:effectLst/>
-                <a:latin typeface="+mn-lt"/>
-                <a:ea typeface="+mn-ea"/>
-                <a:cs typeface="+mn-cs"/>
-              </a:rPr>
-              <a:t>发明的</a:t>
-            </a:r>
-            <a:r>
-              <a:rPr lang="en-US" altLang="zh-CN" sz="1200" b="0" i="0" u="none" strike="noStrike" kern="1200" dirty="0" smtClean="0">
-                <a:solidFill>
-                  <a:schemeClr val="tx1"/>
-                </a:solidFill>
-                <a:effectLst/>
-                <a:latin typeface="+mn-lt"/>
-                <a:ea typeface="+mn-ea"/>
-                <a:cs typeface="+mn-cs"/>
-                <a:hlinkClick r:id="rId4"/>
-              </a:rPr>
-              <a:t>B</a:t>
-            </a:r>
-            <a:r>
-              <a:rPr lang="zh-CN" altLang="en-US" sz="1200" b="0" i="0" u="none" strike="noStrike" kern="1200" dirty="0" smtClean="0">
-                <a:solidFill>
-                  <a:schemeClr val="tx1"/>
-                </a:solidFill>
-                <a:effectLst/>
-                <a:latin typeface="+mn-lt"/>
-                <a:ea typeface="+mn-ea"/>
-                <a:cs typeface="+mn-cs"/>
-                <a:hlinkClick r:id="rId4"/>
-              </a:rPr>
-              <a:t>语言</a:t>
-            </a:r>
-            <a:r>
-              <a:rPr lang="zh-CN" altLang="en-US" sz="1200" b="0" i="0" kern="1200" dirty="0" smtClean="0">
-                <a:solidFill>
-                  <a:schemeClr val="tx1"/>
-                </a:solidFill>
-                <a:effectLst/>
-                <a:latin typeface="+mn-lt"/>
-                <a:ea typeface="+mn-ea"/>
-                <a:cs typeface="+mn-cs"/>
-              </a:rPr>
-              <a:t>，而 </a:t>
-            </a:r>
-            <a:r>
-              <a:rPr lang="en-US" altLang="zh-CN" sz="1200" b="0" i="0" kern="1200" dirty="0" smtClean="0">
-                <a:solidFill>
-                  <a:schemeClr val="tx1"/>
-                </a:solidFill>
-                <a:effectLst/>
-                <a:latin typeface="+mn-lt"/>
-                <a:ea typeface="+mn-ea"/>
-                <a:cs typeface="+mn-cs"/>
-              </a:rPr>
-              <a:t>B</a:t>
-            </a:r>
-            <a:r>
-              <a:rPr lang="zh-CN" altLang="en-US" sz="1200" b="0" i="0" kern="1200" dirty="0" smtClean="0">
-                <a:solidFill>
-                  <a:schemeClr val="tx1"/>
-                </a:solidFill>
-                <a:effectLst/>
-                <a:latin typeface="+mn-lt"/>
-                <a:ea typeface="+mn-ea"/>
-                <a:cs typeface="+mn-cs"/>
-              </a:rPr>
-              <a:t>语言则源自</a:t>
-            </a:r>
-            <a:r>
-              <a:rPr lang="en-US" altLang="zh-CN" sz="1200" b="0" i="0" kern="1200" dirty="0" smtClean="0">
-                <a:solidFill>
-                  <a:schemeClr val="tx1"/>
-                </a:solidFill>
-                <a:effectLst/>
-                <a:latin typeface="+mn-lt"/>
-                <a:ea typeface="+mn-ea"/>
-                <a:cs typeface="+mn-cs"/>
-              </a:rPr>
-              <a:t>BCPL</a:t>
-            </a:r>
-            <a:r>
-              <a:rPr lang="zh-CN" altLang="en-US" sz="1200" b="0" i="0" kern="1200" dirty="0" smtClean="0">
-                <a:solidFill>
-                  <a:schemeClr val="tx1"/>
-                </a:solidFill>
-                <a:effectLst/>
-                <a:latin typeface="+mn-lt"/>
-                <a:ea typeface="+mn-ea"/>
-                <a:cs typeface="+mn-cs"/>
-              </a:rPr>
-              <a:t>语言。</a:t>
-            </a:r>
-            <a:endParaRPr lang="en-US" altLang="zh-CN" sz="1200" b="0" i="0" kern="1200" dirty="0" smtClean="0">
-              <a:solidFill>
-                <a:schemeClr val="tx1"/>
-              </a:solidFill>
-              <a:effectLst/>
-              <a:latin typeface="+mn-lt"/>
-              <a:ea typeface="+mn-ea"/>
-              <a:cs typeface="+mn-cs"/>
-            </a:endParaRPr>
-          </a:p>
-          <a:p>
-            <a:endParaRPr lang="en-US" altLang="zh-CN" sz="1200" b="0" i="0" kern="1200" dirty="0" smtClean="0">
-              <a:solidFill>
-                <a:schemeClr val="tx1"/>
-              </a:solidFill>
-              <a:effectLst/>
-              <a:latin typeface="+mn-lt"/>
-              <a:ea typeface="+mn-ea"/>
-              <a:cs typeface="+mn-cs"/>
-            </a:endParaRPr>
-          </a:p>
-          <a:p>
-            <a:r>
-              <a:rPr lang="en-US" altLang="zh-CN" sz="1200" b="0" i="0" kern="1200" dirty="0" smtClean="0">
-                <a:solidFill>
-                  <a:schemeClr val="tx1"/>
-                </a:solidFill>
-                <a:effectLst/>
-                <a:latin typeface="+mn-lt"/>
-                <a:ea typeface="+mn-ea"/>
-                <a:cs typeface="+mn-cs"/>
-              </a:rPr>
-              <a:t>20</a:t>
-            </a:r>
-            <a:r>
-              <a:rPr lang="zh-CN" altLang="en-US" sz="1200" b="0" i="0" kern="1200" dirty="0" smtClean="0">
-                <a:solidFill>
-                  <a:schemeClr val="tx1"/>
-                </a:solidFill>
-                <a:effectLst/>
-                <a:latin typeface="+mn-lt"/>
-                <a:ea typeface="+mn-ea"/>
-                <a:cs typeface="+mn-cs"/>
-              </a:rPr>
-              <a:t>世纪</a:t>
-            </a:r>
-            <a:r>
-              <a:rPr lang="en-US" altLang="zh-CN" sz="1200" b="0" i="0" kern="1200" dirty="0" smtClean="0">
-                <a:solidFill>
-                  <a:schemeClr val="tx1"/>
-                </a:solidFill>
-                <a:effectLst/>
-                <a:latin typeface="+mn-lt"/>
-                <a:ea typeface="+mn-ea"/>
-                <a:cs typeface="+mn-cs"/>
-              </a:rPr>
-              <a:t>60</a:t>
-            </a:r>
-            <a:r>
-              <a:rPr lang="zh-CN" altLang="en-US" sz="1200" b="0" i="0" kern="1200" dirty="0" smtClean="0">
-                <a:solidFill>
-                  <a:schemeClr val="tx1"/>
-                </a:solidFill>
-                <a:effectLst/>
-                <a:latin typeface="+mn-lt"/>
-                <a:ea typeface="+mn-ea"/>
-                <a:cs typeface="+mn-cs"/>
-              </a:rPr>
-              <a:t>年代，美国</a:t>
-            </a:r>
-            <a:r>
-              <a:rPr lang="en-US" altLang="zh-CN" sz="1200" b="0" i="0" u="none" strike="noStrike" kern="1200" dirty="0" smtClean="0">
-                <a:solidFill>
-                  <a:schemeClr val="tx1"/>
-                </a:solidFill>
-                <a:effectLst/>
-                <a:latin typeface="+mn-lt"/>
-                <a:ea typeface="+mn-ea"/>
-                <a:cs typeface="+mn-cs"/>
-                <a:hlinkClick r:id="rId5"/>
-              </a:rPr>
-              <a:t>AT&amp;T</a:t>
-            </a:r>
-            <a:r>
-              <a:rPr lang="zh-CN" altLang="en-US" sz="1200" b="0" i="0" kern="1200" dirty="0" smtClean="0">
-                <a:solidFill>
-                  <a:schemeClr val="tx1"/>
-                </a:solidFill>
-                <a:effectLst/>
-                <a:latin typeface="+mn-lt"/>
-                <a:ea typeface="+mn-ea"/>
-                <a:cs typeface="+mn-cs"/>
-              </a:rPr>
-              <a:t>公司</a:t>
-            </a:r>
-            <a:r>
-              <a:rPr lang="zh-CN" altLang="en-US" sz="1200" b="0" i="0" u="none" strike="noStrike" kern="1200" dirty="0" smtClean="0">
-                <a:solidFill>
-                  <a:schemeClr val="tx1"/>
-                </a:solidFill>
-                <a:effectLst/>
-                <a:latin typeface="+mn-lt"/>
-                <a:ea typeface="+mn-ea"/>
-                <a:cs typeface="+mn-cs"/>
-                <a:hlinkClick r:id="rId6"/>
-              </a:rPr>
-              <a:t>贝尔实验室</a:t>
-            </a:r>
-            <a:r>
-              <a:rPr lang="zh-CN" altLang="en-US" sz="1200" b="0" i="0" kern="1200" dirty="0" smtClean="0">
-                <a:solidFill>
-                  <a:schemeClr val="tx1"/>
-                </a:solidFill>
-                <a:effectLst/>
-                <a:latin typeface="+mn-lt"/>
-                <a:ea typeface="+mn-ea"/>
-                <a:cs typeface="+mn-cs"/>
-              </a:rPr>
-              <a:t>（</a:t>
-            </a:r>
-            <a:r>
-              <a:rPr lang="en-US" altLang="zh-CN" sz="1200" b="0" i="0" kern="1200" dirty="0" smtClean="0">
-                <a:solidFill>
-                  <a:schemeClr val="tx1"/>
-                </a:solidFill>
-                <a:effectLst/>
-                <a:latin typeface="+mn-lt"/>
-                <a:ea typeface="+mn-ea"/>
-                <a:cs typeface="+mn-cs"/>
-              </a:rPr>
-              <a:t>AT&amp;T Bell Laboratory</a:t>
-            </a:r>
-            <a:r>
-              <a:rPr lang="zh-CN" altLang="en-US" sz="1200" b="0" i="0" kern="1200" dirty="0" smtClean="0">
-                <a:solidFill>
-                  <a:schemeClr val="tx1"/>
-                </a:solidFill>
-                <a:effectLst/>
-                <a:latin typeface="+mn-lt"/>
-                <a:ea typeface="+mn-ea"/>
-                <a:cs typeface="+mn-cs"/>
-              </a:rPr>
-              <a:t>）的研究员</a:t>
-            </a:r>
-            <a:r>
-              <a:rPr lang="en-US" altLang="zh-CN" sz="1200" b="0" i="0" u="none" strike="noStrike" kern="1200" dirty="0" smtClean="0">
-                <a:solidFill>
-                  <a:schemeClr val="tx1"/>
-                </a:solidFill>
-                <a:effectLst/>
-                <a:latin typeface="+mn-lt"/>
-                <a:ea typeface="+mn-ea"/>
-                <a:cs typeface="+mn-cs"/>
-                <a:hlinkClick r:id="rId3"/>
-              </a:rPr>
-              <a:t>Ken Thompson</a:t>
-            </a:r>
-            <a:r>
-              <a:rPr lang="zh-CN" altLang="en-US" sz="1200" b="0" i="0" kern="1200" dirty="0" smtClean="0">
-                <a:solidFill>
-                  <a:schemeClr val="tx1"/>
-                </a:solidFill>
-                <a:effectLst/>
-                <a:latin typeface="+mn-lt"/>
-                <a:ea typeface="+mn-ea"/>
-                <a:cs typeface="+mn-cs"/>
-              </a:rPr>
-              <a:t>闲来无事，手痒难耐，想玩一个他自己编的，模拟在太阳系航行的电子游戏</a:t>
-            </a:r>
-            <a:r>
-              <a:rPr lang="en-US" altLang="zh-CN" sz="1200" b="0" i="0" kern="1200" dirty="0" smtClean="0">
-                <a:solidFill>
-                  <a:schemeClr val="tx1"/>
-                </a:solidFill>
-                <a:effectLst/>
-                <a:latin typeface="+mn-lt"/>
-                <a:ea typeface="+mn-ea"/>
-                <a:cs typeface="+mn-cs"/>
-              </a:rPr>
-              <a:t>——Space Travel</a:t>
-            </a:r>
-            <a:r>
-              <a:rPr lang="zh-CN" altLang="en-US" sz="1200" b="0" i="0" kern="1200" dirty="0" smtClean="0">
-                <a:solidFill>
-                  <a:schemeClr val="tx1"/>
-                </a:solidFill>
-                <a:effectLst/>
-                <a:latin typeface="+mn-lt"/>
-                <a:ea typeface="+mn-ea"/>
-                <a:cs typeface="+mn-cs"/>
-              </a:rPr>
-              <a:t>。他背着老板，找到了台空闲的机器</a:t>
-            </a:r>
-            <a:r>
-              <a:rPr lang="en-US" altLang="zh-CN" sz="1200" b="0" i="0" kern="1200" dirty="0" smtClean="0">
-                <a:solidFill>
-                  <a:schemeClr val="tx1"/>
-                </a:solidFill>
-                <a:effectLst/>
-                <a:latin typeface="+mn-lt"/>
-                <a:ea typeface="+mn-ea"/>
-                <a:cs typeface="+mn-cs"/>
-              </a:rPr>
-              <a:t>——</a:t>
-            </a:r>
-            <a:r>
-              <a:rPr lang="en-US" altLang="zh-CN" sz="1200" b="0" i="0" u="none" strike="noStrike" kern="1200" dirty="0" smtClean="0">
-                <a:solidFill>
-                  <a:schemeClr val="tx1"/>
-                </a:solidFill>
-                <a:effectLst/>
-                <a:latin typeface="+mn-lt"/>
-                <a:ea typeface="+mn-ea"/>
-                <a:cs typeface="+mn-cs"/>
-                <a:hlinkClick r:id="rId7"/>
-              </a:rPr>
-              <a:t>PDP-7</a:t>
-            </a:r>
-            <a:r>
-              <a:rPr lang="zh-CN" altLang="en-US" sz="1200" b="0" i="0" kern="1200" dirty="0" smtClean="0">
-                <a:solidFill>
-                  <a:schemeClr val="tx1"/>
-                </a:solidFill>
-                <a:effectLst/>
-                <a:latin typeface="+mn-lt"/>
-                <a:ea typeface="+mn-ea"/>
-                <a:cs typeface="+mn-cs"/>
-              </a:rPr>
-              <a:t>。但这台机器没有操作系统，而游戏必须使用操作系统的一些功能，于是他着手为</a:t>
-            </a:r>
-            <a:r>
-              <a:rPr lang="en-US" altLang="zh-CN" sz="1200" b="0" i="0" kern="1200" dirty="0" smtClean="0">
-                <a:solidFill>
-                  <a:schemeClr val="tx1"/>
-                </a:solidFill>
-                <a:effectLst/>
-                <a:latin typeface="+mn-lt"/>
-                <a:ea typeface="+mn-ea"/>
-                <a:cs typeface="+mn-cs"/>
-              </a:rPr>
-              <a:t>PDP-7</a:t>
-            </a:r>
-            <a:r>
-              <a:rPr lang="zh-CN" altLang="en-US" sz="1200" b="0" i="0" kern="1200" dirty="0" smtClean="0">
-                <a:solidFill>
-                  <a:schemeClr val="tx1"/>
-                </a:solidFill>
-                <a:effectLst/>
-                <a:latin typeface="+mn-lt"/>
-                <a:ea typeface="+mn-ea"/>
-                <a:cs typeface="+mn-cs"/>
-              </a:rPr>
-              <a:t>开发操作系统。后来，这个操作系统被命名为</a:t>
-            </a:r>
-            <a:r>
-              <a:rPr lang="en-US" altLang="zh-CN" sz="1200" b="0" i="0" kern="1200" dirty="0" smtClean="0">
-                <a:solidFill>
-                  <a:schemeClr val="tx1"/>
-                </a:solidFill>
-                <a:effectLst/>
-                <a:latin typeface="+mn-lt"/>
-                <a:ea typeface="+mn-ea"/>
-                <a:cs typeface="+mn-cs"/>
-              </a:rPr>
-              <a:t>——</a:t>
-            </a:r>
-            <a:r>
-              <a:rPr lang="en-US" altLang="zh-CN" sz="1200" b="0" i="0" u="none" strike="noStrike" kern="1200" dirty="0" smtClean="0">
-                <a:solidFill>
-                  <a:schemeClr val="tx1"/>
-                </a:solidFill>
-                <a:effectLst/>
-                <a:latin typeface="+mn-lt"/>
-                <a:ea typeface="+mn-ea"/>
-                <a:cs typeface="+mn-cs"/>
-                <a:hlinkClick r:id="rId8"/>
-              </a:rPr>
-              <a:t>UNIX</a:t>
-            </a:r>
-            <a:r>
-              <a:rPr lang="zh-CN" altLang="en-US" sz="1200" b="0" i="0" kern="1200" dirty="0" smtClean="0">
-                <a:solidFill>
-                  <a:schemeClr val="tx1"/>
-                </a:solidFill>
-                <a:effectLst/>
-                <a:latin typeface="+mn-lt"/>
-                <a:ea typeface="+mn-ea"/>
-                <a:cs typeface="+mn-cs"/>
-              </a:rPr>
-              <a:t>。</a:t>
-            </a:r>
-          </a:p>
-          <a:p>
-            <a:r>
-              <a:rPr lang="en-US" altLang="zh-CN" sz="1200" b="0" i="0" kern="1200" dirty="0" smtClean="0">
-                <a:solidFill>
-                  <a:schemeClr val="tx1"/>
-                </a:solidFill>
-                <a:effectLst/>
-                <a:latin typeface="+mn-lt"/>
-                <a:ea typeface="+mn-ea"/>
-                <a:cs typeface="+mn-cs"/>
-              </a:rPr>
-              <a:t>1970</a:t>
-            </a:r>
-            <a:r>
-              <a:rPr lang="zh-CN" altLang="en-US" sz="1200" b="0" i="0" kern="1200" dirty="0" smtClean="0">
-                <a:solidFill>
-                  <a:schemeClr val="tx1"/>
-                </a:solidFill>
-                <a:effectLst/>
-                <a:latin typeface="+mn-lt"/>
-                <a:ea typeface="+mn-ea"/>
-                <a:cs typeface="+mn-cs"/>
-              </a:rPr>
-              <a:t>年，美国贝尔实验室的 </a:t>
-            </a:r>
-            <a:r>
-              <a:rPr lang="en-US" altLang="zh-CN" sz="1200" b="0" i="0" kern="1200" dirty="0" smtClean="0">
-                <a:solidFill>
-                  <a:schemeClr val="tx1"/>
-                </a:solidFill>
-                <a:effectLst/>
-                <a:latin typeface="+mn-lt"/>
-                <a:ea typeface="+mn-ea"/>
-                <a:cs typeface="+mn-cs"/>
-              </a:rPr>
-              <a:t>Ken Thompson</a:t>
-            </a:r>
-            <a:r>
-              <a:rPr lang="zh-CN" altLang="en-US" sz="1200" b="0" i="0" kern="1200" dirty="0" smtClean="0">
-                <a:solidFill>
-                  <a:schemeClr val="tx1"/>
-                </a:solidFill>
-                <a:effectLst/>
-                <a:latin typeface="+mn-lt"/>
-                <a:ea typeface="+mn-ea"/>
-                <a:cs typeface="+mn-cs"/>
-              </a:rPr>
-              <a:t>，以</a:t>
-            </a:r>
-            <a:r>
-              <a:rPr lang="en-US" altLang="zh-CN" sz="1200" b="0" i="0" u="none" strike="noStrike" kern="1200" dirty="0" smtClean="0">
-                <a:solidFill>
-                  <a:schemeClr val="tx1"/>
-                </a:solidFill>
-                <a:effectLst/>
-                <a:latin typeface="+mn-lt"/>
-                <a:ea typeface="+mn-ea"/>
-                <a:cs typeface="+mn-cs"/>
-                <a:hlinkClick r:id="rId9"/>
-              </a:rPr>
-              <a:t>BCPL</a:t>
-            </a:r>
-            <a:r>
-              <a:rPr lang="zh-CN" altLang="en-US" sz="1200" b="0" i="0" kern="1200" dirty="0" smtClean="0">
-                <a:solidFill>
-                  <a:schemeClr val="tx1"/>
-                </a:solidFill>
-                <a:effectLst/>
-                <a:latin typeface="+mn-lt"/>
-                <a:ea typeface="+mn-ea"/>
-                <a:cs typeface="+mn-cs"/>
-              </a:rPr>
-              <a:t>语言为基础，设计出很简单且很接近硬件的</a:t>
-            </a:r>
-            <a:r>
-              <a:rPr lang="en-US" altLang="zh-CN" sz="1200" b="0" i="0" kern="1200" dirty="0" smtClean="0">
-                <a:solidFill>
-                  <a:schemeClr val="tx1"/>
-                </a:solidFill>
-                <a:effectLst/>
-                <a:latin typeface="+mn-lt"/>
-                <a:ea typeface="+mn-ea"/>
-                <a:cs typeface="+mn-cs"/>
-              </a:rPr>
-              <a:t>B</a:t>
-            </a:r>
-            <a:r>
-              <a:rPr lang="zh-CN" altLang="en-US" sz="1200" b="0" i="0" kern="1200" dirty="0" smtClean="0">
-                <a:solidFill>
-                  <a:schemeClr val="tx1"/>
-                </a:solidFill>
-                <a:effectLst/>
-                <a:latin typeface="+mn-lt"/>
-                <a:ea typeface="+mn-ea"/>
-                <a:cs typeface="+mn-cs"/>
-              </a:rPr>
-              <a:t>语言（取</a:t>
-            </a:r>
-            <a:r>
-              <a:rPr lang="en-US" altLang="zh-CN" sz="1200" b="0" i="0" kern="1200" dirty="0" smtClean="0">
-                <a:solidFill>
-                  <a:schemeClr val="tx1"/>
-                </a:solidFill>
-                <a:effectLst/>
-                <a:latin typeface="+mn-lt"/>
-                <a:ea typeface="+mn-ea"/>
-                <a:cs typeface="+mn-cs"/>
-              </a:rPr>
-              <a:t>BCPL</a:t>
-            </a:r>
-            <a:r>
-              <a:rPr lang="zh-CN" altLang="en-US" sz="1200" b="0" i="0" kern="1200" dirty="0" smtClean="0">
-                <a:solidFill>
-                  <a:schemeClr val="tx1"/>
-                </a:solidFill>
-                <a:effectLst/>
-                <a:latin typeface="+mn-lt"/>
-                <a:ea typeface="+mn-ea"/>
-                <a:cs typeface="+mn-cs"/>
-              </a:rPr>
-              <a:t>的首字母）。并且他用</a:t>
-            </a:r>
-            <a:r>
-              <a:rPr lang="en-US" altLang="zh-CN" sz="1200" b="0" i="0" kern="1200" dirty="0" smtClean="0">
-                <a:solidFill>
-                  <a:schemeClr val="tx1"/>
-                </a:solidFill>
-                <a:effectLst/>
-                <a:latin typeface="+mn-lt"/>
-                <a:ea typeface="+mn-ea"/>
-                <a:cs typeface="+mn-cs"/>
-              </a:rPr>
-              <a:t>B</a:t>
-            </a:r>
-            <a:r>
-              <a:rPr lang="zh-CN" altLang="en-US" sz="1200" b="0" i="0" kern="1200" dirty="0" smtClean="0">
-                <a:solidFill>
-                  <a:schemeClr val="tx1"/>
-                </a:solidFill>
-                <a:effectLst/>
-                <a:latin typeface="+mn-lt"/>
-                <a:ea typeface="+mn-ea"/>
-                <a:cs typeface="+mn-cs"/>
-              </a:rPr>
-              <a:t>语言写了第一个</a:t>
-            </a:r>
-            <a:r>
-              <a:rPr lang="en-US" altLang="zh-CN" sz="1200" b="0" i="0" kern="1200" dirty="0" smtClean="0">
-                <a:solidFill>
-                  <a:schemeClr val="tx1"/>
-                </a:solidFill>
-                <a:effectLst/>
-                <a:latin typeface="+mn-lt"/>
-                <a:ea typeface="+mn-ea"/>
-                <a:cs typeface="+mn-cs"/>
-              </a:rPr>
-              <a:t>UNIX</a:t>
-            </a:r>
-            <a:r>
-              <a:rPr lang="zh-CN" altLang="en-US" sz="1200" b="0" i="0" kern="1200" dirty="0" smtClean="0">
-                <a:solidFill>
-                  <a:schemeClr val="tx1"/>
-                </a:solidFill>
-                <a:effectLst/>
-                <a:latin typeface="+mn-lt"/>
-                <a:ea typeface="+mn-ea"/>
-                <a:cs typeface="+mn-cs"/>
-              </a:rPr>
-              <a:t>操作系统。</a:t>
-            </a:r>
-          </a:p>
-          <a:p>
-            <a:r>
-              <a:rPr lang="en-US" altLang="zh-CN" sz="1200" b="0" i="0" kern="1200" dirty="0" smtClean="0">
-                <a:solidFill>
-                  <a:schemeClr val="tx1"/>
-                </a:solidFill>
-                <a:effectLst/>
-                <a:latin typeface="+mn-lt"/>
-                <a:ea typeface="+mn-ea"/>
-                <a:cs typeface="+mn-cs"/>
-              </a:rPr>
-              <a:t>1971</a:t>
-            </a:r>
-            <a:r>
-              <a:rPr lang="zh-CN" altLang="en-US" sz="1200" b="0" i="0" kern="1200" dirty="0" smtClean="0">
-                <a:solidFill>
-                  <a:schemeClr val="tx1"/>
-                </a:solidFill>
-                <a:effectLst/>
-                <a:latin typeface="+mn-lt"/>
-                <a:ea typeface="+mn-ea"/>
-                <a:cs typeface="+mn-cs"/>
-              </a:rPr>
-              <a:t>年，同样酷爱</a:t>
-            </a:r>
-            <a:r>
-              <a:rPr lang="en-US" altLang="zh-CN" sz="1200" b="0" i="0" kern="1200" dirty="0" smtClean="0">
-                <a:solidFill>
-                  <a:schemeClr val="tx1"/>
-                </a:solidFill>
-                <a:effectLst/>
-                <a:latin typeface="+mn-lt"/>
-                <a:ea typeface="+mn-ea"/>
-                <a:cs typeface="+mn-cs"/>
-              </a:rPr>
-              <a:t>Space Travel</a:t>
-            </a:r>
-            <a:r>
-              <a:rPr lang="zh-CN" altLang="en-US" sz="1200" b="0" i="0" kern="1200" dirty="0" smtClean="0">
-                <a:solidFill>
-                  <a:schemeClr val="tx1"/>
-                </a:solidFill>
-                <a:effectLst/>
-                <a:latin typeface="+mn-lt"/>
-                <a:ea typeface="+mn-ea"/>
-                <a:cs typeface="+mn-cs"/>
-              </a:rPr>
-              <a:t>的</a:t>
-            </a:r>
-            <a:r>
-              <a:rPr lang="en-US" altLang="zh-CN" sz="1200" b="0" i="0" u="none" strike="noStrike" kern="1200" dirty="0" smtClean="0">
-                <a:solidFill>
-                  <a:schemeClr val="tx1"/>
-                </a:solidFill>
-                <a:effectLst/>
-                <a:latin typeface="+mn-lt"/>
-                <a:ea typeface="+mn-ea"/>
-                <a:cs typeface="+mn-cs"/>
-                <a:hlinkClick r:id="rId10"/>
-              </a:rPr>
-              <a:t>Dennis </a:t>
-            </a:r>
-            <a:r>
-              <a:rPr lang="en-US" altLang="zh-CN" sz="1200" b="0" i="0" u="none" strike="noStrike" kern="1200" dirty="0" err="1" smtClean="0">
-                <a:solidFill>
-                  <a:schemeClr val="tx1"/>
-                </a:solidFill>
-                <a:effectLst/>
-                <a:latin typeface="+mn-lt"/>
-                <a:ea typeface="+mn-ea"/>
-                <a:cs typeface="+mn-cs"/>
-                <a:hlinkClick r:id="rId10"/>
-              </a:rPr>
-              <a:t>M.Ritchie</a:t>
-            </a:r>
-            <a:r>
-              <a:rPr lang="zh-CN" altLang="en-US" sz="1200" b="0" i="0" kern="1200" dirty="0" smtClean="0">
-                <a:solidFill>
-                  <a:schemeClr val="tx1"/>
-                </a:solidFill>
-                <a:effectLst/>
-                <a:latin typeface="+mn-lt"/>
-                <a:ea typeface="+mn-ea"/>
-                <a:cs typeface="+mn-cs"/>
-              </a:rPr>
-              <a:t>为了能早点儿玩上游戏，加入了</a:t>
-            </a:r>
-            <a:r>
-              <a:rPr lang="en-US" altLang="zh-CN" sz="1200" b="0" i="0" u="none" strike="noStrike" kern="1200" dirty="0" smtClean="0">
-                <a:solidFill>
-                  <a:schemeClr val="tx1"/>
-                </a:solidFill>
-                <a:effectLst/>
-                <a:latin typeface="+mn-lt"/>
-                <a:ea typeface="+mn-ea"/>
-                <a:cs typeface="+mn-cs"/>
-                <a:hlinkClick r:id="rId11"/>
-              </a:rPr>
-              <a:t>Thompson</a:t>
-            </a:r>
-            <a:r>
-              <a:rPr lang="zh-CN" altLang="en-US" sz="1200" b="0" i="0" kern="1200" dirty="0" smtClean="0">
-                <a:solidFill>
-                  <a:schemeClr val="tx1"/>
-                </a:solidFill>
-                <a:effectLst/>
-                <a:latin typeface="+mn-lt"/>
-                <a:ea typeface="+mn-ea"/>
-                <a:cs typeface="+mn-cs"/>
-              </a:rPr>
-              <a:t>的开发项目，合作开发</a:t>
-            </a:r>
-            <a:r>
-              <a:rPr lang="en-US" altLang="zh-CN" sz="1200" b="0" i="0" kern="1200" dirty="0" smtClean="0">
-                <a:solidFill>
-                  <a:schemeClr val="tx1"/>
-                </a:solidFill>
-                <a:effectLst/>
-                <a:latin typeface="+mn-lt"/>
-                <a:ea typeface="+mn-ea"/>
-                <a:cs typeface="+mn-cs"/>
-              </a:rPr>
-              <a:t>UNIX</a:t>
-            </a:r>
-            <a:r>
-              <a:rPr lang="zh-CN" altLang="en-US" sz="1200" b="0" i="0" kern="1200" dirty="0" smtClean="0">
-                <a:solidFill>
-                  <a:schemeClr val="tx1"/>
-                </a:solidFill>
-                <a:effectLst/>
-                <a:latin typeface="+mn-lt"/>
-                <a:ea typeface="+mn-ea"/>
-                <a:cs typeface="+mn-cs"/>
-              </a:rPr>
-              <a:t>。他的主要工作是改造</a:t>
-            </a:r>
-            <a:r>
-              <a:rPr lang="en-US" altLang="zh-CN" sz="1200" b="0" i="0" kern="1200" dirty="0" smtClean="0">
-                <a:solidFill>
-                  <a:schemeClr val="tx1"/>
-                </a:solidFill>
-                <a:effectLst/>
-                <a:latin typeface="+mn-lt"/>
-                <a:ea typeface="+mn-ea"/>
-                <a:cs typeface="+mn-cs"/>
-              </a:rPr>
-              <a:t>B</a:t>
-            </a:r>
-            <a:r>
-              <a:rPr lang="zh-CN" altLang="en-US" sz="1200" b="0" i="0" kern="1200" dirty="0" smtClean="0">
-                <a:solidFill>
-                  <a:schemeClr val="tx1"/>
-                </a:solidFill>
-                <a:effectLst/>
-                <a:latin typeface="+mn-lt"/>
-                <a:ea typeface="+mn-ea"/>
-                <a:cs typeface="+mn-cs"/>
-              </a:rPr>
-              <a:t>语言，使其更成熟。</a:t>
-            </a:r>
-            <a:r>
-              <a:rPr lang="en-US" altLang="zh-CN" sz="1200" b="0" i="0" kern="1200" baseline="30000" dirty="0" smtClean="0">
-                <a:solidFill>
-                  <a:schemeClr val="tx1"/>
-                </a:solidFill>
-                <a:effectLst/>
-                <a:latin typeface="+mn-lt"/>
-                <a:ea typeface="+mn-ea"/>
-                <a:cs typeface="+mn-cs"/>
-              </a:rPr>
-              <a:t>[2]</a:t>
-            </a:r>
-            <a:r>
-              <a:rPr lang="zh-CN" altLang="en-US" sz="1200" b="0" i="0" u="none" strike="noStrike" kern="1200" dirty="0" smtClean="0">
-                <a:solidFill>
-                  <a:schemeClr val="tx1"/>
-                </a:solidFill>
-                <a:effectLst/>
-                <a:latin typeface="+mn-lt"/>
-                <a:ea typeface="+mn-ea"/>
-                <a:cs typeface="+mn-cs"/>
-              </a:rPr>
-              <a:t> </a:t>
-            </a:r>
-            <a:endParaRPr lang="zh-CN" altLang="en-US" sz="1200" b="0" i="0" kern="1200" dirty="0" smtClean="0">
-              <a:solidFill>
-                <a:schemeClr val="tx1"/>
-              </a:solidFill>
-              <a:effectLst/>
-              <a:latin typeface="+mn-lt"/>
-              <a:ea typeface="+mn-ea"/>
-              <a:cs typeface="+mn-cs"/>
-            </a:endParaRPr>
-          </a:p>
-          <a:p>
-            <a:r>
-              <a:rPr lang="en-US" altLang="zh-CN" sz="1200" b="0" i="0" kern="1200" dirty="0" smtClean="0">
-                <a:solidFill>
-                  <a:schemeClr val="tx1"/>
-                </a:solidFill>
-                <a:effectLst/>
-                <a:latin typeface="+mn-lt"/>
-                <a:ea typeface="+mn-ea"/>
-                <a:cs typeface="+mn-cs"/>
-              </a:rPr>
-              <a:t>1972</a:t>
-            </a:r>
-            <a:r>
-              <a:rPr lang="zh-CN" altLang="en-US" sz="1200" b="0" i="0" kern="1200" dirty="0" smtClean="0">
-                <a:solidFill>
-                  <a:schemeClr val="tx1"/>
-                </a:solidFill>
-                <a:effectLst/>
-                <a:latin typeface="+mn-lt"/>
-                <a:ea typeface="+mn-ea"/>
-                <a:cs typeface="+mn-cs"/>
-              </a:rPr>
-              <a:t>年，美国</a:t>
-            </a:r>
-            <a:r>
-              <a:rPr lang="zh-CN" altLang="en-US" sz="1200" b="0" i="0" u="none" strike="noStrike" kern="1200" dirty="0" smtClean="0">
-                <a:solidFill>
-                  <a:schemeClr val="tx1"/>
-                </a:solidFill>
-                <a:effectLst/>
-                <a:latin typeface="+mn-lt"/>
-                <a:ea typeface="+mn-ea"/>
-                <a:cs typeface="+mn-cs"/>
-                <a:hlinkClick r:id="rId6"/>
-              </a:rPr>
-              <a:t>贝尔实验室</a:t>
-            </a:r>
-            <a:r>
-              <a:rPr lang="zh-CN" altLang="en-US" sz="1200" b="0" i="0" kern="1200" dirty="0" smtClean="0">
-                <a:solidFill>
-                  <a:schemeClr val="tx1"/>
-                </a:solidFill>
-                <a:effectLst/>
-                <a:latin typeface="+mn-lt"/>
-                <a:ea typeface="+mn-ea"/>
-                <a:cs typeface="+mn-cs"/>
-              </a:rPr>
-              <a:t>的 </a:t>
-            </a:r>
-            <a:r>
-              <a:rPr lang="en-US" altLang="zh-CN" sz="1200" b="0" i="0" kern="1200" dirty="0" err="1" smtClean="0">
-                <a:solidFill>
-                  <a:schemeClr val="tx1"/>
-                </a:solidFill>
-                <a:effectLst/>
-                <a:latin typeface="+mn-lt"/>
-                <a:ea typeface="+mn-ea"/>
-                <a:cs typeface="+mn-cs"/>
-              </a:rPr>
-              <a:t>D.M.Ritchie</a:t>
-            </a:r>
-            <a:r>
-              <a:rPr lang="en-US" altLang="zh-CN" sz="1200" b="0" i="0" kern="1200" dirty="0" smtClean="0">
-                <a:solidFill>
-                  <a:schemeClr val="tx1"/>
-                </a:solidFill>
-                <a:effectLst/>
-                <a:latin typeface="+mn-lt"/>
-                <a:ea typeface="+mn-ea"/>
-                <a:cs typeface="+mn-cs"/>
-              </a:rPr>
-              <a:t> </a:t>
-            </a:r>
-            <a:r>
-              <a:rPr lang="zh-CN" altLang="en-US" sz="1200" b="0" i="0" kern="1200" dirty="0" smtClean="0">
-                <a:solidFill>
-                  <a:schemeClr val="tx1"/>
-                </a:solidFill>
-                <a:effectLst/>
-                <a:latin typeface="+mn-lt"/>
-                <a:ea typeface="+mn-ea"/>
-                <a:cs typeface="+mn-cs"/>
-              </a:rPr>
-              <a:t>在</a:t>
-            </a:r>
-            <a:r>
-              <a:rPr lang="en-US" altLang="zh-CN" sz="1200" b="0" i="0" kern="1200" dirty="0" smtClean="0">
-                <a:solidFill>
-                  <a:schemeClr val="tx1"/>
-                </a:solidFill>
-                <a:effectLst/>
-                <a:latin typeface="+mn-lt"/>
-                <a:ea typeface="+mn-ea"/>
-                <a:cs typeface="+mn-cs"/>
-              </a:rPr>
-              <a:t>B</a:t>
-            </a:r>
-            <a:r>
-              <a:rPr lang="zh-CN" altLang="en-US" sz="1200" b="0" i="0" kern="1200" dirty="0" smtClean="0">
-                <a:solidFill>
-                  <a:schemeClr val="tx1"/>
-                </a:solidFill>
-                <a:effectLst/>
-                <a:latin typeface="+mn-lt"/>
-                <a:ea typeface="+mn-ea"/>
-                <a:cs typeface="+mn-cs"/>
-              </a:rPr>
-              <a:t>语言的基础上最终设计出了一种新的语言，他取了</a:t>
-            </a:r>
-            <a:r>
-              <a:rPr lang="en-US" altLang="zh-CN" sz="1200" b="0" i="0" kern="1200" dirty="0" smtClean="0">
-                <a:solidFill>
-                  <a:schemeClr val="tx1"/>
-                </a:solidFill>
-                <a:effectLst/>
-                <a:latin typeface="+mn-lt"/>
-                <a:ea typeface="+mn-ea"/>
-                <a:cs typeface="+mn-cs"/>
-              </a:rPr>
-              <a:t>BCPL</a:t>
-            </a:r>
-            <a:r>
-              <a:rPr lang="zh-CN" altLang="en-US" sz="1200" b="0" i="0" kern="1200" dirty="0" smtClean="0">
-                <a:solidFill>
-                  <a:schemeClr val="tx1"/>
-                </a:solidFill>
-                <a:effectLst/>
-                <a:latin typeface="+mn-lt"/>
-                <a:ea typeface="+mn-ea"/>
-                <a:cs typeface="+mn-cs"/>
-              </a:rPr>
-              <a:t>的第二个字母作为这种语言的名字，这就是</a:t>
-            </a:r>
-            <a:r>
-              <a:rPr lang="en-US" altLang="zh-CN" sz="1200" b="0" i="0" kern="1200" dirty="0" smtClean="0">
-                <a:solidFill>
-                  <a:schemeClr val="tx1"/>
-                </a:solidFill>
-                <a:effectLst/>
-                <a:latin typeface="+mn-lt"/>
-                <a:ea typeface="+mn-ea"/>
-                <a:cs typeface="+mn-cs"/>
-              </a:rPr>
-              <a:t>C</a:t>
-            </a:r>
-            <a:r>
-              <a:rPr lang="zh-CN" altLang="en-US" sz="1200" b="0" i="0" kern="1200" dirty="0" smtClean="0">
-                <a:solidFill>
-                  <a:schemeClr val="tx1"/>
-                </a:solidFill>
-                <a:effectLst/>
-                <a:latin typeface="+mn-lt"/>
-                <a:ea typeface="+mn-ea"/>
-                <a:cs typeface="+mn-cs"/>
-              </a:rPr>
-              <a:t>语言。</a:t>
-            </a:r>
-          </a:p>
-          <a:p>
-            <a:r>
-              <a:rPr lang="en-US" altLang="zh-CN" sz="1200" b="0" i="0" kern="1200" dirty="0" smtClean="0">
-                <a:solidFill>
-                  <a:schemeClr val="tx1"/>
-                </a:solidFill>
-                <a:effectLst/>
-                <a:latin typeface="+mn-lt"/>
-                <a:ea typeface="+mn-ea"/>
-                <a:cs typeface="+mn-cs"/>
-              </a:rPr>
-              <a:t>1973</a:t>
-            </a:r>
-            <a:r>
-              <a:rPr lang="zh-CN" altLang="en-US" sz="1200" b="0" i="0" kern="1200" dirty="0" smtClean="0">
-                <a:solidFill>
-                  <a:schemeClr val="tx1"/>
-                </a:solidFill>
-                <a:effectLst/>
-                <a:latin typeface="+mn-lt"/>
-                <a:ea typeface="+mn-ea"/>
-                <a:cs typeface="+mn-cs"/>
-              </a:rPr>
-              <a:t>年初，</a:t>
-            </a:r>
-            <a:r>
-              <a:rPr lang="en-US" altLang="zh-CN" sz="1200" b="0" i="0" kern="1200" dirty="0" smtClean="0">
-                <a:solidFill>
-                  <a:schemeClr val="tx1"/>
-                </a:solidFill>
-                <a:effectLst/>
-                <a:latin typeface="+mn-lt"/>
-                <a:ea typeface="+mn-ea"/>
-                <a:cs typeface="+mn-cs"/>
-              </a:rPr>
-              <a:t>C</a:t>
-            </a:r>
-            <a:r>
-              <a:rPr lang="zh-CN" altLang="en-US" sz="1200" b="0" i="0" kern="1200" dirty="0" smtClean="0">
-                <a:solidFill>
-                  <a:schemeClr val="tx1"/>
-                </a:solidFill>
-                <a:effectLst/>
-                <a:latin typeface="+mn-lt"/>
-                <a:ea typeface="+mn-ea"/>
-                <a:cs typeface="+mn-cs"/>
-              </a:rPr>
-              <a:t>语言的主体完成。</a:t>
-            </a:r>
-            <a:r>
-              <a:rPr lang="en-US" altLang="zh-CN" sz="1200" b="0" i="0" kern="1200" dirty="0" smtClean="0">
-                <a:solidFill>
-                  <a:schemeClr val="tx1"/>
-                </a:solidFill>
-                <a:effectLst/>
-                <a:latin typeface="+mn-lt"/>
-                <a:ea typeface="+mn-ea"/>
-                <a:cs typeface="+mn-cs"/>
-              </a:rPr>
-              <a:t>Thompson</a:t>
-            </a:r>
-            <a:r>
-              <a:rPr lang="zh-CN" altLang="en-US" sz="1200" b="0" i="0" kern="1200" dirty="0" smtClean="0">
-                <a:solidFill>
-                  <a:schemeClr val="tx1"/>
-                </a:solidFill>
-                <a:effectLst/>
-                <a:latin typeface="+mn-lt"/>
-                <a:ea typeface="+mn-ea"/>
-                <a:cs typeface="+mn-cs"/>
-              </a:rPr>
-              <a:t>和</a:t>
-            </a:r>
-            <a:r>
-              <a:rPr lang="en-US" altLang="zh-CN" sz="1200" b="0" i="0" kern="1200" dirty="0" smtClean="0">
-                <a:solidFill>
-                  <a:schemeClr val="tx1"/>
-                </a:solidFill>
-                <a:effectLst/>
-                <a:latin typeface="+mn-lt"/>
-                <a:ea typeface="+mn-ea"/>
-                <a:cs typeface="+mn-cs"/>
-              </a:rPr>
-              <a:t>Ritchie</a:t>
-            </a:r>
-            <a:r>
-              <a:rPr lang="zh-CN" altLang="en-US" sz="1200" b="0" i="0" kern="1200" dirty="0" smtClean="0">
-                <a:solidFill>
-                  <a:schemeClr val="tx1"/>
-                </a:solidFill>
-                <a:effectLst/>
-                <a:latin typeface="+mn-lt"/>
-                <a:ea typeface="+mn-ea"/>
-                <a:cs typeface="+mn-cs"/>
-              </a:rPr>
-              <a:t>迫不及待地开始用它完全重写了</a:t>
-            </a:r>
-            <a:r>
-              <a:rPr lang="en-US" altLang="zh-CN" sz="1200" b="0" i="0" u="none" strike="noStrike" kern="1200" dirty="0" smtClean="0">
-                <a:solidFill>
-                  <a:schemeClr val="tx1"/>
-                </a:solidFill>
-                <a:effectLst/>
-                <a:latin typeface="+mn-lt"/>
-                <a:ea typeface="+mn-ea"/>
-                <a:cs typeface="+mn-cs"/>
-                <a:hlinkClick r:id="rId8"/>
-              </a:rPr>
-              <a:t>UNIX</a:t>
-            </a:r>
-            <a:r>
-              <a:rPr lang="zh-CN" altLang="en-US" sz="1200" b="0" i="0" kern="1200" dirty="0" smtClean="0">
-                <a:solidFill>
-                  <a:schemeClr val="tx1"/>
-                </a:solidFill>
-                <a:effectLst/>
-                <a:latin typeface="+mn-lt"/>
-                <a:ea typeface="+mn-ea"/>
-                <a:cs typeface="+mn-cs"/>
-              </a:rPr>
-              <a:t>。此时，编程的乐趣使他们已经完全忘记了那个</a:t>
-            </a:r>
-            <a:r>
-              <a:rPr lang="en-US" altLang="zh-CN" sz="1200" b="0" i="0" kern="1200" dirty="0" smtClean="0">
-                <a:solidFill>
-                  <a:schemeClr val="tx1"/>
-                </a:solidFill>
-                <a:effectLst/>
-                <a:latin typeface="+mn-lt"/>
-                <a:ea typeface="+mn-ea"/>
-                <a:cs typeface="+mn-cs"/>
-              </a:rPr>
-              <a:t>"Space Travel"</a:t>
-            </a:r>
-            <a:r>
-              <a:rPr lang="zh-CN" altLang="en-US" sz="1200" b="0" i="0" kern="1200" dirty="0" smtClean="0">
-                <a:solidFill>
-                  <a:schemeClr val="tx1"/>
-                </a:solidFill>
-                <a:effectLst/>
-                <a:latin typeface="+mn-lt"/>
-                <a:ea typeface="+mn-ea"/>
-                <a:cs typeface="+mn-cs"/>
-              </a:rPr>
-              <a:t>，一门心思地投入到了</a:t>
-            </a:r>
-            <a:r>
-              <a:rPr lang="en-US" altLang="zh-CN" sz="1200" b="0" i="0" kern="1200" dirty="0" smtClean="0">
-                <a:solidFill>
-                  <a:schemeClr val="tx1"/>
-                </a:solidFill>
-                <a:effectLst/>
-                <a:latin typeface="+mn-lt"/>
-                <a:ea typeface="+mn-ea"/>
-                <a:cs typeface="+mn-cs"/>
-              </a:rPr>
-              <a:t>UNIX</a:t>
-            </a:r>
-            <a:r>
-              <a:rPr lang="zh-CN" altLang="en-US" sz="1200" b="0" i="0" kern="1200" dirty="0" smtClean="0">
-                <a:solidFill>
-                  <a:schemeClr val="tx1"/>
-                </a:solidFill>
-                <a:effectLst/>
-                <a:latin typeface="+mn-lt"/>
-                <a:ea typeface="+mn-ea"/>
-                <a:cs typeface="+mn-cs"/>
-              </a:rPr>
-              <a:t>和</a:t>
-            </a:r>
-            <a:r>
-              <a:rPr lang="en-US" altLang="zh-CN" sz="1200" b="0" i="0" kern="1200" dirty="0" smtClean="0">
-                <a:solidFill>
-                  <a:schemeClr val="tx1"/>
-                </a:solidFill>
-                <a:effectLst/>
-                <a:latin typeface="+mn-lt"/>
-                <a:ea typeface="+mn-ea"/>
-                <a:cs typeface="+mn-cs"/>
-              </a:rPr>
-              <a:t>C</a:t>
-            </a:r>
-            <a:r>
-              <a:rPr lang="zh-CN" altLang="en-US" sz="1200" b="0" i="0" kern="1200" dirty="0" smtClean="0">
-                <a:solidFill>
-                  <a:schemeClr val="tx1"/>
-                </a:solidFill>
-                <a:effectLst/>
-                <a:latin typeface="+mn-lt"/>
-                <a:ea typeface="+mn-ea"/>
-                <a:cs typeface="+mn-cs"/>
-              </a:rPr>
-              <a:t>语言的开发中。随着</a:t>
-            </a:r>
-            <a:r>
-              <a:rPr lang="en-US" altLang="zh-CN" sz="1200" b="0" i="0" kern="1200" dirty="0" smtClean="0">
-                <a:solidFill>
-                  <a:schemeClr val="tx1"/>
-                </a:solidFill>
-                <a:effectLst/>
-                <a:latin typeface="+mn-lt"/>
-                <a:ea typeface="+mn-ea"/>
-                <a:cs typeface="+mn-cs"/>
-              </a:rPr>
-              <a:t>UNIX</a:t>
-            </a:r>
-            <a:r>
-              <a:rPr lang="zh-CN" altLang="en-US" sz="1200" b="0" i="0" kern="1200" dirty="0" smtClean="0">
-                <a:solidFill>
-                  <a:schemeClr val="tx1"/>
-                </a:solidFill>
-                <a:effectLst/>
-                <a:latin typeface="+mn-lt"/>
-                <a:ea typeface="+mn-ea"/>
-                <a:cs typeface="+mn-cs"/>
-              </a:rPr>
-              <a:t>的发展，</a:t>
-            </a:r>
-            <a:r>
-              <a:rPr lang="en-US" altLang="zh-CN" sz="1200" b="0" i="0" kern="1200" dirty="0" smtClean="0">
-                <a:solidFill>
-                  <a:schemeClr val="tx1"/>
-                </a:solidFill>
-                <a:effectLst/>
-                <a:latin typeface="+mn-lt"/>
-                <a:ea typeface="+mn-ea"/>
-                <a:cs typeface="+mn-cs"/>
-              </a:rPr>
-              <a:t>C</a:t>
-            </a:r>
-            <a:r>
-              <a:rPr lang="zh-CN" altLang="en-US" sz="1200" b="0" i="0" kern="1200" dirty="0" smtClean="0">
-                <a:solidFill>
-                  <a:schemeClr val="tx1"/>
-                </a:solidFill>
-                <a:effectLst/>
-                <a:latin typeface="+mn-lt"/>
-                <a:ea typeface="+mn-ea"/>
-                <a:cs typeface="+mn-cs"/>
-              </a:rPr>
-              <a:t>语言自身也在不断地完善。直到今天，各种版本的</a:t>
-            </a:r>
-            <a:r>
-              <a:rPr lang="en-US" altLang="zh-CN" sz="1200" b="0" i="0" kern="1200" dirty="0" smtClean="0">
-                <a:solidFill>
-                  <a:schemeClr val="tx1"/>
-                </a:solidFill>
-                <a:effectLst/>
-                <a:latin typeface="+mn-lt"/>
-                <a:ea typeface="+mn-ea"/>
-                <a:cs typeface="+mn-cs"/>
-              </a:rPr>
-              <a:t>UNIX</a:t>
-            </a:r>
-            <a:r>
-              <a:rPr lang="zh-CN" altLang="en-US" sz="1200" b="0" i="0" kern="1200" dirty="0" smtClean="0">
-                <a:solidFill>
-                  <a:schemeClr val="tx1"/>
-                </a:solidFill>
-                <a:effectLst/>
-                <a:latin typeface="+mn-lt"/>
-                <a:ea typeface="+mn-ea"/>
-                <a:cs typeface="+mn-cs"/>
-              </a:rPr>
-              <a:t>内核和周边工具仍然使用</a:t>
-            </a:r>
-            <a:r>
-              <a:rPr lang="en-US" altLang="zh-CN" sz="1200" b="0" i="0" kern="1200" dirty="0" smtClean="0">
-                <a:solidFill>
-                  <a:schemeClr val="tx1"/>
-                </a:solidFill>
-                <a:effectLst/>
-                <a:latin typeface="+mn-lt"/>
-                <a:ea typeface="+mn-ea"/>
-                <a:cs typeface="+mn-cs"/>
-              </a:rPr>
-              <a:t>C</a:t>
-            </a:r>
-            <a:r>
-              <a:rPr lang="zh-CN" altLang="en-US" sz="1200" b="0" i="0" kern="1200" dirty="0" smtClean="0">
-                <a:solidFill>
-                  <a:schemeClr val="tx1"/>
-                </a:solidFill>
-                <a:effectLst/>
-                <a:latin typeface="+mn-lt"/>
-                <a:ea typeface="+mn-ea"/>
-                <a:cs typeface="+mn-cs"/>
-              </a:rPr>
-              <a:t>语言作为最主要的开发语言，其中还有不少继承</a:t>
-            </a:r>
-            <a:r>
-              <a:rPr lang="en-US" altLang="zh-CN" sz="1200" b="0" i="0" kern="1200" dirty="0" smtClean="0">
-                <a:solidFill>
-                  <a:schemeClr val="tx1"/>
-                </a:solidFill>
-                <a:effectLst/>
-                <a:latin typeface="+mn-lt"/>
-                <a:ea typeface="+mn-ea"/>
-                <a:cs typeface="+mn-cs"/>
-              </a:rPr>
-              <a:t>Thompson</a:t>
-            </a:r>
-            <a:r>
-              <a:rPr lang="zh-CN" altLang="en-US" sz="1200" b="0" i="0" kern="1200" dirty="0" smtClean="0">
-                <a:solidFill>
-                  <a:schemeClr val="tx1"/>
-                </a:solidFill>
-                <a:effectLst/>
-                <a:latin typeface="+mn-lt"/>
-                <a:ea typeface="+mn-ea"/>
-                <a:cs typeface="+mn-cs"/>
-              </a:rPr>
-              <a:t>和</a:t>
-            </a:r>
-            <a:r>
-              <a:rPr lang="en-US" altLang="zh-CN" sz="1200" b="0" i="0" kern="1200" dirty="0" smtClean="0">
-                <a:solidFill>
-                  <a:schemeClr val="tx1"/>
-                </a:solidFill>
-                <a:effectLst/>
-                <a:latin typeface="+mn-lt"/>
-                <a:ea typeface="+mn-ea"/>
-                <a:cs typeface="+mn-cs"/>
-              </a:rPr>
-              <a:t>Ritchie</a:t>
-            </a:r>
-            <a:r>
-              <a:rPr lang="zh-CN" altLang="en-US" sz="1200" b="0" i="0" kern="1200" dirty="0" smtClean="0">
-                <a:solidFill>
-                  <a:schemeClr val="tx1"/>
-                </a:solidFill>
-                <a:effectLst/>
-                <a:latin typeface="+mn-lt"/>
-                <a:ea typeface="+mn-ea"/>
-                <a:cs typeface="+mn-cs"/>
-              </a:rPr>
-              <a:t>之手的代码。</a:t>
-            </a:r>
-            <a:r>
-              <a:rPr lang="en-US" altLang="zh-CN" sz="1200" b="0" i="0" kern="1200" baseline="30000" dirty="0" smtClean="0">
-                <a:solidFill>
-                  <a:schemeClr val="tx1"/>
-                </a:solidFill>
-                <a:effectLst/>
-                <a:latin typeface="+mn-lt"/>
-                <a:ea typeface="+mn-ea"/>
-                <a:cs typeface="+mn-cs"/>
-              </a:rPr>
-              <a:t>[2]</a:t>
-            </a:r>
-            <a:r>
-              <a:rPr lang="zh-CN" altLang="en-US" sz="1200" b="0" i="0" u="none" strike="noStrike" kern="1200" dirty="0" smtClean="0">
-                <a:solidFill>
-                  <a:schemeClr val="tx1"/>
-                </a:solidFill>
-                <a:effectLst/>
-                <a:latin typeface="+mn-lt"/>
-                <a:ea typeface="+mn-ea"/>
-                <a:cs typeface="+mn-cs"/>
-              </a:rPr>
-              <a:t> </a:t>
-            </a:r>
-            <a:endParaRPr lang="zh-CN" altLang="en-US" sz="1200" b="0" i="0" kern="1200" dirty="0" smtClean="0">
-              <a:solidFill>
-                <a:schemeClr val="tx1"/>
-              </a:solidFill>
-              <a:effectLst/>
-              <a:latin typeface="+mn-lt"/>
-              <a:ea typeface="+mn-ea"/>
-              <a:cs typeface="+mn-cs"/>
-            </a:endParaRPr>
-          </a:p>
-          <a:p>
-            <a:r>
-              <a:rPr lang="zh-CN" altLang="en-US" sz="1200" b="0" i="0" kern="1200" dirty="0" smtClean="0">
-                <a:solidFill>
-                  <a:schemeClr val="tx1"/>
-                </a:solidFill>
-                <a:effectLst/>
-                <a:latin typeface="+mn-lt"/>
-                <a:ea typeface="+mn-ea"/>
-                <a:cs typeface="+mn-cs"/>
-              </a:rPr>
-              <a:t>在开发中，他们还考虑把</a:t>
-            </a:r>
-            <a:r>
-              <a:rPr lang="en-US" altLang="zh-CN" sz="1200" b="0" i="0" u="none" strike="noStrike" kern="1200" dirty="0" smtClean="0">
-                <a:solidFill>
-                  <a:schemeClr val="tx1"/>
-                </a:solidFill>
-                <a:effectLst/>
-                <a:latin typeface="+mn-lt"/>
-                <a:ea typeface="+mn-ea"/>
-                <a:cs typeface="+mn-cs"/>
-                <a:hlinkClick r:id="rId8"/>
-              </a:rPr>
-              <a:t>UNIX</a:t>
-            </a:r>
-            <a:r>
-              <a:rPr lang="zh-CN" altLang="en-US" sz="1200" b="0" i="0" kern="1200" dirty="0" smtClean="0">
-                <a:solidFill>
-                  <a:schemeClr val="tx1"/>
-                </a:solidFill>
-                <a:effectLst/>
-                <a:latin typeface="+mn-lt"/>
-                <a:ea typeface="+mn-ea"/>
-                <a:cs typeface="+mn-cs"/>
-              </a:rPr>
-              <a:t>移植到其他类型的计算机上使用。</a:t>
-            </a:r>
-            <a:r>
-              <a:rPr lang="en-US" altLang="zh-CN" sz="1200" b="0" i="0" kern="1200" dirty="0" smtClean="0">
-                <a:solidFill>
-                  <a:schemeClr val="tx1"/>
-                </a:solidFill>
-                <a:effectLst/>
-                <a:latin typeface="+mn-lt"/>
-                <a:ea typeface="+mn-ea"/>
-                <a:cs typeface="+mn-cs"/>
-              </a:rPr>
-              <a:t>C</a:t>
-            </a:r>
-            <a:r>
-              <a:rPr lang="zh-CN" altLang="en-US" sz="1200" b="0" i="0" kern="1200" dirty="0" smtClean="0">
-                <a:solidFill>
-                  <a:schemeClr val="tx1"/>
-                </a:solidFill>
-                <a:effectLst/>
-                <a:latin typeface="+mn-lt"/>
-                <a:ea typeface="+mn-ea"/>
-                <a:cs typeface="+mn-cs"/>
-              </a:rPr>
-              <a:t>语言强大的移植性（</a:t>
-            </a:r>
-            <a:r>
-              <a:rPr lang="en-US" altLang="zh-CN" sz="1200" b="0" i="0" kern="1200" dirty="0" smtClean="0">
-                <a:solidFill>
-                  <a:schemeClr val="tx1"/>
-                </a:solidFill>
-                <a:effectLst/>
-                <a:latin typeface="+mn-lt"/>
-                <a:ea typeface="+mn-ea"/>
-                <a:cs typeface="+mn-cs"/>
-              </a:rPr>
-              <a:t>Portability</a:t>
-            </a:r>
-            <a:r>
-              <a:rPr lang="zh-CN" altLang="en-US" sz="1200" b="0" i="0" kern="1200" dirty="0" smtClean="0">
-                <a:solidFill>
-                  <a:schemeClr val="tx1"/>
-                </a:solidFill>
-                <a:effectLst/>
-                <a:latin typeface="+mn-lt"/>
-                <a:ea typeface="+mn-ea"/>
-                <a:cs typeface="+mn-cs"/>
-              </a:rPr>
-              <a:t>）在此显现。机器语言和汇编语言都不具有移植性，为</a:t>
-            </a:r>
-            <a:r>
-              <a:rPr lang="en-US" altLang="zh-CN" sz="1200" b="0" i="0" u="none" strike="noStrike" kern="1200" dirty="0" smtClean="0">
-                <a:solidFill>
-                  <a:schemeClr val="tx1"/>
-                </a:solidFill>
-                <a:effectLst/>
-                <a:latin typeface="+mn-lt"/>
-                <a:ea typeface="+mn-ea"/>
-                <a:cs typeface="+mn-cs"/>
-                <a:hlinkClick r:id="rId12"/>
-              </a:rPr>
-              <a:t>x86</a:t>
-            </a:r>
-            <a:r>
-              <a:rPr lang="zh-CN" altLang="en-US" sz="1200" b="0" i="0" kern="1200" dirty="0" smtClean="0">
-                <a:solidFill>
-                  <a:schemeClr val="tx1"/>
-                </a:solidFill>
-                <a:effectLst/>
-                <a:latin typeface="+mn-lt"/>
-                <a:ea typeface="+mn-ea"/>
-                <a:cs typeface="+mn-cs"/>
-              </a:rPr>
-              <a:t>开发的程序，不可能在</a:t>
-            </a:r>
-            <a:r>
-              <a:rPr lang="en-US" altLang="zh-CN" sz="1200" b="0" i="0" kern="1200" dirty="0" err="1" smtClean="0">
-                <a:solidFill>
-                  <a:schemeClr val="tx1"/>
-                </a:solidFill>
-                <a:effectLst/>
-                <a:latin typeface="+mn-lt"/>
-                <a:ea typeface="+mn-ea"/>
-                <a:cs typeface="+mn-cs"/>
-              </a:rPr>
-              <a:t>Alpha,</a:t>
-            </a:r>
-            <a:r>
-              <a:rPr lang="en-US" altLang="zh-CN" sz="1200" b="0" i="0" u="none" strike="noStrike" kern="1200" dirty="0" err="1" smtClean="0">
-                <a:solidFill>
-                  <a:schemeClr val="tx1"/>
-                </a:solidFill>
-                <a:effectLst/>
-                <a:latin typeface="+mn-lt"/>
-                <a:ea typeface="+mn-ea"/>
-                <a:cs typeface="+mn-cs"/>
-                <a:hlinkClick r:id="rId13"/>
-              </a:rPr>
-              <a:t>SPARC</a:t>
-            </a:r>
-            <a:r>
-              <a:rPr lang="zh-CN" altLang="en-US" sz="1200" b="0" i="0" kern="1200" dirty="0" smtClean="0">
-                <a:solidFill>
-                  <a:schemeClr val="tx1"/>
-                </a:solidFill>
-                <a:effectLst/>
-                <a:latin typeface="+mn-lt"/>
-                <a:ea typeface="+mn-ea"/>
-                <a:cs typeface="+mn-cs"/>
-              </a:rPr>
-              <a:t>和</a:t>
-            </a:r>
-            <a:r>
-              <a:rPr lang="en-US" altLang="zh-CN" sz="1200" b="0" i="0" u="none" strike="noStrike" kern="1200" dirty="0" smtClean="0">
-                <a:solidFill>
-                  <a:schemeClr val="tx1"/>
-                </a:solidFill>
-                <a:effectLst/>
-                <a:latin typeface="+mn-lt"/>
-                <a:ea typeface="+mn-ea"/>
-                <a:cs typeface="+mn-cs"/>
-                <a:hlinkClick r:id="rId14"/>
-              </a:rPr>
-              <a:t>ARM</a:t>
-            </a:r>
-            <a:r>
-              <a:rPr lang="zh-CN" altLang="en-US" sz="1200" b="0" i="0" kern="1200" dirty="0" smtClean="0">
-                <a:solidFill>
-                  <a:schemeClr val="tx1"/>
-                </a:solidFill>
-                <a:effectLst/>
-                <a:latin typeface="+mn-lt"/>
-                <a:ea typeface="+mn-ea"/>
-                <a:cs typeface="+mn-cs"/>
-              </a:rPr>
-              <a:t>等机器上运行。而</a:t>
-            </a:r>
-            <a:r>
-              <a:rPr lang="en-US" altLang="zh-CN" sz="1200" b="0" i="0" kern="1200" dirty="0" smtClean="0">
-                <a:solidFill>
-                  <a:schemeClr val="tx1"/>
-                </a:solidFill>
-                <a:effectLst/>
-                <a:latin typeface="+mn-lt"/>
-                <a:ea typeface="+mn-ea"/>
-                <a:cs typeface="+mn-cs"/>
-              </a:rPr>
-              <a:t>C</a:t>
-            </a:r>
-            <a:r>
-              <a:rPr lang="zh-CN" altLang="en-US" sz="1200" b="0" i="0" kern="1200" dirty="0" smtClean="0">
-                <a:solidFill>
-                  <a:schemeClr val="tx1"/>
-                </a:solidFill>
-                <a:effectLst/>
-                <a:latin typeface="+mn-lt"/>
-                <a:ea typeface="+mn-ea"/>
-                <a:cs typeface="+mn-cs"/>
-              </a:rPr>
-              <a:t>语言程序则可以使用在任意架构的</a:t>
-            </a:r>
-            <a:r>
-              <a:rPr lang="zh-CN" altLang="en-US" sz="1200" b="0" i="0" u="none" strike="noStrike" kern="1200" dirty="0" smtClean="0">
-                <a:solidFill>
-                  <a:schemeClr val="tx1"/>
-                </a:solidFill>
-                <a:effectLst/>
-                <a:latin typeface="+mn-lt"/>
-                <a:ea typeface="+mn-ea"/>
-                <a:cs typeface="+mn-cs"/>
-                <a:hlinkClick r:id="rId15"/>
-              </a:rPr>
-              <a:t>处理器</a:t>
-            </a:r>
-            <a:r>
-              <a:rPr lang="zh-CN" altLang="en-US" sz="1200" b="0" i="0" kern="1200" dirty="0" smtClean="0">
-                <a:solidFill>
-                  <a:schemeClr val="tx1"/>
-                </a:solidFill>
-                <a:effectLst/>
-                <a:latin typeface="+mn-lt"/>
-                <a:ea typeface="+mn-ea"/>
-                <a:cs typeface="+mn-cs"/>
-              </a:rPr>
-              <a:t>上，只要那种架构的处理器具有对应的</a:t>
-            </a:r>
-            <a:r>
-              <a:rPr lang="en-US" altLang="zh-CN" sz="1200" b="0" i="0" kern="1200" dirty="0" smtClean="0">
-                <a:solidFill>
-                  <a:schemeClr val="tx1"/>
-                </a:solidFill>
-                <a:effectLst/>
-                <a:latin typeface="+mn-lt"/>
-                <a:ea typeface="+mn-ea"/>
-                <a:cs typeface="+mn-cs"/>
-              </a:rPr>
-              <a:t>C</a:t>
-            </a:r>
-            <a:r>
-              <a:rPr lang="zh-CN" altLang="en-US" sz="1200" b="0" i="0" kern="1200" dirty="0" smtClean="0">
-                <a:solidFill>
-                  <a:schemeClr val="tx1"/>
-                </a:solidFill>
-                <a:effectLst/>
-                <a:latin typeface="+mn-lt"/>
-                <a:ea typeface="+mn-ea"/>
-                <a:cs typeface="+mn-cs"/>
-              </a:rPr>
-              <a:t>语言</a:t>
-            </a:r>
-            <a:r>
-              <a:rPr lang="zh-CN" altLang="en-US" sz="1200" b="0" i="0" u="none" strike="noStrike" kern="1200" dirty="0" smtClean="0">
-                <a:solidFill>
-                  <a:schemeClr val="tx1"/>
-                </a:solidFill>
-                <a:effectLst/>
-                <a:latin typeface="+mn-lt"/>
-                <a:ea typeface="+mn-ea"/>
-                <a:cs typeface="+mn-cs"/>
-                <a:hlinkClick r:id="rId16"/>
-              </a:rPr>
-              <a:t>编译器</a:t>
-            </a:r>
-            <a:r>
-              <a:rPr lang="zh-CN" altLang="en-US" sz="1200" b="0" i="0" kern="1200" dirty="0" smtClean="0">
-                <a:solidFill>
-                  <a:schemeClr val="tx1"/>
-                </a:solidFill>
-                <a:effectLst/>
-                <a:latin typeface="+mn-lt"/>
-                <a:ea typeface="+mn-ea"/>
-                <a:cs typeface="+mn-cs"/>
-              </a:rPr>
-              <a:t>和库，然后将</a:t>
-            </a:r>
-            <a:r>
-              <a:rPr lang="en-US" altLang="zh-CN" sz="1200" b="0" i="0" kern="1200" dirty="0" smtClean="0">
-                <a:solidFill>
-                  <a:schemeClr val="tx1"/>
-                </a:solidFill>
-                <a:effectLst/>
-                <a:latin typeface="+mn-lt"/>
-                <a:ea typeface="+mn-ea"/>
-                <a:cs typeface="+mn-cs"/>
-              </a:rPr>
-              <a:t>C</a:t>
-            </a:r>
-            <a:r>
-              <a:rPr lang="zh-CN" altLang="en-US" sz="1200" b="0" i="0" kern="1200" dirty="0" smtClean="0">
-                <a:solidFill>
-                  <a:schemeClr val="tx1"/>
-                </a:solidFill>
-                <a:effectLst/>
-                <a:latin typeface="+mn-lt"/>
-                <a:ea typeface="+mn-ea"/>
-                <a:cs typeface="+mn-cs"/>
-              </a:rPr>
-              <a:t>源代码</a:t>
-            </a:r>
-            <a:r>
-              <a:rPr lang="zh-CN" altLang="en-US" sz="1200" b="0" i="0" u="none" strike="noStrike" kern="1200" dirty="0" smtClean="0">
-                <a:solidFill>
-                  <a:schemeClr val="tx1"/>
-                </a:solidFill>
-                <a:effectLst/>
-                <a:latin typeface="+mn-lt"/>
-                <a:ea typeface="+mn-ea"/>
-                <a:cs typeface="+mn-cs"/>
-                <a:hlinkClick r:id="rId17"/>
-              </a:rPr>
-              <a:t>编译</a:t>
-            </a:r>
-            <a:r>
-              <a:rPr lang="zh-CN" altLang="en-US" sz="1200" b="0" i="0" kern="1200" dirty="0" smtClean="0">
-                <a:solidFill>
-                  <a:schemeClr val="tx1"/>
-                </a:solidFill>
-                <a:effectLst/>
-                <a:latin typeface="+mn-lt"/>
-                <a:ea typeface="+mn-ea"/>
-                <a:cs typeface="+mn-cs"/>
-              </a:rPr>
-              <a:t>、</a:t>
-            </a:r>
-            <a:r>
-              <a:rPr lang="zh-CN" altLang="en-US" sz="1200" b="0" i="0" u="none" strike="noStrike" kern="1200" dirty="0" smtClean="0">
-                <a:solidFill>
-                  <a:schemeClr val="tx1"/>
-                </a:solidFill>
-                <a:effectLst/>
-                <a:latin typeface="+mn-lt"/>
-                <a:ea typeface="+mn-ea"/>
-                <a:cs typeface="+mn-cs"/>
-                <a:hlinkClick r:id="rId18"/>
-              </a:rPr>
-              <a:t>连接</a:t>
-            </a:r>
-            <a:r>
-              <a:rPr lang="zh-CN" altLang="en-US" sz="1200" b="0" i="0" kern="1200" dirty="0" smtClean="0">
-                <a:solidFill>
-                  <a:schemeClr val="tx1"/>
-                </a:solidFill>
-                <a:effectLst/>
-                <a:latin typeface="+mn-lt"/>
-                <a:ea typeface="+mn-ea"/>
-                <a:cs typeface="+mn-cs"/>
-              </a:rPr>
-              <a:t>成目标</a:t>
-            </a:r>
-            <a:r>
-              <a:rPr lang="zh-CN" altLang="en-US" sz="1200" b="0" i="0" u="none" strike="noStrike" kern="1200" dirty="0" smtClean="0">
-                <a:solidFill>
-                  <a:schemeClr val="tx1"/>
-                </a:solidFill>
-                <a:effectLst/>
-                <a:latin typeface="+mn-lt"/>
-                <a:ea typeface="+mn-ea"/>
-                <a:cs typeface="+mn-cs"/>
-                <a:hlinkClick r:id="rId19"/>
-              </a:rPr>
-              <a:t>二进制文件</a:t>
-            </a:r>
-            <a:r>
-              <a:rPr lang="zh-CN" altLang="en-US" sz="1200" b="0" i="0" kern="1200" dirty="0" smtClean="0">
-                <a:solidFill>
-                  <a:schemeClr val="tx1"/>
-                </a:solidFill>
-                <a:effectLst/>
-                <a:latin typeface="+mn-lt"/>
-                <a:ea typeface="+mn-ea"/>
-                <a:cs typeface="+mn-cs"/>
-              </a:rPr>
-              <a:t>之后即可运行。</a:t>
-            </a:r>
-          </a:p>
-          <a:p>
-            <a:endParaRPr lang="en-US" altLang="zh-CN" dirty="0" smtClean="0"/>
-          </a:p>
-          <a:p>
             <a:endParaRPr lang="en-US" altLang="zh-CN" dirty="0" smtClean="0"/>
           </a:p>
         </p:txBody>
@@ -4364,7 +1054,7 @@
           <a:p>
             <a:fld id="{38A8ACF5-C29D-4199-AE4F-AD7991FDFB26}" type="slidenum">
               <a:rPr lang="zh-CN" altLang="en-US" smtClean="0"/>
-              <a:t>5</a:t>
+              <a:t>6</a:t>
             </a:fld>
             <a:endParaRPr lang="zh-CN" altLang="en-US"/>
           </a:p>
@@ -4427,556 +1117,6 @@
           <a:bodyPr/>
           <a:lstStyle/>
           <a:p>
-            <a:r>
-              <a:rPr lang="zh-CN" altLang="en-US" dirty="0" smtClean="0"/>
-              <a:t>我们的主角</a:t>
-            </a:r>
-            <a:r>
-              <a:rPr lang="en-US" altLang="zh-CN" dirty="0" smtClean="0"/>
-              <a:t>Java</a:t>
-            </a:r>
-            <a:r>
-              <a:rPr lang="zh-CN" altLang="en-US" dirty="0" smtClean="0"/>
-              <a:t>登场</a:t>
-            </a:r>
-            <a:endParaRPr lang="en-US" altLang="zh-CN" dirty="0" smtClean="0"/>
-          </a:p>
-          <a:p>
-            <a:endParaRPr lang="en-US" altLang="zh-CN" dirty="0" smtClean="0"/>
-          </a:p>
-          <a:p>
-            <a:r>
-              <a:rPr lang="en-US" altLang="zh-CN" dirty="0" smtClean="0"/>
-              <a:t>Sun</a:t>
-            </a:r>
-            <a:r>
-              <a:rPr lang="zh-CN" altLang="en-US" dirty="0" smtClean="0"/>
-              <a:t>公司 做跨平台的嵌入式语言</a:t>
-            </a:r>
-            <a:r>
-              <a:rPr lang="en-US" altLang="zh-CN" sz="1200" b="0" i="0" kern="1200" dirty="0" smtClean="0">
-                <a:solidFill>
-                  <a:schemeClr val="tx1"/>
-                </a:solidFill>
-                <a:effectLst/>
-                <a:latin typeface="+mn-lt"/>
-                <a:ea typeface="+mn-ea"/>
-                <a:cs typeface="+mn-cs"/>
-              </a:rPr>
-              <a:t>Oak</a:t>
-            </a:r>
-            <a:r>
-              <a:rPr lang="zh-CN" altLang="en-US" sz="1200" b="0" i="0" kern="1200" dirty="0" smtClean="0">
-                <a:solidFill>
-                  <a:schemeClr val="tx1"/>
-                </a:solidFill>
-                <a:effectLst/>
-                <a:latin typeface="+mn-lt"/>
-                <a:ea typeface="+mn-ea"/>
-                <a:cs typeface="+mn-cs"/>
-              </a:rPr>
-              <a:t>，删减了</a:t>
-            </a:r>
-            <a:r>
-              <a:rPr lang="en-US" altLang="zh-CN" sz="1200" b="0" i="0" kern="1200" dirty="0" smtClean="0">
-                <a:solidFill>
-                  <a:schemeClr val="tx1"/>
-                </a:solidFill>
-                <a:effectLst/>
-                <a:latin typeface="+mn-lt"/>
-                <a:ea typeface="+mn-ea"/>
-                <a:cs typeface="+mn-cs"/>
-              </a:rPr>
-              <a:t>C++</a:t>
-            </a:r>
-            <a:r>
-              <a:rPr lang="zh-CN" altLang="en-US" sz="1200" b="0" i="0" kern="1200" dirty="0" smtClean="0">
-                <a:solidFill>
-                  <a:schemeClr val="tx1"/>
-                </a:solidFill>
-                <a:effectLst/>
-                <a:latin typeface="+mn-lt"/>
-                <a:ea typeface="+mn-ea"/>
-                <a:cs typeface="+mn-cs"/>
-              </a:rPr>
-              <a:t>，弄得不好，最后在互联网领域进行了应用，最初浏览器都是静态的，大家希望浏览器能动态起来，而浏览器在不同的电脑上运行，因此是要求跨平台的，</a:t>
-            </a:r>
-            <a:r>
-              <a:rPr lang="en-US" altLang="zh-CN" sz="1200" b="0" i="0" kern="1200" dirty="0" smtClean="0">
-                <a:solidFill>
-                  <a:schemeClr val="tx1"/>
-                </a:solidFill>
-                <a:effectLst/>
-                <a:latin typeface="+mn-lt"/>
-                <a:ea typeface="+mn-ea"/>
-                <a:cs typeface="+mn-cs"/>
-              </a:rPr>
-              <a:t>java</a:t>
-            </a:r>
-            <a:r>
-              <a:rPr lang="zh-CN" altLang="en-US" sz="1200" b="0" i="0" kern="1200" dirty="0" smtClean="0">
-                <a:solidFill>
-                  <a:schemeClr val="tx1"/>
-                </a:solidFill>
-                <a:effectLst/>
-                <a:latin typeface="+mn-lt"/>
-                <a:ea typeface="+mn-ea"/>
-                <a:cs typeface="+mn-cs"/>
-              </a:rPr>
-              <a:t>具有有这个特性，在我们的浏览器里嵌入</a:t>
-            </a:r>
-            <a:r>
-              <a:rPr lang="en-US" altLang="zh-CN" sz="1200" b="0" i="0" kern="1200" dirty="0" smtClean="0">
-                <a:solidFill>
-                  <a:schemeClr val="tx1"/>
-                </a:solidFill>
-                <a:effectLst/>
-                <a:latin typeface="+mn-lt"/>
-                <a:ea typeface="+mn-ea"/>
-                <a:cs typeface="+mn-cs"/>
-              </a:rPr>
-              <a:t>java</a:t>
-            </a:r>
-            <a:r>
-              <a:rPr lang="zh-CN" altLang="en-US" sz="1200" b="0" i="0" kern="1200" dirty="0" smtClean="0">
-                <a:solidFill>
-                  <a:schemeClr val="tx1"/>
-                </a:solidFill>
-                <a:effectLst/>
-                <a:latin typeface="+mn-lt"/>
-                <a:ea typeface="+mn-ea"/>
-                <a:cs typeface="+mn-cs"/>
-              </a:rPr>
-              <a:t>小程序，这样网页就可以变得动态了，</a:t>
-            </a:r>
-            <a:r>
-              <a:rPr lang="en-US" altLang="zh-CN" sz="1200" b="0" i="0" kern="1200" dirty="0" smtClean="0">
-                <a:solidFill>
-                  <a:schemeClr val="tx1"/>
-                </a:solidFill>
-                <a:effectLst/>
-                <a:latin typeface="+mn-lt"/>
-                <a:ea typeface="+mn-ea"/>
-                <a:cs typeface="+mn-cs"/>
-              </a:rPr>
-              <a:t>java</a:t>
-            </a:r>
-            <a:r>
-              <a:rPr lang="zh-CN" altLang="en-US" sz="1200" b="0" i="0" kern="1200" dirty="0" smtClean="0">
-                <a:solidFill>
-                  <a:schemeClr val="tx1"/>
-                </a:solidFill>
-                <a:effectLst/>
-                <a:latin typeface="+mn-lt"/>
-                <a:ea typeface="+mn-ea"/>
-                <a:cs typeface="+mn-cs"/>
-              </a:rPr>
-              <a:t>由此发展起来</a:t>
-            </a:r>
-            <a:endParaRPr lang="en-US" altLang="zh-CN" sz="1200" b="0" i="0" kern="1200" dirty="0" smtClean="0">
-              <a:solidFill>
-                <a:schemeClr val="tx1"/>
-              </a:solidFill>
-              <a:effectLst/>
-              <a:latin typeface="+mn-lt"/>
-              <a:ea typeface="+mn-ea"/>
-              <a:cs typeface="+mn-cs"/>
-            </a:endParaRPr>
-          </a:p>
-          <a:p>
-            <a:r>
-              <a:rPr lang="en-US" altLang="zh-CN" sz="1200" b="0" i="0" kern="1200" dirty="0" smtClean="0">
-                <a:solidFill>
-                  <a:schemeClr val="tx1"/>
-                </a:solidFill>
-                <a:effectLst/>
-                <a:latin typeface="+mn-lt"/>
-                <a:ea typeface="+mn-ea"/>
-                <a:cs typeface="+mn-cs"/>
-              </a:rPr>
-              <a:t>C++</a:t>
-            </a:r>
-            <a:r>
-              <a:rPr lang="zh-CN" altLang="en-US" sz="1200" b="0" i="0" kern="1200" dirty="0" smtClean="0">
-                <a:solidFill>
-                  <a:schemeClr val="tx1"/>
-                </a:solidFill>
-                <a:effectLst/>
-                <a:latin typeface="+mn-lt"/>
-                <a:ea typeface="+mn-ea"/>
-                <a:cs typeface="+mn-cs"/>
-              </a:rPr>
-              <a:t>同</a:t>
-            </a:r>
-            <a:r>
-              <a:rPr lang="en-US" altLang="zh-CN" sz="1200" b="0" i="0" kern="1200" dirty="0" smtClean="0">
-                <a:solidFill>
-                  <a:schemeClr val="tx1"/>
-                </a:solidFill>
-                <a:effectLst/>
-                <a:latin typeface="+mn-lt"/>
-                <a:ea typeface="+mn-ea"/>
-                <a:cs typeface="+mn-cs"/>
-              </a:rPr>
-              <a:t>C</a:t>
-            </a:r>
-            <a:r>
-              <a:rPr lang="zh-CN" altLang="en-US" sz="1200" b="0" i="0" kern="1200" dirty="0" smtClean="0">
-                <a:solidFill>
-                  <a:schemeClr val="tx1"/>
-                </a:solidFill>
-                <a:effectLst/>
-                <a:latin typeface="+mn-lt"/>
-                <a:ea typeface="+mn-ea"/>
-                <a:cs typeface="+mn-cs"/>
-              </a:rPr>
-              <a:t>语言可兼容，同时面向对象，但是语法很复杂</a:t>
-            </a:r>
-            <a:endParaRPr lang="en-US" altLang="zh-CN" sz="1200" b="0" i="0" kern="1200" dirty="0" smtClean="0">
-              <a:solidFill>
-                <a:schemeClr val="tx1"/>
-              </a:solidFill>
-              <a:effectLst/>
-              <a:latin typeface="+mn-lt"/>
-              <a:ea typeface="+mn-ea"/>
-              <a:cs typeface="+mn-cs"/>
-            </a:endParaRPr>
-          </a:p>
-          <a:p>
-            <a:endParaRPr lang="en-US" altLang="zh-CN" sz="1200" b="0" i="0" kern="1200" dirty="0" smtClean="0">
-              <a:solidFill>
-                <a:schemeClr val="tx1"/>
-              </a:solidFill>
-              <a:effectLst/>
-              <a:latin typeface="+mn-lt"/>
-              <a:ea typeface="+mn-ea"/>
-              <a:cs typeface="+mn-cs"/>
-            </a:endParaRPr>
-          </a:p>
-          <a:p>
-            <a:r>
-              <a:rPr lang="zh-CN" altLang="en-US" sz="1200" b="0" i="0" kern="1200" dirty="0" smtClean="0">
-                <a:solidFill>
-                  <a:schemeClr val="tx1"/>
-                </a:solidFill>
-                <a:effectLst/>
-                <a:latin typeface="+mn-lt"/>
-                <a:ea typeface="+mn-ea"/>
-                <a:cs typeface="+mn-cs"/>
-              </a:rPr>
-              <a:t>面向对象，是一个很深刻的概念，并不是我们狭义的找对象哈，它映射的是我们现实世界中的事物，比方说人，可以在</a:t>
-            </a:r>
-            <a:r>
-              <a:rPr lang="en-US" altLang="zh-CN" sz="1200" b="0" i="0" kern="1200" dirty="0" smtClean="0">
-                <a:solidFill>
-                  <a:schemeClr val="tx1"/>
-                </a:solidFill>
-                <a:effectLst/>
-                <a:latin typeface="+mn-lt"/>
-                <a:ea typeface="+mn-ea"/>
-                <a:cs typeface="+mn-cs"/>
-              </a:rPr>
-              <a:t>java</a:t>
-            </a:r>
-            <a:r>
-              <a:rPr lang="zh-CN" altLang="en-US" sz="1200" b="0" i="0" kern="1200" dirty="0" smtClean="0">
-                <a:solidFill>
-                  <a:schemeClr val="tx1"/>
-                </a:solidFill>
-                <a:effectLst/>
-                <a:latin typeface="+mn-lt"/>
-                <a:ea typeface="+mn-ea"/>
-                <a:cs typeface="+mn-cs"/>
-              </a:rPr>
-              <a:t>中被表示为对象，人的身高、体重、这些人所具有的属性，在</a:t>
-            </a:r>
-            <a:r>
-              <a:rPr lang="en-US" altLang="zh-CN" sz="1200" b="0" i="0" kern="1200" dirty="0" smtClean="0">
-                <a:solidFill>
-                  <a:schemeClr val="tx1"/>
-                </a:solidFill>
-                <a:effectLst/>
-                <a:latin typeface="+mn-lt"/>
-                <a:ea typeface="+mn-ea"/>
-                <a:cs typeface="+mn-cs"/>
-              </a:rPr>
-              <a:t>java</a:t>
-            </a:r>
-            <a:r>
-              <a:rPr lang="zh-CN" altLang="en-US" sz="1200" b="0" i="0" kern="1200" dirty="0" smtClean="0">
-                <a:solidFill>
-                  <a:schemeClr val="tx1"/>
-                </a:solidFill>
-                <a:effectLst/>
-                <a:latin typeface="+mn-lt"/>
-                <a:ea typeface="+mn-ea"/>
-                <a:cs typeface="+mn-cs"/>
-              </a:rPr>
-              <a:t>中的对象也叫做属性，而人可以呼吸，吃饭，在</a:t>
-            </a:r>
-            <a:r>
-              <a:rPr lang="en-US" altLang="zh-CN" sz="1200" b="0" i="0" kern="1200" dirty="0" smtClean="0">
-                <a:solidFill>
-                  <a:schemeClr val="tx1"/>
-                </a:solidFill>
-                <a:effectLst/>
-                <a:latin typeface="+mn-lt"/>
-                <a:ea typeface="+mn-ea"/>
-                <a:cs typeface="+mn-cs"/>
-              </a:rPr>
-              <a:t>java</a:t>
-            </a:r>
-            <a:r>
-              <a:rPr lang="zh-CN" altLang="en-US" sz="1200" b="0" i="0" kern="1200" dirty="0" smtClean="0">
-                <a:solidFill>
-                  <a:schemeClr val="tx1"/>
-                </a:solidFill>
-                <a:effectLst/>
-                <a:latin typeface="+mn-lt"/>
-                <a:ea typeface="+mn-ea"/>
-                <a:cs typeface="+mn-cs"/>
-              </a:rPr>
-              <a:t>的世界中叫做人这个对象具有呼吸吃饭的方法，</a:t>
-            </a:r>
-            <a:r>
-              <a:rPr lang="en-US" altLang="zh-CN" sz="1200" b="0" i="0" kern="1200" dirty="0" smtClean="0">
-                <a:solidFill>
-                  <a:schemeClr val="tx1"/>
-                </a:solidFill>
-                <a:effectLst/>
-                <a:latin typeface="+mn-lt"/>
-                <a:ea typeface="+mn-ea"/>
-                <a:cs typeface="+mn-cs"/>
-              </a:rPr>
-              <a:t>java</a:t>
-            </a:r>
-            <a:r>
-              <a:rPr lang="zh-CN" altLang="en-US" sz="1200" b="0" i="0" kern="1200" dirty="0" smtClean="0">
-                <a:solidFill>
-                  <a:schemeClr val="tx1"/>
-                </a:solidFill>
-                <a:effectLst/>
-                <a:latin typeface="+mn-lt"/>
-                <a:ea typeface="+mn-ea"/>
-                <a:cs typeface="+mn-cs"/>
-              </a:rPr>
-              <a:t>中有一句话，</a:t>
-            </a:r>
-            <a:r>
-              <a:rPr lang="zh-CN" altLang="en-US" sz="1200" b="0" i="0" kern="1200" dirty="0" smtClean="0">
-                <a:solidFill>
-                  <a:schemeClr val="tx1"/>
-                </a:solidFill>
-                <a:effectLst/>
-                <a:latin typeface="+mn-lt"/>
-                <a:ea typeface="+mn-ea"/>
-                <a:cs typeface="+mn-cs"/>
-              </a:rPr>
-              <a:t>叫做一切皆</a:t>
-            </a:r>
-            <a:r>
-              <a:rPr lang="zh-CN" altLang="en-US" sz="1200" b="0" i="0" kern="1200" dirty="0" smtClean="0">
-                <a:solidFill>
-                  <a:schemeClr val="tx1"/>
-                </a:solidFill>
-                <a:effectLst/>
-                <a:latin typeface="+mn-lt"/>
-                <a:ea typeface="+mn-ea"/>
-                <a:cs typeface="+mn-cs"/>
-              </a:rPr>
-              <a:t>对象，面向过程的语言依然是计算机式的，计算机，解决问题就是，一步接着一步，生活中的情况往往不是，现实生活中的业务往往是联动的，比方说，一个餐馆的业务逻辑，客人要和跟服务员去点菜，服务员要把菜单报给厨师，厨师炒好菜，服务员再将菜端到客人哪里，客人吃完饭要到前台那里去结账，这样一段我们如何将这个过程抽象到计算机中那？假如是面向过程的语言，将会比较困难，也比较难以理解，而通过面向对象则较为轻松，而且那，我们人类让计算机解决的同样也是现实生活中的问题，如果能够把这些关系抽象到编程语言中去，我们就可以更多的将精力放在处理业务逻辑，而不是函数复杂的调用关系上</a:t>
-            </a:r>
-            <a:endParaRPr lang="en-US" altLang="zh-CN" sz="1200" b="0" i="0" kern="1200" dirty="0" smtClean="0">
-              <a:solidFill>
-                <a:schemeClr val="tx1"/>
-              </a:solidFill>
-              <a:effectLst/>
-              <a:latin typeface="+mn-lt"/>
-              <a:ea typeface="+mn-ea"/>
-              <a:cs typeface="+mn-cs"/>
-            </a:endParaRPr>
-          </a:p>
-          <a:p>
-            <a:endParaRPr lang="en-US" altLang="zh-CN" sz="1200" b="0" i="0" kern="1200" dirty="0" smtClean="0">
-              <a:solidFill>
-                <a:schemeClr val="tx1"/>
-              </a:solidFill>
-              <a:effectLst/>
-              <a:latin typeface="+mn-lt"/>
-              <a:ea typeface="+mn-ea"/>
-              <a:cs typeface="+mn-cs"/>
-            </a:endParaRPr>
-          </a:p>
-          <a:p>
-            <a:r>
-              <a:rPr lang="zh-CN" altLang="en-US" sz="1200" b="0" i="0" kern="1200" dirty="0" smtClean="0">
-                <a:solidFill>
-                  <a:schemeClr val="tx1"/>
-                </a:solidFill>
-                <a:effectLst/>
-                <a:latin typeface="+mn-lt"/>
-                <a:ea typeface="+mn-ea"/>
-                <a:cs typeface="+mn-cs"/>
-              </a:rPr>
-              <a:t>跨平台，号称一次编写到处运行，不再有一个数据类型在不同平台表示不同大小的值的问题</a:t>
-            </a:r>
-            <a:endParaRPr lang="en-US" altLang="zh-CN" sz="1200" b="0" i="0" kern="1200" dirty="0" smtClean="0">
-              <a:solidFill>
-                <a:schemeClr val="tx1"/>
-              </a:solidFill>
-              <a:effectLst/>
-              <a:latin typeface="+mn-lt"/>
-              <a:ea typeface="+mn-ea"/>
-              <a:cs typeface="+mn-cs"/>
-            </a:endParaRPr>
-          </a:p>
-          <a:p>
-            <a:endParaRPr lang="en-US" altLang="zh-CN" sz="1200" b="0" i="0" kern="1200" dirty="0" smtClean="0">
-              <a:solidFill>
-                <a:schemeClr val="tx1"/>
-              </a:solidFill>
-              <a:effectLst/>
-              <a:latin typeface="+mn-lt"/>
-              <a:ea typeface="+mn-ea"/>
-              <a:cs typeface="+mn-cs"/>
-            </a:endParaRPr>
-          </a:p>
-          <a:p>
-            <a:r>
-              <a:rPr lang="zh-CN" altLang="en-US" sz="1200" b="0" i="0" kern="1200" dirty="0" smtClean="0">
-                <a:solidFill>
-                  <a:schemeClr val="tx1"/>
-                </a:solidFill>
-                <a:effectLst/>
-                <a:latin typeface="+mn-lt"/>
-                <a:ea typeface="+mn-ea"/>
-                <a:cs typeface="+mn-cs"/>
-              </a:rPr>
-              <a:t>提供了检查机制，数据越界、空指针等等，没有了指针，也不怕被黑客利用系统漏洞黑了</a:t>
-            </a:r>
-            <a:endParaRPr lang="en-US" altLang="zh-CN" sz="1200" b="0" i="0" kern="1200" dirty="0" smtClean="0">
-              <a:solidFill>
-                <a:schemeClr val="tx1"/>
-              </a:solidFill>
-              <a:effectLst/>
-              <a:latin typeface="+mn-lt"/>
-              <a:ea typeface="+mn-ea"/>
-              <a:cs typeface="+mn-cs"/>
-            </a:endParaRPr>
-          </a:p>
-          <a:p>
-            <a:endParaRPr lang="en-US" altLang="zh-CN" sz="1200" b="0" i="0" kern="1200" dirty="0" smtClean="0">
-              <a:solidFill>
-                <a:schemeClr val="tx1"/>
-              </a:solidFill>
-              <a:effectLst/>
-              <a:latin typeface="+mn-lt"/>
-              <a:ea typeface="+mn-ea"/>
-              <a:cs typeface="+mn-cs"/>
-            </a:endParaRPr>
-          </a:p>
-          <a:p>
-            <a:r>
-              <a:rPr lang="zh-CN" altLang="en-US" sz="1200" b="0" i="0" kern="1200" dirty="0" smtClean="0">
-                <a:solidFill>
-                  <a:schemeClr val="tx1"/>
-                </a:solidFill>
-                <a:effectLst/>
-                <a:latin typeface="+mn-lt"/>
-                <a:ea typeface="+mn-ea"/>
-                <a:cs typeface="+mn-cs"/>
-              </a:rPr>
-              <a:t>复杂在于引入了现实世界的模型</a:t>
-            </a:r>
-            <a:endParaRPr lang="en-US" altLang="zh-CN" sz="1200" b="0" i="0" kern="1200" dirty="0" smtClean="0">
-              <a:solidFill>
-                <a:schemeClr val="tx1"/>
-              </a:solidFill>
-              <a:effectLst/>
-              <a:latin typeface="+mn-lt"/>
-              <a:ea typeface="+mn-ea"/>
-              <a:cs typeface="+mn-cs"/>
-            </a:endParaRPr>
-          </a:p>
-          <a:p>
-            <a:endParaRPr lang="en-US" altLang="zh-CN" sz="1200" b="0" i="0" kern="1200" dirty="0" smtClean="0">
-              <a:solidFill>
-                <a:schemeClr val="tx1"/>
-              </a:solidFill>
-              <a:effectLst/>
-              <a:latin typeface="+mn-lt"/>
-              <a:ea typeface="+mn-ea"/>
-              <a:cs typeface="+mn-cs"/>
-            </a:endParaRPr>
-          </a:p>
-          <a:p>
-            <a:r>
-              <a:rPr lang="zh-CN" altLang="en-US" sz="1200" b="0" i="0" kern="1200" dirty="0" smtClean="0">
-                <a:solidFill>
-                  <a:schemeClr val="tx1"/>
-                </a:solidFill>
-                <a:effectLst/>
-                <a:latin typeface="+mn-lt"/>
-                <a:ea typeface="+mn-ea"/>
-                <a:cs typeface="+mn-cs"/>
-              </a:rPr>
-              <a:t>金融、银行、大数据</a:t>
-            </a:r>
-            <a:endParaRPr lang="en-US" altLang="zh-CN" sz="1200" b="0" i="0" kern="1200" dirty="0" smtClean="0">
-              <a:solidFill>
-                <a:schemeClr val="tx1"/>
-              </a:solidFill>
-              <a:effectLst/>
-              <a:latin typeface="+mn-lt"/>
-              <a:ea typeface="+mn-ea"/>
-              <a:cs typeface="+mn-cs"/>
-            </a:endParaRPr>
-          </a:p>
-          <a:p>
-            <a:endParaRPr lang="en-US" altLang="zh-CN" sz="1200" b="0" i="0" kern="1200" dirty="0" smtClean="0">
-              <a:solidFill>
-                <a:schemeClr val="tx1"/>
-              </a:solidFill>
-              <a:effectLst/>
-              <a:latin typeface="+mn-lt"/>
-              <a:ea typeface="+mn-ea"/>
-              <a:cs typeface="+mn-cs"/>
-            </a:endParaRPr>
-          </a:p>
-          <a:p>
-            <a:endParaRPr lang="en-US" altLang="zh-CN" sz="1200" b="0" i="0" kern="1200" dirty="0" smtClean="0">
-              <a:solidFill>
-                <a:schemeClr val="tx1"/>
-              </a:solidFill>
-              <a:effectLst/>
-              <a:latin typeface="+mn-lt"/>
-              <a:ea typeface="+mn-ea"/>
-              <a:cs typeface="+mn-cs"/>
-            </a:endParaRPr>
-          </a:p>
-          <a:p>
-            <a:endParaRPr lang="en-US" altLang="zh-CN" sz="1200" b="0" i="0" kern="1200" dirty="0" smtClean="0">
-              <a:solidFill>
-                <a:schemeClr val="tx1"/>
-              </a:solidFill>
-              <a:effectLst/>
-              <a:latin typeface="+mn-lt"/>
-              <a:ea typeface="+mn-ea"/>
-              <a:cs typeface="+mn-cs"/>
-            </a:endParaRPr>
-          </a:p>
-          <a:p>
-            <a:endParaRPr lang="en-US" altLang="zh-CN" sz="1200" b="0" i="0" kern="1200" dirty="0" smtClean="0">
-              <a:solidFill>
-                <a:schemeClr val="tx1"/>
-              </a:solidFill>
-              <a:effectLst/>
-              <a:latin typeface="+mn-lt"/>
-              <a:ea typeface="+mn-ea"/>
-              <a:cs typeface="+mn-cs"/>
-            </a:endParaRPr>
-          </a:p>
-          <a:p>
             <a:endParaRPr lang="zh-CN" altLang="en-US" dirty="0"/>
           </a:p>
         </p:txBody>
@@ -4998,7 +1138,7 @@
           <a:p>
             <a:fld id="{38A8ACF5-C29D-4199-AE4F-AD7991FDFB26}" type="slidenum">
               <a:rPr lang="zh-CN" altLang="en-US" smtClean="0"/>
-              <a:t>6</a:t>
+              <a:t>7</a:t>
             </a:fld>
             <a:endParaRPr lang="zh-CN" altLang="en-US"/>
           </a:p>
@@ -5061,284 +1201,6 @@
           <a:bodyPr/>
           <a:lstStyle/>
           <a:p>
-            <a:r>
-              <a:rPr lang="zh-CN" altLang="en-US" dirty="0" smtClean="0"/>
-              <a:t>说回我们的主角</a:t>
-            </a:r>
-            <a:r>
-              <a:rPr lang="en-US" altLang="zh-CN" dirty="0" smtClean="0"/>
-              <a:t>java</a:t>
-            </a:r>
-            <a:r>
-              <a:rPr lang="zh-CN" altLang="en-US" dirty="0" smtClean="0"/>
-              <a:t>，</a:t>
-            </a:r>
-            <a:r>
-              <a:rPr lang="zh-CN" altLang="en-US" sz="1200" b="0" i="0" kern="1200" dirty="0" smtClean="0">
-                <a:solidFill>
-                  <a:schemeClr val="tx1"/>
-                </a:solidFill>
-                <a:effectLst/>
-                <a:latin typeface="+mn-lt"/>
-                <a:ea typeface="+mn-ea"/>
-                <a:cs typeface="+mn-cs"/>
-              </a:rPr>
-              <a:t>从斯坦福大学孵化出的高科技公司首推太阳公司（</a:t>
-            </a:r>
-            <a:r>
-              <a:rPr lang="en-US" altLang="zh-CN" sz="1200" b="0" i="0" kern="1200" dirty="0" smtClean="0">
-                <a:solidFill>
-                  <a:schemeClr val="tx1"/>
-                </a:solidFill>
-                <a:effectLst/>
-                <a:latin typeface="+mn-lt"/>
-                <a:ea typeface="+mn-ea"/>
-                <a:cs typeface="+mn-cs"/>
-              </a:rPr>
-              <a:t>Sun Microsystems</a:t>
-            </a:r>
-            <a:r>
-              <a:rPr lang="zh-CN" altLang="en-US" sz="1200" b="0" i="0" kern="1200" dirty="0" smtClean="0">
-                <a:solidFill>
-                  <a:schemeClr val="tx1"/>
-                </a:solidFill>
-                <a:effectLst/>
-                <a:latin typeface="+mn-lt"/>
-                <a:ea typeface="+mn-ea"/>
-                <a:cs typeface="+mn-cs"/>
-              </a:rPr>
-              <a:t>），</a:t>
-            </a:r>
-            <a:r>
-              <a:rPr lang="zh-CN" altLang="en-US" dirty="0" smtClean="0"/>
-              <a:t>在 </a:t>
-            </a:r>
-            <a:r>
-              <a:rPr lang="en-US" altLang="zh-CN" dirty="0" smtClean="0"/>
-              <a:t>2001 </a:t>
-            </a:r>
-            <a:r>
-              <a:rPr lang="zh-CN" altLang="en-US" dirty="0" smtClean="0"/>
-              <a:t>年的高峰期，</a:t>
-            </a:r>
-            <a:r>
-              <a:rPr lang="en-US" altLang="zh-CN" dirty="0" smtClean="0"/>
-              <a:t>sun</a:t>
-            </a:r>
-            <a:r>
-              <a:rPr lang="zh-CN" altLang="en-US" dirty="0" smtClean="0"/>
-              <a:t>公司在全球拥有五万雇员，市值超过两千亿美元，</a:t>
-            </a:r>
-            <a:endParaRPr lang="en-US" altLang="zh-CN" dirty="0" smtClean="0"/>
-          </a:p>
-          <a:p>
-            <a:r>
-              <a:rPr lang="zh-CN" altLang="en-US" sz="1200" b="0" i="0" kern="1200" dirty="0" smtClean="0">
-                <a:solidFill>
-                  <a:schemeClr val="tx1"/>
-                </a:solidFill>
-                <a:effectLst/>
-                <a:latin typeface="+mn-lt"/>
-                <a:ea typeface="+mn-ea"/>
-                <a:cs typeface="+mn-cs"/>
-              </a:rPr>
-              <a:t>失败：</a:t>
-            </a:r>
-            <a:r>
-              <a:rPr lang="en-US" altLang="zh-CN" sz="1200" b="0" i="0" kern="1200" dirty="0" smtClean="0">
-                <a:solidFill>
-                  <a:schemeClr val="tx1"/>
-                </a:solidFill>
-                <a:effectLst/>
-                <a:latin typeface="+mn-lt"/>
-                <a:ea typeface="+mn-ea"/>
-                <a:cs typeface="+mn-cs"/>
-              </a:rPr>
-              <a:t>Sun</a:t>
-            </a:r>
-            <a:r>
-              <a:rPr lang="zh-CN" altLang="en-US" sz="1200" b="0" i="0" kern="1200" dirty="0" smtClean="0">
-                <a:solidFill>
-                  <a:schemeClr val="tx1"/>
-                </a:solidFill>
-                <a:effectLst/>
-                <a:latin typeface="+mn-lt"/>
-                <a:ea typeface="+mn-ea"/>
-                <a:cs typeface="+mn-cs"/>
-              </a:rPr>
-              <a:t>公司的位置非常像微机争霸战中的</a:t>
-            </a:r>
-            <a:r>
-              <a:rPr lang="zh-CN" altLang="en-US" sz="1200" b="0" i="0" u="none" strike="noStrike" kern="1200" dirty="0" smtClean="0">
-                <a:solidFill>
-                  <a:schemeClr val="tx1"/>
-                </a:solidFill>
-                <a:effectLst/>
-                <a:latin typeface="+mn-lt"/>
-                <a:ea typeface="+mn-ea"/>
-                <a:cs typeface="+mn-cs"/>
-                <a:hlinkClick r:id="rId3"/>
-              </a:rPr>
-              <a:t>苹果公司</a:t>
-            </a:r>
-            <a:r>
-              <a:rPr lang="zh-CN" altLang="en-US" sz="1200" b="0" i="0" kern="1200" dirty="0" smtClean="0">
-                <a:solidFill>
-                  <a:schemeClr val="tx1"/>
-                </a:solidFill>
-                <a:effectLst/>
-                <a:latin typeface="+mn-lt"/>
-                <a:ea typeface="+mn-ea"/>
-                <a:cs typeface="+mn-cs"/>
-              </a:rPr>
-              <a:t>。它有自己成套的硬件和操作系统，但是它缺乏应用软件。</a:t>
-            </a:r>
-            <a:r>
-              <a:rPr lang="en-US" altLang="zh-CN" sz="1200" b="0" i="0" kern="1200" dirty="0" smtClean="0">
-                <a:solidFill>
-                  <a:schemeClr val="tx1"/>
-                </a:solidFill>
-                <a:effectLst/>
-                <a:latin typeface="+mn-lt"/>
-                <a:ea typeface="+mn-ea"/>
-                <a:cs typeface="+mn-cs"/>
-              </a:rPr>
-              <a:t>Sun</a:t>
-            </a:r>
-            <a:r>
-              <a:rPr lang="zh-CN" altLang="en-US" sz="1200" b="0" i="0" kern="1200" dirty="0" smtClean="0">
-                <a:solidFill>
-                  <a:schemeClr val="tx1"/>
-                </a:solidFill>
-                <a:effectLst/>
-                <a:latin typeface="+mn-lt"/>
-                <a:ea typeface="+mn-ea"/>
-                <a:cs typeface="+mn-cs"/>
-              </a:rPr>
-              <a:t>的 </a:t>
-            </a:r>
-            <a:r>
-              <a:rPr lang="en-US" altLang="zh-CN" sz="1200" b="0" i="0" kern="1200" dirty="0" smtClean="0">
-                <a:solidFill>
-                  <a:schemeClr val="tx1"/>
-                </a:solidFill>
-                <a:effectLst/>
-                <a:latin typeface="+mn-lt"/>
-                <a:ea typeface="+mn-ea"/>
-                <a:cs typeface="+mn-cs"/>
-              </a:rPr>
-              <a:t>Star Office </a:t>
-            </a:r>
-            <a:r>
-              <a:rPr lang="zh-CN" altLang="en-US" sz="1200" b="0" i="0" kern="1200" dirty="0" smtClean="0">
-                <a:solidFill>
-                  <a:schemeClr val="tx1"/>
-                </a:solidFill>
-                <a:effectLst/>
-                <a:latin typeface="+mn-lt"/>
-                <a:ea typeface="+mn-ea"/>
-                <a:cs typeface="+mn-cs"/>
-              </a:rPr>
-              <a:t>至今恐怕除了它自己没有其它像样的公司在使用。而微软只做软件，而且只做操作系统（</a:t>
-            </a:r>
-            <a:r>
-              <a:rPr lang="en-US" altLang="zh-CN" sz="1200" b="0" i="0" u="none" strike="noStrike" kern="1200" dirty="0" smtClean="0">
-                <a:solidFill>
-                  <a:schemeClr val="tx1"/>
-                </a:solidFill>
-                <a:effectLst/>
-                <a:latin typeface="+mn-lt"/>
-                <a:ea typeface="+mn-ea"/>
-                <a:cs typeface="+mn-cs"/>
-                <a:hlinkClick r:id="rId4"/>
-              </a:rPr>
-              <a:t>Windows NT</a:t>
-            </a:r>
-            <a:r>
-              <a:rPr lang="zh-CN" altLang="en-US" sz="1200" b="0" i="0" kern="1200" dirty="0" smtClean="0">
-                <a:solidFill>
-                  <a:schemeClr val="tx1"/>
-                </a:solidFill>
-                <a:effectLst/>
-                <a:latin typeface="+mn-lt"/>
-                <a:ea typeface="+mn-ea"/>
-                <a:cs typeface="+mn-cs"/>
-              </a:rPr>
-              <a:t>），数据库 </a:t>
-            </a:r>
-            <a:r>
-              <a:rPr lang="en-US" altLang="zh-CN" sz="1200" b="0" i="0" kern="1200" dirty="0" smtClean="0">
-                <a:solidFill>
-                  <a:schemeClr val="tx1"/>
-                </a:solidFill>
-                <a:effectLst/>
-                <a:latin typeface="+mn-lt"/>
-                <a:ea typeface="+mn-ea"/>
-                <a:cs typeface="+mn-cs"/>
-              </a:rPr>
-              <a:t>SQL Server </a:t>
-            </a:r>
-            <a:r>
-              <a:rPr lang="zh-CN" altLang="en-US" sz="1200" b="0" i="0" kern="1200" dirty="0" smtClean="0">
-                <a:solidFill>
-                  <a:schemeClr val="tx1"/>
-                </a:solidFill>
-                <a:effectLst/>
-                <a:latin typeface="+mn-lt"/>
-                <a:ea typeface="+mn-ea"/>
-                <a:cs typeface="+mn-cs"/>
-              </a:rPr>
-              <a:t>和</a:t>
-            </a:r>
-            <a:r>
-              <a:rPr lang="zh-CN" altLang="en-US" sz="1200" b="0" i="0" u="none" strike="noStrike" kern="1200" dirty="0" smtClean="0">
-                <a:solidFill>
-                  <a:schemeClr val="tx1"/>
-                </a:solidFill>
-                <a:effectLst/>
-                <a:latin typeface="+mn-lt"/>
-                <a:ea typeface="+mn-ea"/>
-                <a:cs typeface="+mn-cs"/>
-                <a:hlinkClick r:id="rId5"/>
-              </a:rPr>
-              <a:t>办公软件</a:t>
-            </a:r>
-            <a:r>
-              <a:rPr lang="zh-CN" altLang="en-US" sz="1200" b="0" i="0" kern="1200" dirty="0" smtClean="0">
-                <a:solidFill>
-                  <a:schemeClr val="tx1"/>
-                </a:solidFill>
-                <a:effectLst/>
-                <a:latin typeface="+mn-lt"/>
-                <a:ea typeface="+mn-ea"/>
-                <a:cs typeface="+mn-cs"/>
-              </a:rPr>
-              <a:t>（</a:t>
-            </a:r>
-            <a:r>
-              <a:rPr lang="en-US" altLang="zh-CN" sz="1200" b="0" i="0" kern="1200" dirty="0" smtClean="0">
-                <a:solidFill>
-                  <a:schemeClr val="tx1"/>
-                </a:solidFill>
-                <a:effectLst/>
-                <a:latin typeface="+mn-lt"/>
-                <a:ea typeface="+mn-ea"/>
-                <a:cs typeface="+mn-cs"/>
-              </a:rPr>
-              <a:t>Office</a:t>
-            </a:r>
-            <a:r>
-              <a:rPr lang="zh-CN" altLang="en-US" sz="1200" b="0" i="0" kern="1200" dirty="0" smtClean="0">
-                <a:solidFill>
-                  <a:schemeClr val="tx1"/>
-                </a:solidFill>
-                <a:effectLst/>
-                <a:latin typeface="+mn-lt"/>
-                <a:ea typeface="+mn-ea"/>
-                <a:cs typeface="+mn-cs"/>
-              </a:rPr>
-              <a:t>）等少数但同时是至关重要的软件。这三种软件是一个企业必不可少的。</a:t>
-            </a:r>
             <a:endParaRPr lang="en-US" altLang="zh-CN" sz="1200" b="0" i="0" kern="1200" dirty="0" smtClean="0">
               <a:solidFill>
                 <a:schemeClr val="tx1"/>
@@ -5349,604 +1211,6 @@
               <a:cs typeface="+mn-cs"/>
             </a:endParaRPr>
           </a:p>
-          <a:p>
-            <a:r>
-              <a:rPr lang="en-US" altLang="zh-CN" sz="1200" b="0" i="0" kern="1200" dirty="0" smtClean="0">
-                <a:solidFill>
-                  <a:schemeClr val="tx1"/>
-                </a:solidFill>
-                <a:effectLst/>
-                <a:latin typeface="+mn-lt"/>
-                <a:ea typeface="+mn-ea"/>
-                <a:cs typeface="+mn-cs"/>
-              </a:rPr>
-              <a:t>Java</a:t>
-            </a:r>
-            <a:r>
-              <a:rPr lang="zh-CN" altLang="en-US" sz="1200" b="0" i="0" kern="1200" dirty="0" smtClean="0">
-                <a:solidFill>
-                  <a:schemeClr val="tx1"/>
-                </a:solidFill>
-                <a:effectLst/>
-                <a:latin typeface="+mn-lt"/>
-                <a:ea typeface="+mn-ea"/>
-                <a:cs typeface="+mn-cs"/>
-              </a:rPr>
-              <a:t>之父</a:t>
-            </a:r>
-            <a:r>
-              <a:rPr lang="en-US" altLang="zh-CN" sz="1200" b="0" i="0" kern="1200" dirty="0" smtClean="0">
-                <a:solidFill>
-                  <a:schemeClr val="tx1"/>
-                </a:solidFill>
-                <a:effectLst/>
-                <a:latin typeface="+mn-lt"/>
-                <a:ea typeface="+mn-ea"/>
-                <a:cs typeface="+mn-cs"/>
-              </a:rPr>
-              <a:t>James Gosling </a:t>
-            </a:r>
-            <a:r>
-              <a:rPr lang="en-US" altLang="zh-CN" sz="1200" b="1" i="0" kern="1200" dirty="0" smtClean="0">
-                <a:solidFill>
-                  <a:schemeClr val="tx1"/>
-                </a:solidFill>
-                <a:effectLst/>
-                <a:latin typeface="+mn-lt"/>
-                <a:ea typeface="+mn-ea"/>
-                <a:cs typeface="+mn-cs"/>
-              </a:rPr>
-              <a:t>So long, old friend...</a:t>
-            </a:r>
-          </a:p>
-          <a:p>
-            <a:r>
-              <a:rPr lang="zh-CN" altLang="en-US" sz="1200" b="1" i="0" kern="1200" dirty="0" smtClean="0">
-                <a:solidFill>
-                  <a:schemeClr val="tx1"/>
-                </a:solidFill>
-                <a:effectLst/>
-                <a:latin typeface="+mn-lt"/>
-                <a:ea typeface="+mn-ea"/>
-                <a:cs typeface="+mn-cs"/>
-              </a:rPr>
-              <a:t>甲骨文公司，收购了</a:t>
-            </a:r>
-            <a:r>
-              <a:rPr lang="en-US" altLang="zh-CN" sz="1200" b="1" i="0" kern="1200" dirty="0" smtClean="0">
-                <a:solidFill>
-                  <a:schemeClr val="tx1"/>
-                </a:solidFill>
-                <a:effectLst/>
-                <a:latin typeface="+mn-lt"/>
-                <a:ea typeface="+mn-ea"/>
-                <a:cs typeface="+mn-cs"/>
-              </a:rPr>
-              <a:t>sun</a:t>
-            </a:r>
-          </a:p>
-          <a:p>
-            <a:r>
-              <a:rPr lang="zh-CN" altLang="en-US" sz="1200" b="0" i="0" kern="1200" dirty="0" smtClean="0">
-                <a:solidFill>
-                  <a:schemeClr val="tx1"/>
-                </a:solidFill>
-                <a:effectLst/>
-                <a:latin typeface="+mn-lt"/>
-                <a:ea typeface="+mn-ea"/>
-                <a:cs typeface="+mn-cs"/>
-              </a:rPr>
-              <a:t>拉里</a:t>
-            </a:r>
-            <a:r>
-              <a:rPr lang="en-US" altLang="zh-CN" sz="1200" b="0" i="0" kern="1200" dirty="0" smtClean="0">
-                <a:solidFill>
-                  <a:schemeClr val="tx1"/>
-                </a:solidFill>
-                <a:effectLst/>
-                <a:latin typeface="+mn-lt"/>
-                <a:ea typeface="+mn-ea"/>
-                <a:cs typeface="+mn-cs"/>
-              </a:rPr>
-              <a:t>·</a:t>
-            </a:r>
-            <a:r>
-              <a:rPr lang="zh-CN" altLang="en-US" sz="1200" b="0" i="0" kern="1200" dirty="0" smtClean="0">
-                <a:solidFill>
-                  <a:schemeClr val="tx1"/>
-                </a:solidFill>
-                <a:effectLst/>
-                <a:latin typeface="+mn-lt"/>
-                <a:ea typeface="+mn-ea"/>
-                <a:cs typeface="+mn-cs"/>
-              </a:rPr>
-              <a:t>埃里森，甲骨文公司创始人，非常狼性</a:t>
-            </a:r>
-            <a:endParaRPr lang="en-US" altLang="zh-CN" sz="1200" b="0" i="0" kern="1200" dirty="0" smtClean="0">
-              <a:solidFill>
-                <a:schemeClr val="tx1"/>
-              </a:solidFill>
-              <a:effectLst/>
-              <a:latin typeface="+mn-lt"/>
-              <a:ea typeface="+mn-ea"/>
-              <a:cs typeface="+mn-cs"/>
-            </a:endParaRPr>
-          </a:p>
-          <a:p>
-            <a:r>
-              <a:rPr lang="zh-CN" altLang="en-US" sz="1200" b="0" i="0" kern="1200" dirty="0" smtClean="0">
-                <a:solidFill>
-                  <a:schemeClr val="tx1"/>
-                </a:solidFill>
-                <a:effectLst/>
-                <a:latin typeface="+mn-lt"/>
-                <a:ea typeface="+mn-ea"/>
-                <a:cs typeface="+mn-cs"/>
-              </a:rPr>
-              <a:t>埃里森在</a:t>
-            </a:r>
-            <a:r>
-              <a:rPr lang="en-US" altLang="zh-CN" sz="1200" b="0" i="0" kern="1200" dirty="0" smtClean="0">
-                <a:solidFill>
-                  <a:schemeClr val="tx1"/>
-                </a:solidFill>
-                <a:effectLst/>
-                <a:latin typeface="+mn-lt"/>
-                <a:ea typeface="+mn-ea"/>
-                <a:cs typeface="+mn-cs"/>
-              </a:rPr>
-              <a:t>32</a:t>
-            </a:r>
-            <a:r>
-              <a:rPr lang="zh-CN" altLang="en-US" sz="1200" b="0" i="0" kern="1200" dirty="0" smtClean="0">
-                <a:solidFill>
-                  <a:schemeClr val="tx1"/>
-                </a:solidFill>
-                <a:effectLst/>
-                <a:latin typeface="+mn-lt"/>
-                <a:ea typeface="+mn-ea"/>
-                <a:cs typeface="+mn-cs"/>
-              </a:rPr>
-              <a:t>岁以前还一事无成。读了三个大学，没获得一个学位文凭，换了十几家公司，老婆也离他而去。开始创业时只有</a:t>
-            </a:r>
-            <a:r>
-              <a:rPr lang="en-US" altLang="zh-CN" sz="1200" b="0" i="0" kern="1200" dirty="0" smtClean="0">
-                <a:solidFill>
-                  <a:schemeClr val="tx1"/>
-                </a:solidFill>
-                <a:effectLst/>
-                <a:latin typeface="+mn-lt"/>
-                <a:ea typeface="+mn-ea"/>
-                <a:cs typeface="+mn-cs"/>
-              </a:rPr>
-              <a:t>1200</a:t>
-            </a:r>
-            <a:r>
-              <a:rPr lang="zh-CN" altLang="en-US" sz="1200" b="0" i="0" kern="1200" dirty="0" smtClean="0">
-                <a:solidFill>
-                  <a:schemeClr val="tx1"/>
-                </a:solidFill>
-                <a:effectLst/>
-                <a:latin typeface="+mn-lt"/>
-                <a:ea typeface="+mn-ea"/>
-                <a:cs typeface="+mn-cs"/>
-              </a:rPr>
-              <a:t>美元，现在则长期位居福布斯排行榜前十</a:t>
-            </a:r>
-            <a:endParaRPr lang="en-US" altLang="zh-CN" sz="1200" b="0" i="0" kern="1200" dirty="0" smtClean="0">
-              <a:solidFill>
-                <a:schemeClr val="tx1"/>
-              </a:solidFill>
-              <a:effectLst/>
-              <a:latin typeface="+mn-lt"/>
-              <a:ea typeface="+mn-ea"/>
-              <a:cs typeface="+mn-cs"/>
-            </a:endParaRPr>
-          </a:p>
-          <a:p>
-            <a:r>
-              <a:rPr lang="zh-CN" altLang="en-US" sz="1200" b="0" i="0" kern="1200" dirty="0" smtClean="0">
-                <a:solidFill>
-                  <a:schemeClr val="tx1"/>
-                </a:solidFill>
-                <a:effectLst/>
-                <a:latin typeface="+mn-lt"/>
-                <a:ea typeface="+mn-ea"/>
-                <a:cs typeface="+mn-cs"/>
-              </a:rPr>
-              <a:t>“我比公司的头儿们懂技术，也比他们懂市场，如果他们能经营公司，我也能。”</a:t>
-            </a:r>
-            <a:endParaRPr lang="en-US" altLang="zh-CN" sz="1200" b="0" i="0" kern="1200" dirty="0" smtClean="0">
-              <a:solidFill>
-                <a:schemeClr val="tx1"/>
-              </a:solidFill>
-              <a:effectLst/>
-              <a:latin typeface="+mn-lt"/>
-              <a:ea typeface="+mn-ea"/>
-              <a:cs typeface="+mn-cs"/>
-            </a:endParaRPr>
-          </a:p>
-          <a:p>
-            <a:r>
-              <a:rPr lang="zh-CN" altLang="en-US" sz="1200" b="0" i="0" kern="1200" dirty="0" smtClean="0">
-                <a:solidFill>
-                  <a:schemeClr val="tx1"/>
-                </a:solidFill>
-                <a:effectLst/>
-                <a:latin typeface="+mn-lt"/>
-                <a:ea typeface="+mn-ea"/>
-                <a:cs typeface="+mn-cs"/>
-              </a:rPr>
-              <a:t>“光是我们赢得胜利还不够，必须打败其他的所有人才算数。”这句成吉思汗的名言足以反映出埃里森顽强的人生态度。</a:t>
-            </a:r>
-            <a:endParaRPr lang="en-US" altLang="zh-CN" sz="1200" b="0" i="0" kern="1200" dirty="0" smtClean="0">
-              <a:solidFill>
-                <a:schemeClr val="tx1"/>
-              </a:solidFill>
-              <a:effectLst/>
-              <a:latin typeface="+mn-lt"/>
-              <a:ea typeface="+mn-ea"/>
-              <a:cs typeface="+mn-cs"/>
-            </a:endParaRPr>
-          </a:p>
-          <a:p>
-            <a:r>
-              <a:rPr lang="zh-CN" altLang="en-US" sz="1200" b="0" i="0" kern="1200" dirty="0" smtClean="0">
-                <a:solidFill>
-                  <a:schemeClr val="tx1"/>
-                </a:solidFill>
-                <a:effectLst/>
-                <a:latin typeface="+mn-lt"/>
-                <a:ea typeface="+mn-ea"/>
-                <a:cs typeface="+mn-cs"/>
-              </a:rPr>
-              <a:t>埃里森和</a:t>
-            </a:r>
-            <a:r>
-              <a:rPr lang="en-US" altLang="zh-CN" sz="1200" b="0" i="0" kern="1200" dirty="0" smtClean="0">
-                <a:solidFill>
-                  <a:schemeClr val="tx1"/>
-                </a:solidFill>
-                <a:effectLst/>
-                <a:latin typeface="+mn-lt"/>
-                <a:ea typeface="+mn-ea"/>
-                <a:cs typeface="+mn-cs"/>
-              </a:rPr>
-              <a:t>Miner</a:t>
-            </a:r>
-            <a:r>
-              <a:rPr lang="zh-CN" altLang="en-US" sz="1200" b="0" i="0" kern="1200" dirty="0" smtClean="0">
-                <a:solidFill>
-                  <a:schemeClr val="tx1"/>
-                </a:solidFill>
-                <a:effectLst/>
-                <a:latin typeface="+mn-lt"/>
-                <a:ea typeface="+mn-ea"/>
-                <a:cs typeface="+mn-cs"/>
-              </a:rPr>
-              <a:t>都十分好战，“我需要的不仅仅是成功，所有其他人都必须失败。”虽然埃里森后来否认了他对新闻周刊记者说过的这段话，但这是他的一贯作风，即使是在工作之余的体育比赛中他也总要争取胜利，他是相当不错的网球和棒球选手。为了胜利他可以不择手段，夸大其词和撒谎是家常便饭，</a:t>
-            </a:r>
-            <a:r>
-              <a:rPr lang="en-US" altLang="zh-CN" sz="1200" b="0" i="0" kern="1200" dirty="0" smtClean="0">
-                <a:solidFill>
-                  <a:schemeClr val="tx1"/>
-                </a:solidFill>
-                <a:effectLst/>
-                <a:latin typeface="+mn-lt"/>
-                <a:ea typeface="+mn-ea"/>
-                <a:cs typeface="+mn-cs"/>
-              </a:rPr>
-              <a:t>Oracle</a:t>
-            </a:r>
-            <a:r>
-              <a:rPr lang="zh-CN" altLang="en-US" sz="1200" b="0" i="0" kern="1200" dirty="0" smtClean="0">
-                <a:solidFill>
-                  <a:schemeClr val="tx1"/>
-                </a:solidFill>
-                <a:effectLst/>
-                <a:latin typeface="+mn-lt"/>
-                <a:ea typeface="+mn-ea"/>
-                <a:cs typeface="+mn-cs"/>
-              </a:rPr>
-              <a:t>的规模还很小，如果客户知道他们的实情</a:t>
-            </a:r>
-            <a:r>
-              <a:rPr lang="en-US" altLang="zh-CN" sz="1200" b="0" i="0" kern="1200" dirty="0" smtClean="0">
-                <a:solidFill>
-                  <a:schemeClr val="tx1"/>
-                </a:solidFill>
-                <a:effectLst/>
-                <a:latin typeface="+mn-lt"/>
-                <a:ea typeface="+mn-ea"/>
-                <a:cs typeface="+mn-cs"/>
-              </a:rPr>
-              <a:t>——</a:t>
-            </a:r>
-            <a:r>
-              <a:rPr lang="zh-CN" altLang="en-US" sz="1200" b="0" i="0" kern="1200" dirty="0" smtClean="0">
-                <a:solidFill>
-                  <a:schemeClr val="tx1"/>
-                </a:solidFill>
-                <a:effectLst/>
-                <a:latin typeface="+mn-lt"/>
-                <a:ea typeface="+mn-ea"/>
-                <a:cs typeface="+mn-cs"/>
-              </a:rPr>
-              <a:t>只有四五个程序员，根本就不会购买他们的产品。埃里森波澜万丈的创业经历已成为硅谷最惊心动魄的传奇，营销策略是：冲，冲，冲“，雇员的策略是：聪明有个性。埃里森的知人善任及破格提拔，也让技术人员无不视甲骨文公司为梦想之地。</a:t>
-            </a:r>
-            <a:endParaRPr lang="en-US" altLang="zh-CN" sz="1200" b="0" i="0" kern="1200" dirty="0" smtClean="0">
-              <a:solidFill>
-                <a:schemeClr val="tx1"/>
-              </a:solidFill>
-              <a:effectLst/>
-              <a:latin typeface="+mn-lt"/>
-              <a:ea typeface="+mn-ea"/>
-              <a:cs typeface="+mn-cs"/>
-            </a:endParaRPr>
-          </a:p>
-          <a:p>
-            <a:r>
-              <a:rPr lang="zh-CN" altLang="en-US" sz="1200" b="0" i="0" kern="1200" dirty="0" smtClean="0">
-                <a:solidFill>
-                  <a:schemeClr val="tx1"/>
-                </a:solidFill>
-                <a:effectLst/>
-                <a:latin typeface="+mn-lt"/>
-                <a:ea typeface="+mn-ea"/>
-                <a:cs typeface="+mn-cs"/>
-              </a:rPr>
-              <a:t>甲骨文要求</a:t>
-            </a:r>
-            <a:r>
-              <a:rPr lang="en-US" altLang="zh-CN" sz="1200" b="0" i="0" u="none" strike="noStrike" kern="1200" dirty="0" smtClean="0">
-                <a:solidFill>
-                  <a:schemeClr val="tx1"/>
-                </a:solidFill>
-                <a:effectLst/>
-                <a:latin typeface="+mn-lt"/>
-                <a:ea typeface="+mn-ea"/>
-                <a:cs typeface="+mn-cs"/>
-                <a:hlinkClick r:id="rId6"/>
-              </a:rPr>
-              <a:t>Google</a:t>
-            </a:r>
-            <a:r>
-              <a:rPr lang="zh-CN" altLang="en-US" sz="1200" b="0" i="0" kern="1200" dirty="0" smtClean="0">
-                <a:solidFill>
-                  <a:schemeClr val="tx1"/>
-                </a:solidFill>
-                <a:effectLst/>
-                <a:latin typeface="+mn-lt"/>
-                <a:ea typeface="+mn-ea"/>
-                <a:cs typeface="+mn-cs"/>
-              </a:rPr>
-              <a:t>因侵犯</a:t>
-            </a:r>
-            <a:r>
-              <a:rPr lang="en-US" altLang="zh-CN" sz="1200" b="0" i="0" kern="1200" dirty="0" smtClean="0">
-                <a:solidFill>
-                  <a:schemeClr val="tx1"/>
-                </a:solidFill>
-                <a:effectLst/>
-                <a:latin typeface="+mn-lt"/>
-                <a:ea typeface="+mn-ea"/>
-                <a:cs typeface="+mn-cs"/>
-              </a:rPr>
-              <a:t>Java</a:t>
-            </a:r>
-            <a:r>
-              <a:rPr lang="zh-CN" altLang="en-US" sz="1200" b="0" i="0" kern="1200" dirty="0" smtClean="0">
-                <a:solidFill>
-                  <a:schemeClr val="tx1"/>
-                </a:solidFill>
-                <a:effectLst/>
-                <a:latin typeface="+mn-lt"/>
-                <a:ea typeface="+mn-ea"/>
-                <a:cs typeface="+mn-cs"/>
-              </a:rPr>
-              <a:t>专利赔偿数十亿美元损失的主张。</a:t>
-            </a:r>
-            <a:r>
-              <a:rPr lang="en-US" altLang="zh-CN" sz="1200" b="1" i="0" kern="1200" dirty="0" smtClean="0">
-                <a:solidFill>
-                  <a:schemeClr val="tx1"/>
-                </a:solidFill>
-                <a:effectLst/>
-                <a:latin typeface="+mn-lt"/>
-                <a:ea typeface="+mn-ea"/>
-                <a:cs typeface="+mn-cs"/>
-              </a:rPr>
-              <a:t>9</a:t>
-            </a:r>
-            <a:r>
-              <a:rPr lang="zh-CN" altLang="en-US" sz="1200" b="1" i="0" kern="1200" dirty="0" smtClean="0">
-                <a:solidFill>
-                  <a:schemeClr val="tx1"/>
-                </a:solidFill>
-                <a:effectLst/>
-                <a:latin typeface="+mn-lt"/>
-                <a:ea typeface="+mn-ea"/>
-                <a:cs typeface="+mn-cs"/>
-              </a:rPr>
-              <a:t>行代码，索赔超过</a:t>
-            </a:r>
-            <a:r>
-              <a:rPr lang="en-US" altLang="zh-CN" sz="1200" b="1" i="0" kern="1200" dirty="0" smtClean="0">
-                <a:solidFill>
-                  <a:schemeClr val="tx1"/>
-                </a:solidFill>
-                <a:effectLst/>
-                <a:latin typeface="+mn-lt"/>
-                <a:ea typeface="+mn-ea"/>
-                <a:cs typeface="+mn-cs"/>
-              </a:rPr>
-              <a:t>10</a:t>
-            </a:r>
-            <a:r>
-              <a:rPr lang="zh-CN" altLang="en-US" sz="1200" b="1" i="0" kern="1200" dirty="0" smtClean="0">
-                <a:solidFill>
-                  <a:schemeClr val="tx1"/>
-                </a:solidFill>
-                <a:effectLst/>
-                <a:latin typeface="+mn-lt"/>
-                <a:ea typeface="+mn-ea"/>
-                <a:cs typeface="+mn-cs"/>
-              </a:rPr>
-              <a:t>亿美金，这个工程师最开始在</a:t>
-            </a:r>
-            <a:r>
-              <a:rPr lang="en-US" altLang="zh-CN" sz="1200" b="1" i="0" kern="1200" dirty="0" smtClean="0">
-                <a:solidFill>
-                  <a:schemeClr val="tx1"/>
-                </a:solidFill>
-                <a:effectLst/>
-                <a:latin typeface="+mn-lt"/>
-                <a:ea typeface="+mn-ea"/>
-                <a:cs typeface="+mn-cs"/>
-              </a:rPr>
-              <a:t>Sun</a:t>
-            </a:r>
-            <a:r>
-              <a:rPr lang="zh-CN" altLang="en-US" sz="1200" b="1" i="0" kern="1200" dirty="0" smtClean="0">
-                <a:solidFill>
-                  <a:schemeClr val="tx1"/>
-                </a:solidFill>
-                <a:effectLst/>
-                <a:latin typeface="+mn-lt"/>
-                <a:ea typeface="+mn-ea"/>
-                <a:cs typeface="+mn-cs"/>
-              </a:rPr>
-              <a:t>公司开发</a:t>
-            </a:r>
-            <a:r>
-              <a:rPr lang="en-US" altLang="zh-CN" sz="1200" b="1" i="0" kern="1200" dirty="0" smtClean="0">
-                <a:solidFill>
-                  <a:schemeClr val="tx1"/>
-                </a:solidFill>
-                <a:effectLst/>
-                <a:latin typeface="+mn-lt"/>
-                <a:ea typeface="+mn-ea"/>
-                <a:cs typeface="+mn-cs"/>
-              </a:rPr>
-              <a:t>Java</a:t>
-            </a:r>
-            <a:r>
-              <a:rPr lang="zh-CN" altLang="en-US" sz="1200" b="1" i="0" kern="1200" dirty="0" smtClean="0">
-                <a:solidFill>
-                  <a:schemeClr val="tx1"/>
-                </a:solidFill>
-                <a:effectLst/>
-                <a:latin typeface="+mn-lt"/>
-                <a:ea typeface="+mn-ea"/>
-                <a:cs typeface="+mn-cs"/>
-              </a:rPr>
-              <a:t>后来去了</a:t>
-            </a:r>
-            <a:r>
-              <a:rPr lang="en-US" altLang="zh-CN" sz="1200" b="1" i="0" kern="1200" dirty="0" smtClean="0">
-                <a:solidFill>
-                  <a:schemeClr val="tx1"/>
-                </a:solidFill>
-                <a:effectLst/>
-                <a:latin typeface="+mn-lt"/>
-                <a:ea typeface="+mn-ea"/>
-                <a:cs typeface="+mn-cs"/>
-              </a:rPr>
-              <a:t>Google</a:t>
-            </a:r>
-            <a:r>
-              <a:rPr lang="zh-CN" altLang="en-US" sz="1200" b="1" i="0" kern="1200" dirty="0" smtClean="0">
-                <a:solidFill>
-                  <a:schemeClr val="tx1"/>
-                </a:solidFill>
-                <a:effectLst/>
-                <a:latin typeface="+mn-lt"/>
-                <a:ea typeface="+mn-ea"/>
-                <a:cs typeface="+mn-cs"/>
-              </a:rPr>
-              <a:t>，后来呢，应该就是用了那么几行</a:t>
-            </a:r>
-            <a:endParaRPr lang="en-US" altLang="zh-CN" sz="1200" b="1" i="0" kern="1200" dirty="0" smtClean="0">
-              <a:solidFill>
-                <a:schemeClr val="tx1"/>
-              </a:solidFill>
-              <a:effectLst/>
-              <a:latin typeface="+mn-lt"/>
-              <a:ea typeface="+mn-ea"/>
-              <a:cs typeface="+mn-cs"/>
-            </a:endParaRPr>
-          </a:p>
-          <a:p>
-            <a:r>
-              <a:rPr lang="zh-CN" altLang="en-US" sz="1200" b="1" i="0" kern="1200" dirty="0" smtClean="0">
-                <a:solidFill>
-                  <a:schemeClr val="tx1"/>
-                </a:solidFill>
-                <a:effectLst/>
-                <a:latin typeface="+mn-lt"/>
-                <a:ea typeface="+mn-ea"/>
-                <a:cs typeface="+mn-cs"/>
-              </a:rPr>
-              <a:t>无论如何呢，</a:t>
-            </a:r>
-            <a:r>
-              <a:rPr lang="en-US" altLang="zh-CN" sz="1200" b="1" i="0" kern="1200" dirty="0" smtClean="0">
-                <a:solidFill>
-                  <a:schemeClr val="tx1"/>
-                </a:solidFill>
-                <a:effectLst/>
-                <a:latin typeface="+mn-lt"/>
-                <a:ea typeface="+mn-ea"/>
-                <a:cs typeface="+mn-cs"/>
-              </a:rPr>
-              <a:t>java</a:t>
-            </a:r>
-            <a:r>
-              <a:rPr lang="zh-CN" altLang="en-US" sz="1200" b="1" i="0" kern="1200" dirty="0" smtClean="0">
-                <a:solidFill>
-                  <a:schemeClr val="tx1"/>
-                </a:solidFill>
-                <a:effectLst/>
-                <a:latin typeface="+mn-lt"/>
-                <a:ea typeface="+mn-ea"/>
-                <a:cs typeface="+mn-cs"/>
-              </a:rPr>
-              <a:t>在</a:t>
-            </a:r>
-            <a:r>
-              <a:rPr lang="en-US" altLang="zh-CN" sz="1200" b="1" i="0" kern="1200" dirty="0" smtClean="0">
-                <a:solidFill>
-                  <a:schemeClr val="tx1"/>
-                </a:solidFill>
-                <a:effectLst/>
-                <a:latin typeface="+mn-lt"/>
-                <a:ea typeface="+mn-ea"/>
-                <a:cs typeface="+mn-cs"/>
-              </a:rPr>
-              <a:t>sun</a:t>
-            </a:r>
-            <a:r>
-              <a:rPr lang="zh-CN" altLang="en-US" sz="1200" b="1" i="0" kern="1200" dirty="0" smtClean="0">
-                <a:solidFill>
-                  <a:schemeClr val="tx1"/>
-                </a:solidFill>
-                <a:effectLst/>
-                <a:latin typeface="+mn-lt"/>
-                <a:ea typeface="+mn-ea"/>
-                <a:cs typeface="+mn-cs"/>
-              </a:rPr>
-              <a:t>公司发展的还是不错的</a:t>
-            </a:r>
-            <a:endParaRPr lang="en-US" altLang="zh-CN" sz="1200" b="1" i="0" kern="1200" dirty="0" smtClean="0">
-              <a:solidFill>
-                <a:schemeClr val="tx1"/>
-              </a:solidFill>
-              <a:effectLst/>
-              <a:latin typeface="+mn-lt"/>
-              <a:ea typeface="+mn-ea"/>
-              <a:cs typeface="+mn-cs"/>
-            </a:endParaRPr>
-          </a:p>
         </p:txBody>
       </p:sp>
       <p:sp>
@@ -5966,7 +1230,7 @@
           <a:p>
             <a:fld id="{38A8ACF5-C29D-4199-AE4F-AD7991FDFB26}" type="slidenum">
               <a:rPr lang="zh-CN" altLang="en-US" smtClean="0"/>
-              <a:t>7</a:t>
+              <a:t>8</a:t>
             </a:fld>
             <a:endParaRPr lang="zh-CN" altLang="en-US"/>
           </a:p>
@@ -5975,7 +1239,7 @@
     </p:spTree>
     <p:extLst>
       <p:ext uri="{BB962C8B-B14F-4D97-AF65-F5344CB8AC3E}">
-        <p14:creationId xmlns:p14="http://schemas.microsoft.com/office/powerpoint/2010/main" val="3568326101"/>
+        <p14:creationId xmlns:p14="http://schemas.microsoft.com/office/powerpoint/2010/main" val="411613214"/>
       </p:ext>
     </p:extLst>
   </p:cSld>
@@ -6029,119 +1293,15 @@
           <a:bodyPr/>
           <a:lstStyle/>
           <a:p>
-            <a:r>
-              <a:rPr lang="zh-CN" altLang="en-US" dirty="0" smtClean="0"/>
-              <a:t>发展到今天那，</a:t>
-            </a:r>
-            <a:r>
-              <a:rPr lang="en-US" altLang="zh-CN" dirty="0" smtClean="0"/>
-              <a:t>java</a:t>
-            </a:r>
-            <a:r>
-              <a:rPr lang="zh-CN" altLang="en-US" dirty="0" smtClean="0"/>
-              <a:t>已经出了</a:t>
-            </a:r>
-            <a:r>
-              <a:rPr lang="en-US" altLang="zh-CN" dirty="0" smtClean="0"/>
-              <a:t>9</a:t>
-            </a:r>
-            <a:r>
-              <a:rPr lang="zh-CN" altLang="en-US" dirty="0" smtClean="0"/>
-              <a:t>个版本了，每一个版本</a:t>
-            </a:r>
-            <a:r>
-              <a:rPr lang="en-US" altLang="zh-CN" dirty="0" smtClean="0"/>
-              <a:t>java</a:t>
-            </a:r>
-            <a:r>
-              <a:rPr lang="zh-CN" altLang="en-US" dirty="0" smtClean="0"/>
-              <a:t>这门语言都会加入新的方便的特性和功能，就好像我们的汉语每年都会出现流行的网络词汇一样，比方说</a:t>
-            </a:r>
-            <a:r>
-              <a:rPr lang="zh-CN" altLang="en-US" sz="1200" b="0" i="0" kern="1200" dirty="0" smtClean="0">
-                <a:solidFill>
-                  <a:schemeClr val="tx1"/>
-                </a:solidFill>
-                <a:effectLst/>
-                <a:latin typeface="+mn-lt"/>
-                <a:ea typeface="+mn-ea"/>
-                <a:cs typeface="+mn-cs"/>
-              </a:rPr>
-              <a:t>香菇、蓝瘦、老司机之类的，</a:t>
-            </a:r>
-            <a:r>
-              <a:rPr lang="en-US" altLang="zh-CN" sz="1200" b="0" i="0" kern="1200" dirty="0" smtClean="0">
-                <a:solidFill>
-                  <a:schemeClr val="tx1"/>
-                </a:solidFill>
-                <a:effectLst/>
-                <a:latin typeface="+mn-lt"/>
-                <a:ea typeface="+mn-ea"/>
-                <a:cs typeface="+mn-cs"/>
-              </a:rPr>
-              <a:t>java</a:t>
-            </a:r>
-            <a:r>
-              <a:rPr lang="zh-CN" altLang="en-US" sz="1200" b="0" i="0" kern="1200" dirty="0" smtClean="0">
-                <a:solidFill>
-                  <a:schemeClr val="tx1"/>
-                </a:solidFill>
-                <a:effectLst/>
-                <a:latin typeface="+mn-lt"/>
-                <a:ea typeface="+mn-ea"/>
-                <a:cs typeface="+mn-cs"/>
-              </a:rPr>
-              <a:t>每个版本加入的东西就更多了，大家可能会想，诶那我要学习那个版本呀？我会不会刚学完又出一个新的版本呀，跟不上时代的步伐呀？大家不用担心，</a:t>
-            </a:r>
-            <a:r>
-              <a:rPr lang="en-US" altLang="zh-CN" sz="1200" b="0" i="0" kern="1200" dirty="0" smtClean="0">
-                <a:solidFill>
-                  <a:schemeClr val="tx1"/>
-                </a:solidFill>
-                <a:effectLst/>
-                <a:latin typeface="+mn-lt"/>
-                <a:ea typeface="+mn-ea"/>
-                <a:cs typeface="+mn-cs"/>
-              </a:rPr>
-              <a:t>java</a:t>
-            </a:r>
-            <a:r>
-              <a:rPr lang="zh-CN" altLang="en-US" sz="1200" b="0" i="0" kern="1200" dirty="0" smtClean="0">
-                <a:solidFill>
-                  <a:schemeClr val="tx1"/>
-                </a:solidFill>
-                <a:effectLst/>
-                <a:latin typeface="+mn-lt"/>
-                <a:ea typeface="+mn-ea"/>
-                <a:cs typeface="+mn-cs"/>
-              </a:rPr>
-              <a:t>的核心思想是不变的，我们只要掌握了思想，其他的一切都是水到渠成的，即使又加入了新的特性，我们也将能够很快的学习上手，所以完全不必担心，我们所讲的内容那，将基于最常用的</a:t>
-            </a:r>
-            <a:r>
-              <a:rPr lang="en-US" altLang="zh-CN" sz="1200" b="0" i="0" kern="1200" dirty="0" smtClean="0">
-                <a:solidFill>
-                  <a:schemeClr val="tx1"/>
-                </a:solidFill>
-                <a:effectLst/>
-                <a:latin typeface="+mn-lt"/>
-                <a:ea typeface="+mn-ea"/>
-                <a:cs typeface="+mn-cs"/>
-              </a:rPr>
-              <a:t>java</a:t>
-            </a:r>
-            <a:r>
-              <a:rPr lang="zh-CN" altLang="en-US" sz="1200" b="0" i="0" kern="1200" dirty="0" smtClean="0">
-                <a:solidFill>
-                  <a:schemeClr val="tx1"/>
-                </a:solidFill>
-                <a:effectLst/>
-                <a:latin typeface="+mn-lt"/>
-                <a:ea typeface="+mn-ea"/>
-                <a:cs typeface="+mn-cs"/>
-              </a:rPr>
-              <a:t>语法规则和思想。</a:t>
-            </a:r>
-            <a:endParaRPr lang="zh-CN" altLang="en-US" dirty="0"/>
+            <a:endParaRPr lang="en-US" altLang="zh-CN" sz="1200" b="1" i="0" kern="1200" dirty="0" smtClean="0">
+              <a:solidFill>
+                <a:schemeClr val="tx1"/>
+              </a:solidFill>
+              <a:effectLst/>
+              <a:latin typeface="+mn-lt"/>
+              <a:ea typeface="+mn-ea"/>
+              <a:cs typeface="+mn-cs"/>
+            </a:endParaRPr>
           </a:p>
         </p:txBody>
       </p:sp>
@@ -6162,7 +1322,7 @@
           <a:p>
             <a:fld id="{38A8ACF5-C29D-4199-AE4F-AD7991FDFB26}" type="slidenum">
               <a:rPr lang="zh-CN" altLang="en-US" smtClean="0"/>
-              <a:t>8</a:t>
+              <a:t>9</a:t>
             </a:fld>
             <a:endParaRPr lang="zh-CN" altLang="en-US"/>
           </a:p>
@@ -6171,7 +1331,7 @@
     </p:spTree>
     <p:extLst>
       <p:ext uri="{BB962C8B-B14F-4D97-AF65-F5344CB8AC3E}">
-        <p14:creationId xmlns:p14="http://schemas.microsoft.com/office/powerpoint/2010/main" val="1581168050"/>
+        <p14:creationId xmlns:p14="http://schemas.microsoft.com/office/powerpoint/2010/main" val="3568326101"/>
       </p:ext>
     </p:extLst>
   </p:cSld>
@@ -6225,845 +1385,7 @@
           <a:bodyPr/>
           <a:lstStyle/>
           <a:p>
-            <a:r>
-              <a:rPr lang="en-US" altLang="zh-CN" sz="1200" b="0" i="0" kern="1200" dirty="0" smtClean="0">
-                <a:solidFill>
-                  <a:schemeClr val="tx1"/>
-                </a:solidFill>
-                <a:effectLst/>
-                <a:latin typeface="+mn-lt"/>
-                <a:ea typeface="+mn-ea"/>
-                <a:cs typeface="+mn-cs"/>
-              </a:rPr>
-              <a:t>TIOBE</a:t>
-            </a:r>
-            <a:r>
-              <a:rPr lang="zh-CN" altLang="en-US" sz="1200" b="0" i="0" kern="1200" dirty="0" smtClean="0">
-                <a:solidFill>
-                  <a:schemeClr val="tx1"/>
-                </a:solidFill>
-                <a:effectLst/>
-                <a:latin typeface="+mn-lt"/>
-                <a:ea typeface="+mn-ea"/>
-                <a:cs typeface="+mn-cs"/>
-              </a:rPr>
-              <a:t>排行榜是根据互联网上有经验的程序员、课程和第三方厂商的数量，并使用搜索引擎（如</a:t>
-            </a:r>
-            <a:r>
-              <a:rPr lang="en-US" altLang="zh-CN" sz="1200" b="0" i="0" kern="1200" dirty="0" smtClean="0">
-                <a:solidFill>
-                  <a:schemeClr val="tx1"/>
-                </a:solidFill>
-                <a:effectLst/>
-                <a:latin typeface="+mn-lt"/>
-                <a:ea typeface="+mn-ea"/>
-                <a:cs typeface="+mn-cs"/>
-              </a:rPr>
-              <a:t>Google</a:t>
-            </a:r>
-            <a:r>
-              <a:rPr lang="zh-CN" altLang="en-US" sz="1200" b="0" i="0" kern="1200" dirty="0" smtClean="0">
-                <a:solidFill>
-                  <a:schemeClr val="tx1"/>
-                </a:solidFill>
-                <a:effectLst/>
-                <a:latin typeface="+mn-lt"/>
-                <a:ea typeface="+mn-ea"/>
-                <a:cs typeface="+mn-cs"/>
-              </a:rPr>
-              <a:t>、</a:t>
-            </a:r>
-            <a:r>
-              <a:rPr lang="en-US" altLang="zh-CN" sz="1200" b="0" i="0" kern="1200" dirty="0" smtClean="0">
-                <a:solidFill>
-                  <a:schemeClr val="tx1"/>
-                </a:solidFill>
-                <a:effectLst/>
-                <a:latin typeface="+mn-lt"/>
-                <a:ea typeface="+mn-ea"/>
-                <a:cs typeface="+mn-cs"/>
-              </a:rPr>
-              <a:t>Bing</a:t>
-            </a:r>
-            <a:r>
-              <a:rPr lang="zh-CN" altLang="en-US" sz="1200" b="0" i="0" kern="1200" dirty="0" smtClean="0">
-                <a:solidFill>
-                  <a:schemeClr val="tx1"/>
-                </a:solidFill>
-                <a:effectLst/>
-                <a:latin typeface="+mn-lt"/>
-                <a:ea typeface="+mn-ea"/>
-                <a:cs typeface="+mn-cs"/>
-              </a:rPr>
-              <a:t>、</a:t>
-            </a:r>
-            <a:r>
-              <a:rPr lang="en-US" altLang="zh-CN" sz="1200" b="0" i="0" kern="1200" dirty="0" smtClean="0">
-                <a:solidFill>
-                  <a:schemeClr val="tx1"/>
-                </a:solidFill>
-                <a:effectLst/>
-                <a:latin typeface="+mn-lt"/>
-                <a:ea typeface="+mn-ea"/>
-                <a:cs typeface="+mn-cs"/>
-              </a:rPr>
-              <a:t>Yahoo!</a:t>
-            </a:r>
-            <a:r>
-              <a:rPr lang="zh-CN" altLang="en-US" sz="1200" b="0" i="0" kern="1200" dirty="0" smtClean="0">
-                <a:solidFill>
-                  <a:schemeClr val="tx1"/>
-                </a:solidFill>
-                <a:effectLst/>
-                <a:latin typeface="+mn-lt"/>
-                <a:ea typeface="+mn-ea"/>
-                <a:cs typeface="+mn-cs"/>
-              </a:rPr>
-              <a:t>）以及</a:t>
-            </a:r>
-            <a:r>
-              <a:rPr lang="en-US" altLang="zh-CN" sz="1200" b="0" i="0" kern="1200" dirty="0" smtClean="0">
-                <a:solidFill>
-                  <a:schemeClr val="tx1"/>
-                </a:solidFill>
-                <a:effectLst/>
-                <a:latin typeface="+mn-lt"/>
-                <a:ea typeface="+mn-ea"/>
-                <a:cs typeface="+mn-cs"/>
-              </a:rPr>
-              <a:t>Wikipedia</a:t>
-            </a:r>
-            <a:r>
-              <a:rPr lang="zh-CN" altLang="en-US" sz="1200" b="0" i="0" kern="1200" dirty="0" smtClean="0">
-                <a:solidFill>
-                  <a:schemeClr val="tx1"/>
-                </a:solidFill>
-                <a:effectLst/>
-                <a:latin typeface="+mn-lt"/>
-                <a:ea typeface="+mn-ea"/>
-                <a:cs typeface="+mn-cs"/>
-              </a:rPr>
-              <a:t>、</a:t>
-            </a:r>
-            <a:r>
-              <a:rPr lang="en-US" altLang="zh-CN" sz="1200" b="0" i="0" kern="1200" dirty="0" smtClean="0">
-                <a:solidFill>
-                  <a:schemeClr val="tx1"/>
-                </a:solidFill>
-                <a:effectLst/>
-                <a:latin typeface="+mn-lt"/>
-                <a:ea typeface="+mn-ea"/>
-                <a:cs typeface="+mn-cs"/>
-              </a:rPr>
-              <a:t>Amazon</a:t>
-            </a:r>
-            <a:r>
-              <a:rPr lang="zh-CN" altLang="en-US" sz="1200" b="0" i="0" kern="1200" dirty="0" smtClean="0">
-                <a:solidFill>
-                  <a:schemeClr val="tx1"/>
-                </a:solidFill>
-                <a:effectLst/>
-                <a:latin typeface="+mn-lt"/>
-                <a:ea typeface="+mn-ea"/>
-                <a:cs typeface="+mn-cs"/>
-              </a:rPr>
-              <a:t>、</a:t>
-            </a:r>
-            <a:r>
-              <a:rPr lang="en-US" altLang="zh-CN" sz="1200" b="0" i="0" kern="1200" dirty="0" smtClean="0">
-                <a:solidFill>
-                  <a:schemeClr val="tx1"/>
-                </a:solidFill>
-                <a:effectLst/>
-                <a:latin typeface="+mn-lt"/>
-                <a:ea typeface="+mn-ea"/>
-                <a:cs typeface="+mn-cs"/>
-              </a:rPr>
-              <a:t>YouTube</a:t>
-            </a:r>
-            <a:r>
-              <a:rPr lang="zh-CN" altLang="en-US" sz="1200" b="0" i="0" kern="1200" dirty="0" smtClean="0">
-                <a:solidFill>
-                  <a:schemeClr val="tx1"/>
-                </a:solidFill>
-                <a:effectLst/>
-                <a:latin typeface="+mn-lt"/>
-                <a:ea typeface="+mn-ea"/>
-                <a:cs typeface="+mn-cs"/>
-              </a:rPr>
-              <a:t>统计出排名数据，只是反映某个编程语言的热门程度，并不能说明一门编程语言好不好，或者一门语言所编写的代码数量多少。</a:t>
-            </a:r>
-            <a:endParaRPr lang="en-US" altLang="zh-CN" sz="1200" b="0" i="0" kern="1200" dirty="0" smtClean="0">
-              <a:solidFill>
-                <a:schemeClr val="tx1"/>
-              </a:solidFill>
-              <a:effectLst/>
-              <a:latin typeface="+mn-lt"/>
-              <a:ea typeface="+mn-ea"/>
-              <a:cs typeface="+mn-cs"/>
-            </a:endParaRPr>
-          </a:p>
-          <a:p>
-            <a:endParaRPr lang="en-US" altLang="zh-CN" dirty="0" smtClean="0"/>
-          </a:p>
-          <a:p>
-            <a:r>
-              <a:rPr lang="zh-CN" altLang="en-US" dirty="0" smtClean="0"/>
-              <a:t>一门非常火的语言，和两门后起之秀，挺有意思的语言</a:t>
-            </a:r>
-            <a:endParaRPr lang="en-US" altLang="zh-CN" dirty="0" smtClean="0"/>
-          </a:p>
-          <a:p>
-            <a:r>
-              <a:rPr lang="zh-CN" altLang="en-US" dirty="0" smtClean="0"/>
-              <a:t>人工智能火，</a:t>
-            </a:r>
-            <a:r>
-              <a:rPr lang="en-US" altLang="zh-CN" dirty="0" smtClean="0"/>
-              <a:t>python</a:t>
-            </a:r>
-            <a:r>
-              <a:rPr lang="zh-CN" altLang="en-US" dirty="0" smtClean="0"/>
-              <a:t>火</a:t>
-            </a:r>
-            <a:endParaRPr lang="en-US" altLang="zh-CN" dirty="0" smtClean="0"/>
-          </a:p>
-          <a:p>
-            <a:r>
-              <a:rPr lang="en-US" altLang="zh-CN" dirty="0" smtClean="0"/>
-              <a:t>Python</a:t>
-            </a:r>
-            <a:r>
-              <a:rPr lang="zh-CN" altLang="en-US" dirty="0" smtClean="0"/>
-              <a:t>语法简单，编写简单，</a:t>
-            </a:r>
-            <a:r>
-              <a:rPr lang="en-US" altLang="zh-CN" dirty="0" smtClean="0"/>
-              <a:t>c1000</a:t>
-            </a:r>
-            <a:r>
-              <a:rPr lang="zh-CN" altLang="en-US" dirty="0" smtClean="0"/>
-              <a:t>行，</a:t>
-            </a:r>
-            <a:r>
-              <a:rPr lang="en-US" altLang="zh-CN" dirty="0" smtClean="0"/>
-              <a:t>java100</a:t>
-            </a:r>
-            <a:r>
-              <a:rPr lang="zh-CN" altLang="en-US" dirty="0" smtClean="0"/>
-              <a:t>行，</a:t>
-            </a:r>
-            <a:r>
-              <a:rPr lang="en-US" altLang="zh-CN" dirty="0" smtClean="0"/>
-              <a:t>python10</a:t>
-            </a:r>
-            <a:r>
-              <a:rPr lang="zh-CN" altLang="en-US" dirty="0" smtClean="0"/>
-              <a:t>行</a:t>
-            </a:r>
-            <a:endParaRPr lang="en-US" altLang="zh-CN" dirty="0" smtClean="0"/>
-          </a:p>
-          <a:p>
-            <a:r>
-              <a:rPr lang="zh-CN" altLang="en-US" dirty="0" smtClean="0"/>
-              <a:t>运行速度快，科学计算友好，非常强、多的类库，比方说你要用</a:t>
-            </a:r>
-            <a:r>
-              <a:rPr lang="en-US" altLang="zh-CN" dirty="0" smtClean="0"/>
-              <a:t>python</a:t>
-            </a:r>
-            <a:r>
-              <a:rPr lang="zh-CN" altLang="en-US" dirty="0" smtClean="0"/>
-              <a:t>造一台法拉利跑车，轮子啊、发动机啊、方向盘啊都有了，你就组装就行了，编程俗语：不要造轮子</a:t>
-            </a:r>
-            <a:endParaRPr lang="en-US" altLang="zh-CN" dirty="0" smtClean="0"/>
-          </a:p>
-          <a:p>
-            <a:r>
-              <a:rPr lang="zh-CN" altLang="en-US" dirty="0" smtClean="0"/>
-              <a:t>当会计啊，其实学学都挺好，写一小段脚本程序，可以将你从繁复的机械工作中解脱出来</a:t>
-            </a:r>
-            <a:endParaRPr lang="en-US" altLang="zh-CN" dirty="0" smtClean="0"/>
-          </a:p>
-          <a:p>
-            <a:endParaRPr lang="en-US" altLang="zh-CN" dirty="0" smtClean="0"/>
-          </a:p>
-          <a:p>
-            <a:r>
-              <a:rPr lang="en-US" altLang="zh-CN" dirty="0" smtClean="0"/>
-              <a:t>swift</a:t>
-            </a:r>
-            <a:r>
-              <a:rPr lang="zh-CN" altLang="en-US" dirty="0" smtClean="0"/>
-              <a:t>做</a:t>
-            </a:r>
-            <a:r>
-              <a:rPr lang="en-US" altLang="zh-CN" dirty="0" err="1" smtClean="0"/>
-              <a:t>ios</a:t>
-            </a:r>
-            <a:r>
-              <a:rPr lang="zh-CN" altLang="en-US" dirty="0" smtClean="0"/>
-              <a:t>编程滴新语言，之前是用</a:t>
-            </a:r>
-            <a:r>
-              <a:rPr lang="en-US" altLang="zh-CN" dirty="0" smtClean="0"/>
-              <a:t>objective-c</a:t>
-            </a:r>
-            <a:r>
-              <a:rPr lang="zh-CN" altLang="en-US" dirty="0" smtClean="0"/>
-              <a:t>这门很古老的语言</a:t>
-            </a:r>
-            <a:endParaRPr lang="en-US" altLang="zh-CN" dirty="0" smtClean="0"/>
-          </a:p>
-          <a:p>
-            <a:endParaRPr lang="en-US" altLang="zh-CN" dirty="0" smtClean="0"/>
-          </a:p>
-          <a:p>
-            <a:r>
-              <a:rPr lang="en-US" altLang="zh-CN" dirty="0" err="1" smtClean="0"/>
-              <a:t>Kotlin</a:t>
-            </a:r>
-            <a:r>
-              <a:rPr lang="zh-CN" altLang="en-US" dirty="0" smtClean="0"/>
-              <a:t>做</a:t>
-            </a:r>
-            <a:r>
-              <a:rPr lang="en-US" altLang="zh-CN" dirty="0" smtClean="0"/>
-              <a:t>android</a:t>
-            </a:r>
-            <a:r>
-              <a:rPr lang="zh-CN" altLang="en-US" dirty="0" smtClean="0"/>
-              <a:t>编程滴新语言，</a:t>
-            </a:r>
-            <a:r>
-              <a:rPr lang="en-US" altLang="zh-CN" dirty="0" smtClean="0"/>
-              <a:t>java</a:t>
-            </a:r>
-            <a:r>
-              <a:rPr lang="zh-CN" altLang="en-US" dirty="0" smtClean="0"/>
-              <a:t>混合完全兼容，具有</a:t>
-            </a:r>
-            <a:r>
-              <a:rPr lang="en-US" altLang="zh-CN" dirty="0" smtClean="0"/>
-              <a:t>python</a:t>
-            </a:r>
-            <a:r>
-              <a:rPr lang="zh-CN" altLang="en-US" dirty="0" smtClean="0"/>
-              <a:t>那样滴简单性</a:t>
-            </a:r>
-            <a:endParaRPr lang="en-US" altLang="zh-CN" dirty="0" smtClean="0"/>
-          </a:p>
-          <a:p>
-            <a:endParaRPr lang="en-US" altLang="zh-CN" dirty="0" smtClean="0"/>
-          </a:p>
-          <a:p>
-            <a:r>
-              <a:rPr lang="en-US" altLang="zh-CN" dirty="0" smtClean="0"/>
-              <a:t>C++</a:t>
-            </a:r>
-            <a:r>
-              <a:rPr lang="zh-CN" altLang="en-US" dirty="0" smtClean="0"/>
-              <a:t>操作系统、多媒体、游戏开发</a:t>
-            </a:r>
-            <a:endParaRPr lang="en-US" altLang="zh-CN" dirty="0" smtClean="0"/>
-          </a:p>
-          <a:p>
-            <a:r>
-              <a:rPr lang="en-US" altLang="zh-CN" dirty="0" smtClean="0"/>
-              <a:t>C#</a:t>
-            </a:r>
-            <a:r>
-              <a:rPr lang="zh-CN" altLang="en-US" dirty="0" smtClean="0"/>
-              <a:t>服务器开发、游戏开发 </a:t>
-            </a:r>
-            <a:r>
-              <a:rPr lang="en-US" altLang="zh-CN" sz="1200" b="0" i="0" kern="1200" dirty="0" smtClean="0">
-                <a:solidFill>
-                  <a:schemeClr val="tx1"/>
-                </a:solidFill>
-                <a:effectLst/>
-                <a:latin typeface="+mn-lt"/>
-                <a:ea typeface="+mn-ea"/>
-                <a:cs typeface="+mn-cs"/>
-              </a:rPr>
-              <a:t>Unity3D</a:t>
-            </a:r>
-          </a:p>
-          <a:p>
-            <a:r>
-              <a:rPr lang="en-US" altLang="zh-CN" sz="1200" b="0" i="0" kern="1200" dirty="0" err="1" smtClean="0">
-                <a:solidFill>
-                  <a:schemeClr val="tx1"/>
-                </a:solidFill>
-                <a:effectLst/>
-                <a:latin typeface="+mn-lt"/>
-                <a:ea typeface="+mn-ea"/>
-                <a:cs typeface="+mn-cs"/>
-              </a:rPr>
-              <a:t>Php</a:t>
-            </a:r>
-            <a:r>
-              <a:rPr lang="zh-CN" altLang="en-US" sz="1200" b="0" i="0" kern="1200" dirty="0" smtClean="0">
-                <a:solidFill>
-                  <a:schemeClr val="tx1"/>
-                </a:solidFill>
-                <a:effectLst/>
-                <a:latin typeface="+mn-lt"/>
-                <a:ea typeface="+mn-ea"/>
-                <a:cs typeface="+mn-cs"/>
-              </a:rPr>
-              <a:t>快速建站，服务器开发</a:t>
-            </a:r>
-            <a:endParaRPr lang="en-US" altLang="zh-CN" sz="1200" b="0" i="0" kern="1200" dirty="0" smtClean="0">
-              <a:solidFill>
-                <a:schemeClr val="tx1"/>
-              </a:solidFill>
-              <a:effectLst/>
-              <a:latin typeface="+mn-lt"/>
-              <a:ea typeface="+mn-ea"/>
-              <a:cs typeface="+mn-cs"/>
-            </a:endParaRPr>
-          </a:p>
-          <a:p>
-            <a:r>
-              <a:rPr lang="en-US" altLang="zh-CN" sz="1200" b="0" i="0" kern="1200" dirty="0" smtClean="0">
-                <a:solidFill>
-                  <a:schemeClr val="tx1"/>
-                </a:solidFill>
-                <a:effectLst/>
-                <a:latin typeface="+mn-lt"/>
-                <a:ea typeface="+mn-ea"/>
-                <a:cs typeface="+mn-cs"/>
-              </a:rPr>
-              <a:t>JavaScript</a:t>
-            </a:r>
-            <a:r>
-              <a:rPr lang="zh-CN" altLang="en-US" sz="1200" b="0" i="0" kern="1200" dirty="0" smtClean="0">
-                <a:solidFill>
-                  <a:schemeClr val="tx1"/>
-                </a:solidFill>
-                <a:effectLst/>
-                <a:latin typeface="+mn-lt"/>
-                <a:ea typeface="+mn-ea"/>
-                <a:cs typeface="+mn-cs"/>
-              </a:rPr>
-              <a:t>前端开发</a:t>
-            </a:r>
-            <a:endParaRPr lang="en-US" altLang="zh-CN" sz="1200" b="0" i="0" kern="1200" dirty="0" smtClean="0">
-              <a:solidFill>
-                <a:schemeClr val="tx1"/>
-              </a:solidFill>
-              <a:effectLst/>
-              <a:latin typeface="+mn-lt"/>
-              <a:ea typeface="+mn-ea"/>
-              <a:cs typeface="+mn-cs"/>
-            </a:endParaRPr>
-          </a:p>
-          <a:p>
-            <a:r>
-              <a:rPr lang="en-US" altLang="zh-CN" sz="1200" b="0" i="0" kern="1200" dirty="0" smtClean="0">
-                <a:solidFill>
-                  <a:schemeClr val="tx1"/>
-                </a:solidFill>
-                <a:effectLst/>
-                <a:latin typeface="+mn-lt"/>
-                <a:ea typeface="+mn-ea"/>
-                <a:cs typeface="+mn-cs"/>
-              </a:rPr>
-              <a:t>SQL</a:t>
-            </a:r>
-            <a:r>
-              <a:rPr lang="zh-CN" altLang="en-US" sz="1200" b="0" i="0" kern="1200" dirty="0" smtClean="0">
-                <a:solidFill>
-                  <a:schemeClr val="tx1"/>
-                </a:solidFill>
-                <a:effectLst/>
-                <a:latin typeface="+mn-lt"/>
-                <a:ea typeface="+mn-ea"/>
-                <a:cs typeface="+mn-cs"/>
-              </a:rPr>
-              <a:t>数据库</a:t>
-            </a:r>
-            <a:endParaRPr lang="en-US" altLang="zh-CN" sz="1200" b="0" i="0" kern="1200" dirty="0" smtClean="0">
-              <a:solidFill>
-                <a:schemeClr val="tx1"/>
-              </a:solidFill>
-              <a:effectLst/>
-              <a:latin typeface="+mn-lt"/>
-              <a:ea typeface="+mn-ea"/>
-              <a:cs typeface="+mn-cs"/>
-            </a:endParaRPr>
-          </a:p>
-          <a:p>
-            <a:r>
-              <a:rPr lang="en-US" altLang="zh-CN" sz="1200" b="0" i="0" kern="1200" dirty="0" smtClean="0">
-                <a:solidFill>
-                  <a:schemeClr val="tx1"/>
-                </a:solidFill>
-                <a:effectLst/>
-                <a:latin typeface="+mn-lt"/>
-                <a:ea typeface="+mn-ea"/>
-                <a:cs typeface="+mn-cs"/>
-              </a:rPr>
-              <a:t>Go</a:t>
-            </a:r>
-            <a:r>
-              <a:rPr lang="zh-CN" altLang="en-US" sz="1200" b="0" i="0" kern="1200" dirty="0" smtClean="0">
-                <a:solidFill>
-                  <a:schemeClr val="tx1"/>
-                </a:solidFill>
-                <a:effectLst/>
-                <a:latin typeface="+mn-lt"/>
-                <a:ea typeface="+mn-ea"/>
-                <a:cs typeface="+mn-cs"/>
-              </a:rPr>
-              <a:t>，</a:t>
-            </a:r>
-            <a:r>
-              <a:rPr lang="en-US" altLang="zh-CN" sz="1200" b="0" i="0" kern="1200" dirty="0" smtClean="0">
-                <a:solidFill>
-                  <a:schemeClr val="tx1"/>
-                </a:solidFill>
-                <a:effectLst/>
-                <a:latin typeface="+mn-lt"/>
-                <a:ea typeface="+mn-ea"/>
-                <a:cs typeface="+mn-cs"/>
-              </a:rPr>
-              <a:t>Google</a:t>
-            </a:r>
-            <a:r>
-              <a:rPr lang="zh-CN" altLang="en-US" sz="1200" b="0" i="0" kern="1200" dirty="0" smtClean="0">
-                <a:solidFill>
-                  <a:schemeClr val="tx1"/>
-                </a:solidFill>
-                <a:effectLst/>
-                <a:latin typeface="+mn-lt"/>
-                <a:ea typeface="+mn-ea"/>
-                <a:cs typeface="+mn-cs"/>
-              </a:rPr>
-              <a:t>出品，现在区块链比特币，搞这个语言最好啦</a:t>
-            </a:r>
-            <a:endParaRPr lang="en-US" altLang="zh-CN" sz="1200" b="0" i="0" kern="1200" dirty="0" smtClean="0">
-              <a:solidFill>
-                <a:schemeClr val="tx1"/>
-              </a:solidFill>
-              <a:effectLst/>
-              <a:latin typeface="+mn-lt"/>
-              <a:ea typeface="+mn-ea"/>
-              <a:cs typeface="+mn-cs"/>
-            </a:endParaRPr>
-          </a:p>
-          <a:p>
-            <a:r>
-              <a:rPr lang="en-US" altLang="zh-CN" sz="1200" b="0" i="0" kern="1200" dirty="0" err="1" smtClean="0">
-                <a:solidFill>
-                  <a:schemeClr val="tx1"/>
-                </a:solidFill>
-                <a:effectLst/>
-                <a:latin typeface="+mn-lt"/>
-                <a:ea typeface="+mn-ea"/>
-                <a:cs typeface="+mn-cs"/>
-              </a:rPr>
-              <a:t>Matlab</a:t>
-            </a:r>
-            <a:r>
-              <a:rPr lang="zh-CN" altLang="en-US" sz="1200" b="0" i="0" kern="1200" dirty="0" smtClean="0">
-                <a:solidFill>
-                  <a:schemeClr val="tx1"/>
-                </a:solidFill>
-                <a:effectLst/>
-                <a:latin typeface="+mn-lt"/>
-                <a:ea typeface="+mn-ea"/>
-                <a:cs typeface="+mn-cs"/>
-              </a:rPr>
-              <a:t>科学计算，搞硬件的也经常用来模拟仿真些</a:t>
-            </a:r>
-            <a:r>
-              <a:rPr lang="zh-CN" altLang="en-US" sz="1200" b="0" i="0" kern="1200" dirty="0" smtClean="0">
-                <a:solidFill>
-                  <a:schemeClr val="tx1"/>
-                </a:solidFill>
-                <a:effectLst/>
-                <a:latin typeface="+mn-lt"/>
-                <a:ea typeface="+mn-ea"/>
-                <a:cs typeface="+mn-cs"/>
-              </a:rPr>
-              <a:t>东西</a:t>
-            </a:r>
-            <a:endParaRPr lang="en-US" altLang="zh-CN" sz="1200" b="0" i="0" kern="1200" dirty="0" smtClean="0">
-              <a:solidFill>
-                <a:schemeClr val="tx1"/>
-              </a:solidFill>
-              <a:effectLst/>
-              <a:latin typeface="+mn-lt"/>
-              <a:ea typeface="+mn-ea"/>
-              <a:cs typeface="+mn-cs"/>
-            </a:endParaRPr>
-          </a:p>
-          <a:p>
-            <a:endParaRPr lang="en-US" altLang="zh-CN" sz="1200" b="0" i="0" kern="1200" dirty="0" smtClean="0">
-              <a:solidFill>
-                <a:schemeClr val="tx1"/>
-              </a:solidFill>
-              <a:effectLst/>
-              <a:latin typeface="+mn-lt"/>
-              <a:ea typeface="+mn-ea"/>
-              <a:cs typeface="+mn-cs"/>
-            </a:endParaRPr>
-          </a:p>
-          <a:p>
-            <a:r>
-              <a:rPr lang="zh-CN" altLang="en-US" sz="1200" b="0" i="0" kern="1200" dirty="0" smtClean="0">
-                <a:solidFill>
-                  <a:schemeClr val="tx1"/>
-                </a:solidFill>
-                <a:effectLst/>
-                <a:latin typeface="+mn-lt"/>
-                <a:ea typeface="+mn-ea"/>
-                <a:cs typeface="+mn-cs"/>
-              </a:rPr>
-              <a:t>终归</a:t>
-            </a:r>
-            <a:r>
-              <a:rPr lang="zh-CN" altLang="en-US" sz="1200" b="0" i="0" kern="1200" dirty="0" smtClean="0">
-                <a:solidFill>
-                  <a:schemeClr val="tx1"/>
-                </a:solidFill>
-                <a:effectLst/>
-                <a:latin typeface="+mn-lt"/>
-                <a:ea typeface="+mn-ea"/>
-                <a:cs typeface="+mn-cs"/>
-              </a:rPr>
-              <a:t>第一名是我们的</a:t>
-            </a:r>
-            <a:r>
-              <a:rPr lang="en-US" altLang="zh-CN" sz="1200" b="0" i="0" kern="1200" dirty="0" smtClean="0">
-                <a:solidFill>
-                  <a:schemeClr val="tx1"/>
-                </a:solidFill>
-                <a:effectLst/>
-                <a:latin typeface="+mn-lt"/>
-                <a:ea typeface="+mn-ea"/>
-                <a:cs typeface="+mn-cs"/>
-              </a:rPr>
-              <a:t>java</a:t>
-            </a:r>
-            <a:r>
-              <a:rPr lang="zh-CN" altLang="en-US" sz="1200" b="0" i="0" kern="1200" dirty="0" smtClean="0">
-                <a:solidFill>
-                  <a:schemeClr val="tx1"/>
-                </a:solidFill>
-                <a:effectLst/>
-                <a:latin typeface="+mn-lt"/>
-                <a:ea typeface="+mn-ea"/>
-                <a:cs typeface="+mn-cs"/>
-              </a:rPr>
-              <a:t>，这依赖于</a:t>
-            </a:r>
-            <a:r>
-              <a:rPr lang="en-US" altLang="zh-CN" sz="1200" b="0" i="0" kern="1200" dirty="0" smtClean="0">
-                <a:solidFill>
-                  <a:schemeClr val="tx1"/>
-                </a:solidFill>
-                <a:effectLst/>
-                <a:latin typeface="+mn-lt"/>
-                <a:ea typeface="+mn-ea"/>
-                <a:cs typeface="+mn-cs"/>
-              </a:rPr>
-              <a:t>Android</a:t>
-            </a:r>
-            <a:r>
-              <a:rPr lang="zh-CN" altLang="en-US" sz="1200" b="0" i="0" kern="1200" dirty="0" smtClean="0">
-                <a:solidFill>
-                  <a:schemeClr val="tx1"/>
-                </a:solidFill>
-                <a:effectLst/>
-                <a:latin typeface="+mn-lt"/>
-                <a:ea typeface="+mn-ea"/>
-                <a:cs typeface="+mn-cs"/>
-              </a:rPr>
-              <a:t>和服务器发展的好呀，</a:t>
-            </a:r>
-            <a:r>
-              <a:rPr lang="en-US" altLang="zh-CN" sz="1200" b="0" i="0" kern="1200" dirty="0" smtClean="0">
-                <a:solidFill>
-                  <a:schemeClr val="tx1"/>
-                </a:solidFill>
-                <a:effectLst/>
-                <a:latin typeface="+mn-lt"/>
-                <a:ea typeface="+mn-ea"/>
-                <a:cs typeface="+mn-cs"/>
-              </a:rPr>
-              <a:t>java</a:t>
-            </a:r>
-            <a:r>
-              <a:rPr lang="zh-CN" altLang="en-US" sz="1200" b="0" i="0" kern="1200" dirty="0" smtClean="0">
-                <a:solidFill>
-                  <a:schemeClr val="tx1"/>
-                </a:solidFill>
-                <a:effectLst/>
-                <a:latin typeface="+mn-lt"/>
-                <a:ea typeface="+mn-ea"/>
-                <a:cs typeface="+mn-cs"/>
-              </a:rPr>
-              <a:t>已经稳居第一很多年了，我在刚学</a:t>
-            </a:r>
-            <a:r>
-              <a:rPr lang="en-US" altLang="zh-CN" sz="1200" b="0" i="0" kern="1200" dirty="0" smtClean="0">
-                <a:solidFill>
-                  <a:schemeClr val="tx1"/>
-                </a:solidFill>
-                <a:effectLst/>
-                <a:latin typeface="+mn-lt"/>
-                <a:ea typeface="+mn-ea"/>
-                <a:cs typeface="+mn-cs"/>
-              </a:rPr>
-              <a:t>java</a:t>
-            </a:r>
-            <a:r>
-              <a:rPr lang="zh-CN" altLang="en-US" sz="1200" b="0" i="0" kern="1200" dirty="0" smtClean="0">
-                <a:solidFill>
-                  <a:schemeClr val="tx1"/>
-                </a:solidFill>
-                <a:effectLst/>
-                <a:latin typeface="+mn-lt"/>
-                <a:ea typeface="+mn-ea"/>
-                <a:cs typeface="+mn-cs"/>
-              </a:rPr>
-              <a:t>的时候，</a:t>
-            </a:r>
-            <a:r>
-              <a:rPr lang="en-US" altLang="zh-CN" sz="1200" b="0" i="0" kern="1200" dirty="0" smtClean="0">
-                <a:solidFill>
-                  <a:schemeClr val="tx1"/>
-                </a:solidFill>
-                <a:effectLst/>
-                <a:latin typeface="+mn-lt"/>
-                <a:ea typeface="+mn-ea"/>
-                <a:cs typeface="+mn-cs"/>
-              </a:rPr>
-              <a:t>C</a:t>
-            </a:r>
-            <a:r>
-              <a:rPr lang="zh-CN" altLang="en-US" sz="1200" b="0" i="0" kern="1200" dirty="0" smtClean="0">
-                <a:solidFill>
-                  <a:schemeClr val="tx1"/>
-                </a:solidFill>
-                <a:effectLst/>
-                <a:latin typeface="+mn-lt"/>
-                <a:ea typeface="+mn-ea"/>
-                <a:cs typeface="+mn-cs"/>
-              </a:rPr>
-              <a:t>还是第一呢，现在一直都是</a:t>
-            </a:r>
-            <a:r>
-              <a:rPr lang="en-US" altLang="zh-CN" sz="1200" b="0" i="0" kern="1200" dirty="0" smtClean="0">
-                <a:solidFill>
-                  <a:schemeClr val="tx1"/>
-                </a:solidFill>
-                <a:effectLst/>
-                <a:latin typeface="+mn-lt"/>
-                <a:ea typeface="+mn-ea"/>
-                <a:cs typeface="+mn-cs"/>
-              </a:rPr>
-              <a:t>java</a:t>
-            </a:r>
-            <a:r>
-              <a:rPr lang="zh-CN" altLang="en-US" sz="1200" b="0" i="0" kern="1200" dirty="0" smtClean="0">
-                <a:solidFill>
-                  <a:schemeClr val="tx1"/>
-                </a:solidFill>
-                <a:effectLst/>
-                <a:latin typeface="+mn-lt"/>
-                <a:ea typeface="+mn-ea"/>
-                <a:cs typeface="+mn-cs"/>
-              </a:rPr>
-              <a:t>了</a:t>
-            </a:r>
-            <a:endParaRPr lang="en-US" altLang="zh-CN" sz="1200" b="0" i="0" kern="1200" dirty="0" smtClean="0">
-              <a:solidFill>
-                <a:schemeClr val="tx1"/>
-              </a:solidFill>
-              <a:effectLst/>
-              <a:latin typeface="+mn-lt"/>
-              <a:ea typeface="+mn-ea"/>
-              <a:cs typeface="+mn-cs"/>
-            </a:endParaRPr>
-          </a:p>
-          <a:p>
-            <a:pPr marL="0" marR="0" indent="0" algn="l" defTabSz="914400" rtl="0" eaLnBrk="1" fontAlgn="auto" latinLnBrk="0" hangingPunct="1">
-              <a:lnSpc>
-                <a:spcPct val="100000"/>
-              </a:lnSpc>
-              <a:spcBef>
-                <a:spcPts val="0"/>
-              </a:spcBef>
-              <a:spcAft>
-                <a:spcPts val="0"/>
-              </a:spcAft>
-              <a:buClrTx/>
-              <a:buSzTx/>
-              <a:buFontTx/>
-              <a:buNone/>
-              <a:tabLst/>
-              <a:defRPr/>
-            </a:pPr>
-            <a:r>
-              <a:rPr lang="zh-CN" altLang="en-US" sz="1200" b="0" i="0" kern="1200" dirty="0" smtClean="0">
-                <a:solidFill>
-                  <a:schemeClr val="tx1"/>
-                </a:solidFill>
-                <a:effectLst/>
-                <a:latin typeface="+mn-lt"/>
-                <a:ea typeface="+mn-ea"/>
-                <a:cs typeface="+mn-cs"/>
-              </a:rPr>
-              <a:t>其实语言之间有很大的相似性，毕竟说到底这些语言都是要说给计算机听，语言的形式只是方便我们的编写，如果我们真的能够吃透</a:t>
-            </a:r>
-            <a:r>
-              <a:rPr lang="en-US" altLang="zh-CN" sz="1200" b="0" i="0" kern="1200" dirty="0" smtClean="0">
-                <a:solidFill>
-                  <a:schemeClr val="tx1"/>
-                </a:solidFill>
-                <a:effectLst/>
-                <a:latin typeface="+mn-lt"/>
-                <a:ea typeface="+mn-ea"/>
-                <a:cs typeface="+mn-cs"/>
-              </a:rPr>
-              <a:t>java</a:t>
-            </a:r>
-            <a:r>
-              <a:rPr lang="zh-CN" altLang="en-US" sz="1200" b="0" i="0" kern="1200" dirty="0" smtClean="0">
-                <a:solidFill>
-                  <a:schemeClr val="tx1"/>
-                </a:solidFill>
-                <a:effectLst/>
-                <a:latin typeface="+mn-lt"/>
-                <a:ea typeface="+mn-ea"/>
-                <a:cs typeface="+mn-cs"/>
-              </a:rPr>
-              <a:t>，其实切换或者学习其他语言也都是比较容易的</a:t>
-            </a:r>
-            <a:endParaRPr lang="en-US" altLang="zh-CN" sz="1200" b="0" i="0" kern="1200" dirty="0" smtClean="0">
-              <a:solidFill>
-                <a:schemeClr val="tx1"/>
-              </a:solidFill>
-              <a:effectLst/>
-              <a:latin typeface="+mn-lt"/>
-              <a:ea typeface="+mn-ea"/>
-              <a:cs typeface="+mn-cs"/>
-            </a:endParaRPr>
-          </a:p>
-          <a:p>
-            <a:endParaRPr lang="en-US" altLang="zh-CN" sz="1200" b="0" i="0" kern="1200" dirty="0" smtClean="0">
-              <a:solidFill>
-                <a:schemeClr val="tx1"/>
-              </a:solidFill>
-              <a:effectLst/>
-              <a:latin typeface="+mn-lt"/>
-              <a:ea typeface="+mn-ea"/>
-              <a:cs typeface="+mn-cs"/>
-            </a:endParaRPr>
+            <a:endParaRPr lang="zh-CN" altLang="en-US" dirty="0"/>
           </a:p>
         </p:txBody>
       </p:sp>
@@ -7084,7 +1406,7 @@
           <a:p>
             <a:fld id="{38A8ACF5-C29D-4199-AE4F-AD7991FDFB26}" type="slidenum">
               <a:rPr lang="zh-CN" altLang="en-US" smtClean="0"/>
-              <a:t>9</a:t>
+              <a:t>10</a:t>
             </a:fld>
             <a:endParaRPr lang="zh-CN" altLang="en-US"/>
           </a:p>
@@ -7093,7 +1415,7 @@
     </p:spTree>
     <p:extLst>
       <p:ext uri="{BB962C8B-B14F-4D97-AF65-F5344CB8AC3E}">
-        <p14:creationId xmlns:p14="http://schemas.microsoft.com/office/powerpoint/2010/main" val="411613214"/>
+        <p14:creationId xmlns:p14="http://schemas.microsoft.com/office/powerpoint/2010/main" val="1581168050"/>
       </p:ext>
     </p:extLst>
   </p:cSld>
@@ -7283,7 +1605,7 @@
                 <a:tabLst/>
                 <a:defRPr/>
               </a:pPr>
-              <a:t>2018/3/17</a:t>
+              <a:t>2018/3/25</a:t>
             </a:fld>
             <a:endParaRPr kumimoji="0" lang="zh-CN" altLang="en-US" sz="1200" b="0" i="0" u="none" strike="noStrike" kern="1200" cap="none" spc="0" normalizeH="0" baseline="0" noProof="0">
               <a:ln>
@@ -7613,7 +1935,7 @@
                 <a:tabLst/>
                 <a:defRPr/>
               </a:pPr>
-              <a:t>2018/3/17</a:t>
+              <a:t>2018/3/25</a:t>
             </a:fld>
             <a:endParaRPr kumimoji="0" lang="zh-CN" altLang="en-US" sz="1200" b="0" i="0" u="none" strike="noStrike" kern="1200" cap="none" spc="0" normalizeH="0" baseline="0" noProof="0">
               <a:ln>
@@ -7953,7 +2275,7 @@
                 <a:tabLst/>
                 <a:defRPr/>
               </a:pPr>
-              <a:t>2018/3/17</a:t>
+              <a:t>2018/3/25</a:t>
             </a:fld>
             <a:endParaRPr kumimoji="0" lang="zh-CN" altLang="en-US" sz="1200" b="0" i="0" u="none" strike="noStrike" kern="1200" cap="none" spc="0" normalizeH="0" baseline="0" noProof="0">
               <a:ln>
@@ -8305,7 +2627,7 @@
                 <a:tabLst/>
                 <a:defRPr/>
               </a:pPr>
-              <a:t>2018/3/17</a:t>
+              <a:t>2018/3/25</a:t>
             </a:fld>
             <a:endParaRPr kumimoji="0" lang="zh-CN" altLang="en-US" sz="1200" b="0" i="0" u="none" strike="noStrike" kern="1200" cap="none" spc="0" normalizeH="0" baseline="0" noProof="0">
               <a:ln>
@@ -8635,7 +2957,7 @@
                 <a:tabLst/>
                 <a:defRPr/>
               </a:pPr>
-              <a:t>2018/3/17</a:t>
+              <a:t>2018/3/25</a:t>
             </a:fld>
             <a:endParaRPr kumimoji="0" lang="zh-CN" altLang="en-US" sz="1200" b="0" i="0" u="none" strike="noStrike" kern="1200" cap="none" spc="0" normalizeH="0" baseline="0" noProof="0">
               <a:ln>
@@ -9041,7 +3363,7 @@
                 <a:tabLst/>
                 <a:defRPr/>
               </a:pPr>
-              <a:t>2018/3/17</a:t>
+              <a:t>2018/3/25</a:t>
             </a:fld>
             <a:endParaRPr kumimoji="0" lang="zh-CN" altLang="en-US" sz="1200" b="0" i="0" u="none" strike="noStrike" kern="1200" cap="none" spc="0" normalizeH="0" baseline="0" noProof="0">
               <a:ln>
@@ -9433,7 +3755,7 @@
                 <a:tabLst/>
                 <a:defRPr/>
               </a:pPr>
-              <a:t>2018/3/17</a:t>
+              <a:t>2018/3/25</a:t>
             </a:fld>
             <a:endParaRPr kumimoji="0" lang="zh-CN" altLang="en-US" sz="1200" b="0" i="0" u="none" strike="noStrike" kern="1200" cap="none" spc="0" normalizeH="0" baseline="0" noProof="0">
               <a:ln>
@@ -9960,7 +4282,7 @@
                 <a:tabLst/>
                 <a:defRPr/>
               </a:pPr>
-              <a:t>2018/3/17</a:t>
+              <a:t>2018/3/25</a:t>
             </a:fld>
             <a:endParaRPr kumimoji="0" lang="zh-CN" altLang="en-US" sz="1200" b="0" i="0" u="none" strike="noStrike" kern="1200" cap="none" spc="0" normalizeH="0" baseline="0" noProof="0">
               <a:ln>
@@ -10238,7 +4560,7 @@
                 <a:tabLst/>
                 <a:defRPr/>
               </a:pPr>
-              <a:t>2018/3/17</a:t>
+              <a:t>2018/3/25</a:t>
             </a:fld>
             <a:endParaRPr kumimoji="0" lang="zh-CN" altLang="en-US" sz="1200" b="0" i="0" u="none" strike="noStrike" kern="1200" cap="none" spc="0" normalizeH="0" baseline="0" noProof="0">
               <a:ln>
@@ -10493,7 +4815,7 @@
                 <a:tabLst/>
                 <a:defRPr/>
               </a:pPr>
-              <a:t>2018/3/17</a:t>
+              <a:t>2018/3/25</a:t>
             </a:fld>
             <a:endParaRPr kumimoji="0" lang="zh-CN" altLang="en-US" sz="1200" b="0" i="0" u="none" strike="noStrike" kern="1200" cap="none" spc="0" normalizeH="0" baseline="0" noProof="0">
               <a:ln>
@@ -10930,7 +5252,7 @@
                 <a:tabLst/>
                 <a:defRPr/>
               </a:pPr>
-              <a:t>2018/3/17</a:t>
+              <a:t>2018/3/25</a:t>
             </a:fld>
             <a:endParaRPr kumimoji="0" lang="zh-CN" altLang="en-US" sz="1200" b="0" i="0" u="none" strike="noStrike" kern="1200" cap="none" spc="0" normalizeH="0" baseline="0" noProof="0">
               <a:ln>
@@ -11260,7 +5582,7 @@
                 <a:tabLst/>
                 <a:defRPr/>
               </a:pPr>
-              <a:t>2018/3/17</a:t>
+              <a:t>2018/3/25</a:t>
             </a:fld>
             <a:endParaRPr kumimoji="0" lang="zh-CN" altLang="en-US" sz="1200" b="0" i="0" u="none" strike="noStrike" kern="1200" cap="none" spc="0" normalizeH="0" baseline="0" noProof="0">
               <a:ln>
@@ -11673,7 +5995,7 @@
                 <a:tabLst/>
                 <a:defRPr/>
               </a:pPr>
-              <a:t>2018/3/17</a:t>
+              <a:t>2018/3/25</a:t>
             </a:fld>
             <a:endParaRPr kumimoji="0" lang="zh-CN" altLang="en-US" sz="1200" b="0" i="0" u="none" strike="noStrike" kern="1200" cap="none" spc="0" normalizeH="0" baseline="0" noProof="0">
               <a:ln>
@@ -12003,7 +6325,7 @@
                 <a:tabLst/>
                 <a:defRPr/>
               </a:pPr>
-              <a:t>2018/3/17</a:t>
+              <a:t>2018/3/25</a:t>
             </a:fld>
             <a:endParaRPr kumimoji="0" lang="zh-CN" altLang="en-US" sz="1200" b="0" i="0" u="none" strike="noStrike" kern="1200" cap="none" spc="0" normalizeH="0" baseline="0" noProof="0">
               <a:ln>
@@ -12343,7 +6665,7 @@
                 <a:tabLst/>
                 <a:defRPr/>
               </a:pPr>
-              <a:t>2018/3/17</a:t>
+              <a:t>2018/3/25</a:t>
             </a:fld>
             <a:endParaRPr kumimoji="0" lang="zh-CN" altLang="en-US" sz="1200" b="0" i="0" u="none" strike="noStrike" kern="1200" cap="none" spc="0" normalizeH="0" baseline="0" noProof="0">
               <a:ln>
@@ -12749,7 +7071,7 @@
                 <a:tabLst/>
                 <a:defRPr/>
               </a:pPr>
-              <a:t>2018/3/17</a:t>
+              <a:t>2018/3/25</a:t>
             </a:fld>
             <a:endParaRPr kumimoji="0" lang="zh-CN" altLang="en-US" sz="1200" b="0" i="0" u="none" strike="noStrike" kern="1200" cap="none" spc="0" normalizeH="0" baseline="0" noProof="0">
               <a:ln>
@@ -13141,7 +7463,7 @@
                 <a:tabLst/>
                 <a:defRPr/>
               </a:pPr>
-              <a:t>2018/3/17</a:t>
+              <a:t>2018/3/25</a:t>
             </a:fld>
             <a:endParaRPr kumimoji="0" lang="zh-CN" altLang="en-US" sz="1200" b="0" i="0" u="none" strike="noStrike" kern="1200" cap="none" spc="0" normalizeH="0" baseline="0" noProof="0">
               <a:ln>
@@ -13668,7 +7990,7 @@
                 <a:tabLst/>
                 <a:defRPr/>
               </a:pPr>
-              <a:t>2018/3/17</a:t>
+              <a:t>2018/3/25</a:t>
             </a:fld>
             <a:endParaRPr kumimoji="0" lang="zh-CN" altLang="en-US" sz="1200" b="0" i="0" u="none" strike="noStrike" kern="1200" cap="none" spc="0" normalizeH="0" baseline="0" noProof="0">
               <a:ln>
@@ -13946,7 +8268,7 @@
                 <a:tabLst/>
                 <a:defRPr/>
               </a:pPr>
-              <a:t>2018/3/17</a:t>
+              <a:t>2018/3/25</a:t>
             </a:fld>
             <a:endParaRPr kumimoji="0" lang="zh-CN" altLang="en-US" sz="1200" b="0" i="0" u="none" strike="noStrike" kern="1200" cap="none" spc="0" normalizeH="0" baseline="0" noProof="0">
               <a:ln>
@@ -14201,7 +8523,7 @@
                 <a:tabLst/>
                 <a:defRPr/>
               </a:pPr>
-              <a:t>2018/3/17</a:t>
+              <a:t>2018/3/25</a:t>
             </a:fld>
             <a:endParaRPr kumimoji="0" lang="zh-CN" altLang="en-US" sz="1200" b="0" i="0" u="none" strike="noStrike" kern="1200" cap="none" spc="0" normalizeH="0" baseline="0" noProof="0">
               <a:ln>
@@ -14638,7 +8960,7 @@
                 <a:tabLst/>
                 <a:defRPr/>
               </a:pPr>
-              <a:t>2018/3/17</a:t>
+              <a:t>2018/3/25</a:t>
             </a:fld>
             <a:endParaRPr kumimoji="0" lang="zh-CN" altLang="en-US" sz="1200" b="0" i="0" u="none" strike="noStrike" kern="1200" cap="none" spc="0" normalizeH="0" baseline="0" noProof="0">
               <a:ln>
@@ -15051,7 +9373,7 @@
                 <a:tabLst/>
                 <a:defRPr/>
               </a:pPr>
-              <a:t>2018/3/17</a:t>
+              <a:t>2018/3/25</a:t>
             </a:fld>
             <a:endParaRPr kumimoji="0" lang="zh-CN" altLang="en-US" sz="1200" b="0" i="0" u="none" strike="noStrike" kern="1200" cap="none" spc="0" normalizeH="0" baseline="0" noProof="0">
               <a:ln>
@@ -15427,7 +9749,7 @@
                 <a:tabLst/>
                 <a:defRPr/>
               </a:pPr>
-              <a:t>2018/3/17</a:t>
+              <a:t>2018/3/25</a:t>
             </a:fld>
             <a:endParaRPr kumimoji="0" lang="zh-CN" altLang="en-US" sz="1200" b="0" i="0" u="none" strike="noStrike" kern="1200" cap="none" spc="0" normalizeH="0" baseline="0" noProof="0">
               <a:ln>
@@ -16130,7 +10452,7 @@
                 <a:tabLst/>
                 <a:defRPr/>
               </a:pPr>
-              <a:t>2018/3/17</a:t>
+              <a:t>2018/3/25</a:t>
             </a:fld>
             <a:endParaRPr kumimoji="0" lang="zh-CN" altLang="en-US" sz="1200" b="0" i="0" u="none" strike="noStrike" kern="1200" cap="none" spc="0" normalizeH="0" baseline="0" noProof="0">
               <a:ln>
@@ -17053,7 +11375,7 @@
       </p:sp>
       <p:pic>
         <p:nvPicPr>
-          <p:cNvPr id="2" name="图片 1"/>
+          <p:cNvPr id="3" name="图片 2"/>
           <p:cNvPicPr>
             <a:picLocks noChangeAspect="1"/>
           </p:cNvPicPr>
@@ -17073,158 +11395,8 @@
         </p:blipFill>
         <p:spPr>
           <a:xfrm>
-            <a:off x="1507975" y="1206999"/>
-            <a:ext cx="3336078" cy="4822450"/>
-          </a:xfrm>
-          <a:prstGeom prst="rect">
-            <a:avLst/>
-          </a:prstGeom>
-        </p:spPr>
-      </p:pic>
-      <p:pic>
-        <p:nvPicPr>
-          <p:cNvPr id="3" name="图片 2"/>
-          <p:cNvPicPr>
-            <a:picLocks noChangeAspect="1"/>
-          </p:cNvPicPr>
-          <p:nvPr/>
-        </p:nvPicPr>
-        <p:blipFill>
-          <a:blip r:embed="rId4" cstate="print">
-            <a:extLst>
-              <a:ext uri="{28A0092B-C50C-407E-A947-70E740481C1C}">
-                <a14:useLocalDpi xmlns:a14="http://schemas.microsoft.com/office/drawing/2010/main" val="0"/>
-              </a:ext>
-            </a:extLst>
-          </a:blip>
-          <a:stretch>
-            <a:fillRect/>
-          </a:stretch>
-        </p:blipFill>
-        <p:spPr>
-          <a:xfrm>
-            <a:off x="6601376" y="1206999"/>
-            <a:ext cx="1591314" cy="2246561"/>
-          </a:xfrm>
-          <a:prstGeom prst="rect">
-            <a:avLst/>
-          </a:prstGeom>
-        </p:spPr>
-      </p:pic>
-      <p:pic>
-        <p:nvPicPr>
-          <p:cNvPr id="10" name="图片 9"/>
-          <p:cNvPicPr>
-            <a:picLocks noChangeAspect="1"/>
-          </p:cNvPicPr>
-          <p:nvPr/>
-        </p:nvPicPr>
-        <p:blipFill>
-          <a:blip r:embed="rId5" cstate="print">
-            <a:extLst>
-              <a:ext uri="{28A0092B-C50C-407E-A947-70E740481C1C}">
-                <a14:useLocalDpi xmlns:a14="http://schemas.microsoft.com/office/drawing/2010/main" val="0"/>
-              </a:ext>
-            </a:extLst>
-          </a:blip>
-          <a:stretch>
-            <a:fillRect/>
-          </a:stretch>
-        </p:blipFill>
-        <p:spPr>
-          <a:xfrm>
-            <a:off x="9005201" y="3769895"/>
-            <a:ext cx="1748572" cy="2246560"/>
-          </a:xfrm>
-          <a:prstGeom prst="rect">
-            <a:avLst/>
-          </a:prstGeom>
-        </p:spPr>
-      </p:pic>
-      <p:pic>
-        <p:nvPicPr>
-          <p:cNvPr id="11" name="图片 10"/>
-          <p:cNvPicPr>
-            <a:picLocks noChangeAspect="1"/>
-          </p:cNvPicPr>
-          <p:nvPr/>
-        </p:nvPicPr>
-        <p:blipFill>
-          <a:blip r:embed="rId6" cstate="print">
-            <a:extLst>
-              <a:ext uri="{28A0092B-C50C-407E-A947-70E740481C1C}">
-                <a14:useLocalDpi xmlns:a14="http://schemas.microsoft.com/office/drawing/2010/main" val="0"/>
-              </a:ext>
-            </a:extLst>
-          </a:blip>
-          <a:stretch>
-            <a:fillRect/>
-          </a:stretch>
-        </p:blipFill>
-        <p:spPr>
-          <a:xfrm>
-            <a:off x="9007743" y="1206999"/>
-            <a:ext cx="1806885" cy="2246561"/>
-          </a:xfrm>
-          <a:prstGeom prst="rect">
-            <a:avLst/>
-          </a:prstGeom>
-        </p:spPr>
-      </p:pic>
-      <p:pic>
-        <p:nvPicPr>
-          <p:cNvPr id="7" name="图片 6"/>
-          <p:cNvPicPr>
-            <a:picLocks noChangeAspect="1"/>
-          </p:cNvPicPr>
-          <p:nvPr/>
-        </p:nvPicPr>
-        <p:blipFill>
-          <a:blip r:embed="rId7" cstate="print">
-            <a:extLst>
-              <a:ext uri="{28A0092B-C50C-407E-A947-70E740481C1C}">
-                <a14:useLocalDpi xmlns:a14="http://schemas.microsoft.com/office/drawing/2010/main" val="0"/>
-              </a:ext>
-            </a:extLst>
-          </a:blip>
-          <a:stretch>
-            <a:fillRect/>
-          </a:stretch>
-        </p:blipFill>
-        <p:spPr>
-          <a:xfrm>
-            <a:off x="6601376" y="3769894"/>
-            <a:ext cx="1606914" cy="2246560"/>
-          </a:xfrm>
-          <a:prstGeom prst="rect">
-            <a:avLst/>
-          </a:prstGeom>
-        </p:spPr>
-      </p:pic>
-      <p:pic>
-        <p:nvPicPr>
-          <p:cNvPr id="6" name="图片 5"/>
-          <p:cNvPicPr>
-            <a:picLocks noChangeAspect="1"/>
-          </p:cNvPicPr>
-          <p:nvPr/>
-        </p:nvPicPr>
-        <p:blipFill>
-          <a:blip r:embed="rId8">
-            <a:extLst>
-              <a:ext uri="{28A0092B-C50C-407E-A947-70E740481C1C}">
-                <a14:useLocalDpi xmlns:a14="http://schemas.microsoft.com/office/drawing/2010/main" val="0"/>
-              </a:ext>
-            </a:extLst>
-          </a:blip>
-          <a:stretch>
-            <a:fillRect/>
-          </a:stretch>
-        </p:blipFill>
-        <p:spPr>
-          <a:xfrm>
-            <a:off x="1399118" y="855209"/>
-            <a:ext cx="9824054" cy="5526030"/>
+            <a:off x="1814286" y="1880787"/>
+            <a:ext cx="9000342" cy="3377013"/>
           </a:xfrm>
           <a:prstGeom prst="rect">
             <a:avLst/>
@@ -17234,7 +11406,7 @@
     </p:spTree>
     <p:extLst>
       <p:ext uri="{BB962C8B-B14F-4D97-AF65-F5344CB8AC3E}">
-        <p14:creationId xmlns:p14="http://schemas.microsoft.com/office/powerpoint/2010/main" val="1367315093"/>
+        <p14:creationId xmlns:p14="http://schemas.microsoft.com/office/powerpoint/2010/main" val="1049949089"/>
       </p:ext>
     </p:extLst>
   </p:cSld>
@@ -17244,83 +11416,7 @@
   <p:timing>
     <p:tnLst>
       <p:par>
-        <p:cTn id="1" dur="indefinite" restart="never" nodeType="tmRoot">
-          <p:childTnLst>
-            <p:seq concurrent="1" nextAc="seek">
-              <p:cTn id="2" dur="indefinite" nodeType="mainSeq">
-                <p:childTnLst>
-                  <p:par>
-                    <p:cTn id="3" fill="hold">
-                      <p:stCondLst>
-                        <p:cond delay="indefinite"/>
-                      </p:stCondLst>
-                      <p:childTnLst>
-                        <p:par>
-                          <p:cTn id="4" fill="hold">
-                            <p:stCondLst>
-                              <p:cond delay="0"/>
-                            </p:stCondLst>
-                            <p:childTnLst>
-                              <p:par>
-                                <p:cTn id="5" presetID="10" presetClass="exit" presetSubtype="0" fill="hold" nodeType="clickEffect">
-                                  <p:stCondLst>
-                                    <p:cond delay="0"/>
-                                  </p:stCondLst>
-                                  <p:childTnLst>
-                                    <p:animEffect transition="out" filter="fade">
-                                      <p:cBhvr>
-                                        <p:cTn id="6" dur="500"/>
-                                        <p:tgtEl>
-                                          <p:spTgt spid="6"/>
-                                        </p:tgtEl>
-                                      </p:cBhvr>
-                                    </p:animEffect>
-                                    <p:set>
-                                      <p:cBhvr>
-                                        <p:cTn id="7" dur="1" fill="hold">
-                                          <p:stCondLst>
-                                            <p:cond delay="499"/>
-                                          </p:stCondLst>
-                                        </p:cTn>
-                                        <p:tgtEl>
-                                          <p:spTgt spid="6"/>
-                                        </p:tgtEl>
-                                        <p:attrNameLst>
-                                          <p:attrName>style.visibility</p:attrName>
-                                        </p:attrNameLst>
-                                      </p:cBhvr>
-                                      <p:to>
-                                        <p:strVal val="hidden"/>
-                                      </p:to>
-                                    </p:set>
-                                  </p:childTnLst>
-                                </p:cTn>
-                              </p:par>
-                            </p:childTnLst>
-                          </p:cTn>
-                        </p:par>
-                      </p:childTnLst>
-                    </p:cTn>
-                  </p:par>
-                </p:childTnLst>
-              </p:cTn>
-              <p:prevCondLst>
-                <p:cond evt="onPrev" delay="0">
-                  <p:tgtEl>
-                    <p:sldTgt/>
-                  </p:tgtEl>
-                </p:cond>
-              </p:prevCondLst>
-              <p:nextCondLst>
-                <p:cond evt="onNext" delay="0">
-                  <p:tgtEl>
-                    <p:sldTgt/>
-                  </p:tgtEl>
-                </p:cond>
-              </p:nextCondLst>
-            </p:seq>
-          </p:childTnLst>
-        </p:cTn>
+        <p:cTn id="1" dur="indefinite" restart="never" nodeType="tmRoot"/>
       </p:par>
     </p:tnLst>
   </p:timing>
@@ -17534,7 +11630,7 @@
         </p:nvSpPr>
         <p:spPr>
           <a:xfrm>
-            <a:off x="1499287" y="2716180"/>
+            <a:off x="1499287" y="2860510"/>
             <a:ext cx="9668031" cy="830997"/>
           </a:xfrm>
           <a:prstGeom prst="rect">
@@ -17579,7 +11675,7 @@
         </p:nvSpPr>
         <p:spPr>
           <a:xfrm>
-            <a:off x="1499287" y="3792553"/>
+            <a:off x="1499287" y="4087521"/>
             <a:ext cx="8848897" cy="830997"/>
           </a:xfrm>
           <a:prstGeom prst="rect">
@@ -18005,14 +12101,14 @@
       </p:sp>
       <p:sp>
         <p:nvSpPr>
-          <p:cNvPr id="6" name="文本框 5"/>
+          <p:cNvPr id="4" name="文本框 3"/>
           <p:cNvSpPr txBox="1"/>
           <p:nvPr/>
         </p:nvSpPr>
         <p:spPr>
           <a:xfrm>
-            <a:off x="2510084" y="2039865"/>
-            <a:ext cx="7563813" cy="2677656"/>
+            <a:off x="3455324" y="734768"/>
+            <a:ext cx="5096060" cy="1569660"/>
           </a:xfrm>
           <a:prstGeom prst="rect">
             <a:avLst/>
@@ -18025,93 +12121,65 @@
           </a:bodyPr>
           <a:lstStyle/>
           <a:p>
-            <a:pPr marL="0" marR="0" lvl="0" indent="0" algn="ctr" defTabSz="914400" rtl="0" eaLnBrk="1" fontAlgn="auto" latinLnBrk="0" hangingPunct="1">
-              <a:lnSpc>
-                <a:spcPct val="100000"/>
-              </a:lnSpc>
-              <a:spcBef>
-                <a:spcPts val="0"/>
-              </a:spcBef>
-              <a:spcAft>
-                <a:spcPts val="0"/>
-              </a:spcAft>
-              <a:buClrTx/>
-              <a:buSzTx/>
-              <a:buFontTx/>
-              <a:buNone/>
-              <a:tabLst/>
-              <a:defRPr/>
-            </a:pPr>
-            <a:r>
-              <a:rPr kumimoji="0" lang="en-US" altLang="zh-CN" sz="4800" b="0" i="0" u="none" strike="noStrike" kern="1200" cap="none" spc="0" normalizeH="0" baseline="0" noProof="0" dirty="0" smtClean="0">
-                <a:ln>
-                  <a:noFill/>
-                </a:ln>
-                <a:solidFill>
-                  <a:prstClr val="black"/>
-                </a:solidFill>
-                <a:effectLst/>
-                <a:uLnTx/>
-                <a:uFillTx/>
-                <a:latin typeface="等线" panose="020F0502020204030204"/>
-                <a:ea typeface="等线" panose="02010600030101010101" pitchFamily="2" charset="-122"/>
-                <a:cs typeface="+mn-cs"/>
-              </a:rPr>
-              <a:t>SESSION2</a:t>
-            </a:r>
-          </a:p>
-          <a:p>
-            <a:pPr marL="0" marR="0" lvl="0" indent="0" algn="ctr" defTabSz="914400" rtl="0" eaLnBrk="1" fontAlgn="auto" latinLnBrk="0" hangingPunct="1">
-              <a:lnSpc>
-                <a:spcPct val="100000"/>
-              </a:lnSpc>
-              <a:spcBef>
-                <a:spcPts val="0"/>
-              </a:spcBef>
-              <a:spcAft>
-                <a:spcPts val="0"/>
-              </a:spcAft>
-              <a:buClrTx/>
-              <a:buSzTx/>
-              <a:buFontTx/>
-              <a:buNone/>
-              <a:tabLst/>
-              <a:defRPr/>
-            </a:pPr>
-            <a:endParaRPr kumimoji="0" lang="en-US" altLang="zh-CN" sz="4800" b="0" i="0" u="none" strike="noStrike" kern="1200" cap="none" spc="0" normalizeH="0" baseline="0" noProof="0" dirty="0" smtClean="0">
-              <a:ln>
-                <a:noFill/>
-              </a:ln>
-              <a:solidFill>
-                <a:prstClr val="black"/>
-              </a:solidFill>
-              <a:effectLst/>
-              <a:uLnTx/>
-              <a:uFillTx/>
-              <a:latin typeface="等线" panose="020F0502020204030204"/>
-              <a:ea typeface="等线" panose="02010600030101010101" pitchFamily="2" charset="-122"/>
-              <a:cs typeface="+mn-cs"/>
-            </a:endParaRPr>
-          </a:p>
-          <a:p>
-            <a:pPr lvl="0" algn="ctr"/>
-            <a:r>
-              <a:rPr lang="en-US" altLang="zh-CN" sz="7200" dirty="0" smtClean="0">
+            <a:pPr algn="ctr"/>
+            <a:r>
+              <a:rPr lang="en-US" altLang="zh-CN" sz="4800" dirty="0" smtClean="0"/>
+              <a:t>SESSION1</a:t>
+            </a:r>
+          </a:p>
+          <a:p>
+            <a:pPr algn="ctr"/>
+            <a:r>
+              <a:rPr lang="en-US" altLang="zh-CN" sz="4800" dirty="0" smtClean="0"/>
+              <a:t>Java</a:t>
+            </a:r>
+            <a:r>
+              <a:rPr lang="zh-CN" altLang="en-US" sz="4800" dirty="0" smtClean="0"/>
+              <a:t>发展简史</a:t>
+            </a:r>
+            <a:endParaRPr lang="en-US" altLang="zh-CN" sz="4000" dirty="0"/>
+          </a:p>
+        </p:txBody>
+      </p:sp>
+      <p:sp>
+        <p:nvSpPr>
+          <p:cNvPr id="7" name="矩形 6"/>
+          <p:cNvSpPr/>
+          <p:nvPr/>
+        </p:nvSpPr>
+        <p:spPr>
+          <a:xfrm>
+            <a:off x="2955354" y="3477325"/>
+            <a:ext cx="6096000" cy="646331"/>
+          </a:xfrm>
+          <a:prstGeom prst="rect">
+            <a:avLst/>
+          </a:prstGeom>
+        </p:spPr>
+        <p:txBody>
+          <a:bodyPr wrap="square">
+            <a:spAutoFit/>
+          </a:bodyPr>
+          <a:lstStyle/>
+          <a:p>
+            <a:pPr lvl="0"/>
+            <a:r>
+              <a:rPr lang="en-US" altLang="zh-CN" sz="3600" dirty="0" smtClean="0">
                 <a:solidFill>
                   <a:prstClr val="black"/>
                 </a:solidFill>
               </a:rPr>
-              <a:t>Java</a:t>
-            </a:r>
-            <a:r>
-              <a:rPr lang="zh-CN" altLang="en-US" sz="7200" dirty="0" smtClean="0">
+              <a:t>1.Java</a:t>
+            </a:r>
+            <a:r>
+              <a:rPr lang="zh-CN" altLang="en-US" sz="3600" dirty="0" smtClean="0">
                 <a:solidFill>
                   <a:prstClr val="black"/>
                 </a:solidFill>
               </a:rPr>
-              <a:t>发展简史</a:t>
-            </a:r>
-            <a:endParaRPr lang="en-US" altLang="zh-CN" sz="7200" dirty="0">
+              <a:t>这门语言是怎么来滴？</a:t>
+            </a:r>
+            <a:endParaRPr lang="en-US" altLang="zh-CN" sz="3600" dirty="0">
               <a:solidFill>
                 <a:prstClr val="black"/>
               </a:solidFill>
@@ -18140,6 +12208,213 @@
 </file>
 
 <file path=ppt/slides/slide3.xml><?xml version="1.0" encoding="utf-8"?>
+<p:sld xmlns:a="http://schemas.openxmlformats.org/drawingml/2006/main" xmlns:r="http://schemas.openxmlformats.org/officeDocument/2006/relationships" xmlns:p="http://schemas.openxmlformats.org/presentationml/2006/main">
+  <p:cSld>
+    <p:spTree>
+      <p:nvGrpSpPr>
+        <p:cNvPr id="1" name=""/>
+        <p:cNvGrpSpPr/>
+        <p:nvPr/>
+      </p:nvGrpSpPr>
+      <p:grpSpPr>
+        <a:xfrm>
+          <a:off x="0" y="0"/>
+          <a:ext cx="0" cy="0"/>
+          <a:chOff x="0" y="0"/>
+          <a:chExt cx="0" cy="0"/>
+        </a:xfrm>
+      </p:grpSpPr>
+      <p:pic>
+        <p:nvPicPr>
+          <p:cNvPr id="4" name="内容占位符 3"/>
+          <p:cNvPicPr>
+            <a:picLocks noGrp="1" noChangeAspect="1"/>
+          </p:cNvPicPr>
+          <p:nvPr>
+            <p:ph idx="1"/>
+          </p:nvPr>
+        </p:nvPicPr>
+        <p:blipFill>
+          <a:blip r:embed="rId2">
+            <a:extLst>
+              <a:ext uri="{28A0092B-C50C-407E-A947-70E740481C1C}">
+                <a14:useLocalDpi xmlns:a14="http://schemas.microsoft.com/office/drawing/2010/main" val="0"/>
+              </a:ext>
+            </a:extLst>
+          </a:blip>
+          <a:stretch>
+            <a:fillRect/>
+          </a:stretch>
+        </p:blipFill>
+        <p:spPr>
+          <a:xfrm>
+            <a:off x="1474839" y="653564"/>
+            <a:ext cx="9468465" cy="5695874"/>
+          </a:xfrm>
+        </p:spPr>
+      </p:pic>
+      <p:sp>
+        <p:nvSpPr>
+          <p:cNvPr id="5" name="矩形 4"/>
+          <p:cNvSpPr/>
+          <p:nvPr/>
+        </p:nvSpPr>
+        <p:spPr>
+          <a:xfrm>
+            <a:off x="66201" y="61547"/>
+            <a:ext cx="2446504" cy="369332"/>
+          </a:xfrm>
+          <a:prstGeom prst="rect">
+            <a:avLst/>
+          </a:prstGeom>
+        </p:spPr>
+        <p:txBody>
+          <a:bodyPr wrap="none">
+            <a:spAutoFit/>
+          </a:bodyPr>
+          <a:lstStyle/>
+          <a:p>
+            <a:pPr algn="ctr"/>
+            <a:r>
+              <a:rPr lang="en-US" altLang="zh-CN" dirty="0" smtClean="0"/>
+              <a:t>Session2 Java</a:t>
+            </a:r>
+            <a:r>
+              <a:rPr lang="zh-CN" altLang="en-US" dirty="0" smtClean="0"/>
+              <a:t>发展简史</a:t>
+            </a:r>
+            <a:endParaRPr lang="en-US" altLang="zh-CN" dirty="0"/>
+          </a:p>
+        </p:txBody>
+      </p:sp>
+      <p:sp>
+        <p:nvSpPr>
+          <p:cNvPr id="6" name="文本框 5"/>
+          <p:cNvSpPr txBox="1"/>
+          <p:nvPr/>
+        </p:nvSpPr>
+        <p:spPr>
+          <a:xfrm>
+            <a:off x="10814628" y="6534834"/>
+            <a:ext cx="1850571" cy="646331"/>
+          </a:xfrm>
+          <a:prstGeom prst="rect">
+            <a:avLst/>
+          </a:prstGeom>
+          <a:noFill/>
+        </p:spPr>
+        <p:txBody>
+          <a:bodyPr wrap="none" rtlCol="0">
+            <a:spAutoFit/>
+          </a:bodyPr>
+          <a:lstStyle/>
+          <a:p>
+            <a:pPr marL="0" marR="0" lvl="0" indent="0" algn="ctr" defTabSz="914400" rtl="0" eaLnBrk="1" fontAlgn="auto" latinLnBrk="0" hangingPunct="1">
+              <a:lnSpc>
+                <a:spcPct val="100000"/>
+              </a:lnSpc>
+              <a:spcBef>
+                <a:spcPts val="0"/>
+              </a:spcBef>
+              <a:spcAft>
+                <a:spcPts val="0"/>
+              </a:spcAft>
+              <a:buClrTx/>
+              <a:buSzTx/>
+              <a:buFontTx/>
+              <a:buNone/>
+              <a:tabLst/>
+              <a:defRPr/>
+            </a:pPr>
+            <a:r>
+              <a:rPr kumimoji="0" lang="en-US" altLang="zh-CN" sz="1800" b="0" i="0" u="none" strike="noStrike" kern="1200" cap="none" spc="0" normalizeH="0" baseline="0" noProof="0" dirty="0">
+                <a:ln w="0"/>
+                <a:solidFill>
+                  <a:prstClr val="black"/>
+                </a:solidFill>
+                <a:effectLst>
+                  <a:outerShdw blurRad="38100" dist="19050" dir="2700000" algn="tl" rotWithShape="0">
+                    <a:prstClr val="black">
+                      <a:alpha val="40000"/>
+                    </a:prstClr>
+                  </a:outerShdw>
+                </a:effectLst>
+                <a:uLnTx/>
+                <a:uFillTx/>
+                <a:latin typeface="Arial Rounded MT Bold" panose="020F0704030504030204" pitchFamily="34" charset="0"/>
+                <a:ea typeface="幼圆" panose="02010509060101010101" pitchFamily="49" charset="-122"/>
+                <a:cs typeface="+mn-cs"/>
+              </a:rPr>
+              <a:t>EZJava</a:t>
+            </a:r>
+            <a:endParaRPr kumimoji="0" lang="zh-CN" altLang="en-US" sz="1800" b="0" i="0" u="none" strike="noStrike" kern="1200" cap="none" spc="0" normalizeH="0" baseline="0" noProof="0" dirty="0">
+              <a:ln w="0"/>
+              <a:solidFill>
+                <a:prstClr val="black"/>
+              </a:solidFill>
+              <a:effectLst>
+                <a:outerShdw blurRad="38100" dist="19050" dir="2700000" algn="tl" rotWithShape="0">
+                  <a:prstClr val="black">
+                    <a:alpha val="40000"/>
+                  </a:prstClr>
+                </a:outerShdw>
+              </a:effectLst>
+              <a:uLnTx/>
+              <a:uFillTx/>
+              <a:latin typeface="Arial Rounded MT Bold" panose="020F0704030504030204" pitchFamily="34" charset="0"/>
+              <a:ea typeface="幼圆" panose="02010509060101010101" pitchFamily="49" charset="-122"/>
+              <a:cs typeface="+mn-cs"/>
+            </a:endParaRPr>
+          </a:p>
+          <a:p>
+            <a:pPr marL="0" marR="0" lvl="0" indent="0" algn="l" defTabSz="914400" rtl="0" eaLnBrk="1" fontAlgn="auto" latinLnBrk="0" hangingPunct="1">
+              <a:lnSpc>
+                <a:spcPct val="100000"/>
+              </a:lnSpc>
+              <a:spcBef>
+                <a:spcPts val="0"/>
+              </a:spcBef>
+              <a:spcAft>
+                <a:spcPts val="0"/>
+              </a:spcAft>
+              <a:buClrTx/>
+              <a:buSzTx/>
+              <a:buFontTx/>
+              <a:buNone/>
+              <a:tabLst/>
+              <a:defRPr/>
+            </a:pPr>
+            <a:endParaRPr kumimoji="0" lang="zh-CN" altLang="en-US" sz="1800" b="0" i="0" u="none" strike="noStrike" kern="1200" cap="none" spc="0" normalizeH="0" baseline="0" noProof="0" dirty="0">
+              <a:ln>
+                <a:noFill/>
+              </a:ln>
+              <a:solidFill>
+                <a:prstClr val="black"/>
+              </a:solidFill>
+              <a:effectLst/>
+              <a:uLnTx/>
+              <a:uFillTx/>
+              <a:latin typeface="等线" panose="020F0502020204030204"/>
+              <a:ea typeface="等线" panose="02010600030101010101" pitchFamily="2" charset="-122"/>
+              <a:cs typeface="+mn-cs"/>
+            </a:endParaRPr>
+          </a:p>
+        </p:txBody>
+      </p:sp>
+    </p:spTree>
+    <p:extLst>
+      <p:ext uri="{BB962C8B-B14F-4D97-AF65-F5344CB8AC3E}">
+        <p14:creationId xmlns:p14="http://schemas.microsoft.com/office/powerpoint/2010/main" val="2764206172"/>
+      </p:ext>
+    </p:extLst>
+  </p:cSld>
+  <p:clrMapOvr>
+    <a:masterClrMapping/>
+  </p:clrMapOvr>
+</p:sld>
+</file>
+
+<file path=ppt/slides/slide4.xml><?xml version="1.0" encoding="utf-8"?>
 <p:sld xmlns:a="http://schemas.openxmlformats.org/drawingml/2006/main" xmlns:r="http://schemas.openxmlformats.org/officeDocument/2006/relationships" xmlns:p="http://schemas.openxmlformats.org/presentationml/2006/main">
   <p:cSld>
     <p:spTree>
@@ -18542,7 +12817,7 @@
 </p:sld>
 </file>
 
-<file path=ppt/slides/slide4.xml><?xml version="1.0" encoding="utf-8"?>
+<file path=ppt/slides/slide5.xml><?xml version="1.0" encoding="utf-8"?>
 <p:sld xmlns:a="http://schemas.openxmlformats.org/drawingml/2006/main" xmlns:r="http://schemas.openxmlformats.org/officeDocument/2006/relationships" xmlns:p="http://schemas.openxmlformats.org/presentationml/2006/main">
   <p:cSld>
     <p:spTree>
@@ -18876,7 +13151,7 @@
 </p:sld>
 </file>
 
-<file path=ppt/slides/slide5.xml><?xml version="1.0" encoding="utf-8"?>
+<file path=ppt/slides/slide6.xml><?xml version="1.0" encoding="utf-8"?>
 <p:sld xmlns:a="http://schemas.openxmlformats.org/drawingml/2006/main" xmlns:r="http://schemas.openxmlformats.org/officeDocument/2006/relationships" xmlns:p="http://schemas.openxmlformats.org/presentationml/2006/main">
   <p:cSld>
     <p:spTree>
@@ -19301,7 +13576,7 @@
 </p:sld>
 </file>
 
-<file path=ppt/slides/slide6.xml><?xml version="1.0" encoding="utf-8"?>
+<file path=ppt/slides/slide7.xml><?xml version="1.0" encoding="utf-8"?>
 <p:sld xmlns:a="http://schemas.openxmlformats.org/drawingml/2006/main" xmlns:r="http://schemas.openxmlformats.org/officeDocument/2006/relationships" xmlns:p="http://schemas.openxmlformats.org/presentationml/2006/main">
   <p:cSld>
     <p:spTree>
@@ -19835,7 +14110,268 @@
 </p:sld>
 </file>
 
-<file path=ppt/slides/slide7.xml><?xml version="1.0" encoding="utf-8"?>
+<file path=ppt/slides/slide8.xml><?xml version="1.0" encoding="utf-8"?>
+<p:sld xmlns:a="http://schemas.openxmlformats.org/drawingml/2006/main" xmlns:r="http://schemas.openxmlformats.org/officeDocument/2006/relationships" xmlns:p="http://schemas.openxmlformats.org/presentationml/2006/main">
+  <p:cSld>
+    <p:spTree>
+      <p:nvGrpSpPr>
+        <p:cNvPr id="1" name=""/>
+        <p:cNvGrpSpPr/>
+        <p:nvPr/>
+      </p:nvGrpSpPr>
+      <p:grpSpPr>
+        <a:xfrm>
+          <a:off x="0" y="0"/>
+          <a:ext cx="0" cy="0"/>
+          <a:chOff x="0" y="0"/>
+          <a:chExt cx="0" cy="0"/>
+        </a:xfrm>
+      </p:grpSpPr>
+      <p:sp>
+        <p:nvSpPr>
+          <p:cNvPr id="4" name="矩形 3"/>
+          <p:cNvSpPr/>
+          <p:nvPr/>
+        </p:nvSpPr>
+        <p:spPr>
+          <a:xfrm>
+            <a:off x="66201" y="61547"/>
+            <a:ext cx="2446504" cy="369332"/>
+          </a:xfrm>
+          <a:prstGeom prst="rect">
+            <a:avLst/>
+          </a:prstGeom>
+        </p:spPr>
+        <p:txBody>
+          <a:bodyPr wrap="none">
+            <a:spAutoFit/>
+          </a:bodyPr>
+          <a:lstStyle/>
+          <a:p>
+            <a:pPr algn="ctr"/>
+            <a:r>
+              <a:rPr lang="en-US" altLang="zh-CN" dirty="0" smtClean="0"/>
+              <a:t>Session2 Java</a:t>
+            </a:r>
+            <a:r>
+              <a:rPr lang="zh-CN" altLang="en-US" dirty="0" smtClean="0"/>
+              <a:t>发展简史</a:t>
+            </a:r>
+            <a:endParaRPr lang="en-US" altLang="zh-CN" dirty="0"/>
+          </a:p>
+        </p:txBody>
+      </p:sp>
+      <p:sp>
+        <p:nvSpPr>
+          <p:cNvPr id="5" name="文本框 4"/>
+          <p:cNvSpPr txBox="1"/>
+          <p:nvPr/>
+        </p:nvSpPr>
+        <p:spPr>
+          <a:xfrm>
+            <a:off x="10814628" y="6534834"/>
+            <a:ext cx="1850571" cy="646331"/>
+          </a:xfrm>
+          <a:prstGeom prst="rect">
+            <a:avLst/>
+          </a:prstGeom>
+          <a:noFill/>
+        </p:spPr>
+        <p:txBody>
+          <a:bodyPr wrap="none" rtlCol="0">
+            <a:spAutoFit/>
+          </a:bodyPr>
+          <a:lstStyle/>
+          <a:p>
+            <a:pPr marL="0" marR="0" lvl="0" indent="0" algn="ctr" defTabSz="914400" rtl="0" eaLnBrk="1" fontAlgn="auto" latinLnBrk="0" hangingPunct="1">
+              <a:lnSpc>
+                <a:spcPct val="100000"/>
+              </a:lnSpc>
+              <a:spcBef>
+                <a:spcPts val="0"/>
+              </a:spcBef>
+              <a:spcAft>
+                <a:spcPts val="0"/>
+              </a:spcAft>
+              <a:buClrTx/>
+              <a:buSzTx/>
+              <a:buFontTx/>
+              <a:buNone/>
+              <a:tabLst/>
+              <a:defRPr/>
+            </a:pPr>
+            <a:r>
+              <a:rPr kumimoji="0" lang="en-US" altLang="zh-CN" sz="1800" b="0" i="0" u="none" strike="noStrike" kern="1200" cap="none" spc="0" normalizeH="0" baseline="0" noProof="0" dirty="0">
+                <a:ln w="0"/>
+                <a:solidFill>
+                  <a:prstClr val="black"/>
+                </a:solidFill>
+                <a:effectLst>
+                  <a:outerShdw blurRad="38100" dist="19050" dir="2700000" algn="tl" rotWithShape="0">
+                    <a:prstClr val="black">
+                      <a:alpha val="40000"/>
+                    </a:prstClr>
+                  </a:outerShdw>
+                </a:effectLst>
+                <a:uLnTx/>
+                <a:uFillTx/>
+                <a:latin typeface="Arial Rounded MT Bold" panose="020F0704030504030204" pitchFamily="34" charset="0"/>
+                <a:ea typeface="幼圆" panose="02010509060101010101" pitchFamily="49" charset="-122"/>
+                <a:cs typeface="+mn-cs"/>
+              </a:rPr>
+              <a:t>EZJava</a:t>
+            </a:r>
+            <a:endParaRPr kumimoji="0" lang="zh-CN" altLang="en-US" sz="1800" b="0" i="0" u="none" strike="noStrike" kern="1200" cap="none" spc="0" normalizeH="0" baseline="0" noProof="0" dirty="0">
+              <a:ln w="0"/>
+              <a:solidFill>
+                <a:prstClr val="black"/>
+              </a:solidFill>
+              <a:effectLst>
+                <a:outerShdw blurRad="38100" dist="19050" dir="2700000" algn="tl" rotWithShape="0">
+                  <a:prstClr val="black">
+                    <a:alpha val="40000"/>
+                  </a:prstClr>
+                </a:outerShdw>
+              </a:effectLst>
+              <a:uLnTx/>
+              <a:uFillTx/>
+              <a:latin typeface="Arial Rounded MT Bold" panose="020F0704030504030204" pitchFamily="34" charset="0"/>
+              <a:ea typeface="幼圆" panose="02010509060101010101" pitchFamily="49" charset="-122"/>
+              <a:cs typeface="+mn-cs"/>
+            </a:endParaRPr>
+          </a:p>
+          <a:p>
+            <a:pPr marL="0" marR="0" lvl="0" indent="0" algn="l" defTabSz="914400" rtl="0" eaLnBrk="1" fontAlgn="auto" latinLnBrk="0" hangingPunct="1">
+              <a:lnSpc>
+                <a:spcPct val="100000"/>
+              </a:lnSpc>
+              <a:spcBef>
+                <a:spcPts val="0"/>
+              </a:spcBef>
+              <a:spcAft>
+                <a:spcPts val="0"/>
+              </a:spcAft>
+              <a:buClrTx/>
+              <a:buSzTx/>
+              <a:buFontTx/>
+              <a:buNone/>
+              <a:tabLst/>
+              <a:defRPr/>
+            </a:pPr>
+            <a:endParaRPr kumimoji="0" lang="zh-CN" altLang="en-US" sz="1800" b="0" i="0" u="none" strike="noStrike" kern="1200" cap="none" spc="0" normalizeH="0" baseline="0" noProof="0" dirty="0">
+              <a:ln>
+                <a:noFill/>
+              </a:ln>
+              <a:solidFill>
+                <a:prstClr val="black"/>
+              </a:solidFill>
+              <a:effectLst/>
+              <a:uLnTx/>
+              <a:uFillTx/>
+              <a:latin typeface="等线" panose="020F0502020204030204"/>
+              <a:ea typeface="等线" panose="02010600030101010101" pitchFamily="2" charset="-122"/>
+              <a:cs typeface="+mn-cs"/>
+            </a:endParaRPr>
+          </a:p>
+        </p:txBody>
+      </p:sp>
+      <p:sp>
+        <p:nvSpPr>
+          <p:cNvPr id="3" name="文本框 2"/>
+          <p:cNvSpPr txBox="1"/>
+          <p:nvPr/>
+        </p:nvSpPr>
+        <p:spPr>
+          <a:xfrm>
+            <a:off x="3269862" y="164053"/>
+            <a:ext cx="5176417" cy="369332"/>
+          </a:xfrm>
+          <a:prstGeom prst="rect">
+            <a:avLst/>
+          </a:prstGeom>
+          <a:noFill/>
+        </p:spPr>
+        <p:txBody>
+          <a:bodyPr wrap="none" rtlCol="0">
+            <a:spAutoFit/>
+          </a:bodyPr>
+          <a:lstStyle/>
+          <a:p>
+            <a:r>
+              <a:rPr lang="en-US" altLang="zh-CN" dirty="0"/>
+              <a:t>TIOBE</a:t>
+            </a:r>
+            <a:r>
+              <a:rPr lang="zh-CN" altLang="en-US" dirty="0"/>
+              <a:t>编程语言社区排行</a:t>
+            </a:r>
+            <a:r>
+              <a:rPr lang="zh-CN" altLang="en-US" dirty="0" smtClean="0"/>
+              <a:t>榜 </a:t>
+            </a:r>
+            <a:r>
+              <a:rPr lang="en-US" altLang="zh-CN" dirty="0" smtClean="0"/>
+              <a:t>https</a:t>
+            </a:r>
+            <a:r>
+              <a:rPr lang="en-US" altLang="zh-CN" dirty="0"/>
+              <a:t>://www.tiobe.com</a:t>
+            </a:r>
+            <a:endParaRPr lang="zh-CN" altLang="en-US" dirty="0"/>
+          </a:p>
+        </p:txBody>
+      </p:sp>
+      <p:pic>
+        <p:nvPicPr>
+          <p:cNvPr id="7" name="图片 6"/>
+          <p:cNvPicPr>
+            <a:picLocks noChangeAspect="1"/>
+          </p:cNvPicPr>
+          <p:nvPr/>
+        </p:nvPicPr>
+        <p:blipFill>
+          <a:blip r:embed="rId3">
+            <a:extLst>
+              <a:ext uri="{28A0092B-C50C-407E-A947-70E740481C1C}">
+                <a14:useLocalDpi xmlns:a14="http://schemas.microsoft.com/office/drawing/2010/main" val="0"/>
+              </a:ext>
+            </a:extLst>
+          </a:blip>
+          <a:stretch>
+            <a:fillRect/>
+          </a:stretch>
+        </p:blipFill>
+        <p:spPr>
+          <a:xfrm>
+            <a:off x="2184901" y="533385"/>
+            <a:ext cx="7346340" cy="6246977"/>
+          </a:xfrm>
+          <a:prstGeom prst="rect">
+            <a:avLst/>
+          </a:prstGeom>
+        </p:spPr>
+      </p:pic>
+    </p:spTree>
+    <p:extLst>
+      <p:ext uri="{BB962C8B-B14F-4D97-AF65-F5344CB8AC3E}">
+        <p14:creationId xmlns:p14="http://schemas.microsoft.com/office/powerpoint/2010/main" val="1037244060"/>
+      </p:ext>
+    </p:extLst>
+  </p:cSld>
+  <p:clrMapOvr>
+    <a:masterClrMapping/>
+  </p:clrMapOvr>
+  <p:timing>
+    <p:tnLst>
+      <p:par>
+        <p:cTn id="1" dur="indefinite" restart="never" nodeType="tmRoot"/>
+      </p:par>
+    </p:tnLst>
+  </p:timing>
+</p:sld>
+</file>
+
+<file path=ppt/slides/slide9.xml><?xml version="1.0" encoding="utf-8"?>
 <p:sld xmlns:a="http://schemas.openxmlformats.org/drawingml/2006/main" xmlns:r="http://schemas.openxmlformats.org/officeDocument/2006/relationships" xmlns:p="http://schemas.openxmlformats.org/presentationml/2006/main">
   <p:cSld>
     <p:spTree>
@@ -20064,482 +14600,6 @@
     <p:extLst>
       <p:ext uri="{BB962C8B-B14F-4D97-AF65-F5344CB8AC3E}">
         <p14:creationId xmlns:p14="http://schemas.microsoft.com/office/powerpoint/2010/main" val="1128349289"/>
-      </p:ext>
-    </p:extLst>
-  </p:cSld>
-  <p:clrMapOvr>
-    <a:masterClrMapping/>
-  </p:clrMapOvr>
-  <p:timing>
-    <p:tnLst>
-      <p:par>
-        <p:cTn id="1" dur="indefinite" restart="never" nodeType="tmRoot"/>
-      </p:par>
-    </p:tnLst>
-  </p:timing>
-</p:sld>
-</file>
-
-<file path=ppt/slides/slide8.xml><?xml version="1.0" encoding="utf-8"?>
-<p:sld xmlns:a="http://schemas.openxmlformats.org/drawingml/2006/main" xmlns:r="http://schemas.openxmlformats.org/officeDocument/2006/relationships" xmlns:p="http://schemas.openxmlformats.org/presentationml/2006/main">
-  <p:cSld>
-    <p:spTree>
-      <p:nvGrpSpPr>
-        <p:cNvPr id="1" name=""/>
-        <p:cNvGrpSpPr/>
-        <p:nvPr/>
-      </p:nvGrpSpPr>
-      <p:grpSpPr>
-        <a:xfrm>
-          <a:off x="0" y="0"/>
-          <a:ext cx="0" cy="0"/>
-          <a:chOff x="0" y="0"/>
-          <a:chExt cx="0" cy="0"/>
-        </a:xfrm>
-      </p:grpSpPr>
-      <p:sp>
-        <p:nvSpPr>
-          <p:cNvPr id="4" name="矩形 3"/>
-          <p:cNvSpPr/>
-          <p:nvPr/>
-        </p:nvSpPr>
-        <p:spPr>
-          <a:xfrm>
-            <a:off x="66201" y="61547"/>
-            <a:ext cx="2446504" cy="369332"/>
-          </a:xfrm>
-          <a:prstGeom prst="rect">
-            <a:avLst/>
-          </a:prstGeom>
-        </p:spPr>
-        <p:txBody>
-          <a:bodyPr wrap="none">
-            <a:spAutoFit/>
-          </a:bodyPr>
-          <a:lstStyle/>
-          <a:p>
-            <a:pPr algn="ctr"/>
-            <a:r>
-              <a:rPr lang="en-US" altLang="zh-CN" dirty="0" smtClean="0"/>
-              <a:t>Session2 Java</a:t>
-            </a:r>
-            <a:r>
-              <a:rPr lang="zh-CN" altLang="en-US" dirty="0" smtClean="0"/>
-              <a:t>发展简史</a:t>
-            </a:r>
-            <a:endParaRPr lang="en-US" altLang="zh-CN" dirty="0"/>
-          </a:p>
-        </p:txBody>
-      </p:sp>
-      <p:sp>
-        <p:nvSpPr>
-          <p:cNvPr id="5" name="文本框 4"/>
-          <p:cNvSpPr txBox="1"/>
-          <p:nvPr/>
-        </p:nvSpPr>
-        <p:spPr>
-          <a:xfrm>
-            <a:off x="10814628" y="6534834"/>
-            <a:ext cx="1850571" cy="646331"/>
-          </a:xfrm>
-          <a:prstGeom prst="rect">
-            <a:avLst/>
-          </a:prstGeom>
-          <a:noFill/>
-        </p:spPr>
-        <p:txBody>
-          <a:bodyPr wrap="none" rtlCol="0">
-            <a:spAutoFit/>
-          </a:bodyPr>
-          <a:lstStyle/>
-          <a:p>
-            <a:pPr marL="0" marR="0" lvl="0" indent="0" algn="ctr" defTabSz="914400" rtl="0" eaLnBrk="1" fontAlgn="auto" latinLnBrk="0" hangingPunct="1">
-              <a:lnSpc>
-                <a:spcPct val="100000"/>
-              </a:lnSpc>
-              <a:spcBef>
-                <a:spcPts val="0"/>
-              </a:spcBef>
-              <a:spcAft>
-                <a:spcPts val="0"/>
-              </a:spcAft>
-              <a:buClrTx/>
-              <a:buSzTx/>
-              <a:buFontTx/>
-              <a:buNone/>
-              <a:tabLst/>
-              <a:defRPr/>
-            </a:pPr>
-            <a:r>
-              <a:rPr kumimoji="0" lang="en-US" altLang="zh-CN" sz="1800" b="0" i="0" u="none" strike="noStrike" kern="1200" cap="none" spc="0" normalizeH="0" baseline="0" noProof="0" dirty="0">
-                <a:ln w="0"/>
-                <a:solidFill>
-                  <a:prstClr val="black"/>
-                </a:solidFill>
-                <a:effectLst>
-                  <a:outerShdw blurRad="38100" dist="19050" dir="2700000" algn="tl" rotWithShape="0">
-                    <a:prstClr val="black">
-                      <a:alpha val="40000"/>
-                    </a:prstClr>
-                  </a:outerShdw>
-                </a:effectLst>
-                <a:uLnTx/>
-                <a:uFillTx/>
-                <a:latin typeface="Arial Rounded MT Bold" panose="020F0704030504030204" pitchFamily="34" charset="0"/>
-                <a:ea typeface="幼圆" panose="02010509060101010101" pitchFamily="49" charset="-122"/>
-                <a:cs typeface="+mn-cs"/>
-              </a:rPr>
-              <a:t>EZJava</a:t>
-            </a:r>
-            <a:endParaRPr kumimoji="0" lang="zh-CN" altLang="en-US" sz="1800" b="0" i="0" u="none" strike="noStrike" kern="1200" cap="none" spc="0" normalizeH="0" baseline="0" noProof="0" dirty="0">
-              <a:ln w="0"/>
-              <a:solidFill>
-                <a:prstClr val="black"/>
-              </a:solidFill>
-              <a:effectLst>
-                <a:outerShdw blurRad="38100" dist="19050" dir="2700000" algn="tl" rotWithShape="0">
-                  <a:prstClr val="black">
-                    <a:alpha val="40000"/>
-                  </a:prstClr>
-                </a:outerShdw>
-              </a:effectLst>
-              <a:uLnTx/>
-              <a:uFillTx/>
-              <a:latin typeface="Arial Rounded MT Bold" panose="020F0704030504030204" pitchFamily="34" charset="0"/>
-              <a:ea typeface="幼圆" panose="02010509060101010101" pitchFamily="49" charset="-122"/>
-              <a:cs typeface="+mn-cs"/>
-            </a:endParaRPr>
-          </a:p>
-          <a:p>
-            <a:pPr marL="0" marR="0" lvl="0" indent="0" algn="l" defTabSz="914400" rtl="0" eaLnBrk="1" fontAlgn="auto" latinLnBrk="0" hangingPunct="1">
-              <a:lnSpc>
-                <a:spcPct val="100000"/>
-              </a:lnSpc>
-              <a:spcBef>
-                <a:spcPts val="0"/>
-              </a:spcBef>
-              <a:spcAft>
-                <a:spcPts val="0"/>
-              </a:spcAft>
-              <a:buClrTx/>
-              <a:buSzTx/>
-              <a:buFontTx/>
-              <a:buNone/>
-              <a:tabLst/>
-              <a:defRPr/>
-            </a:pPr>
-            <a:endParaRPr kumimoji="0" lang="zh-CN" altLang="en-US" sz="1800" b="0" i="0" u="none" strike="noStrike" kern="1200" cap="none" spc="0" normalizeH="0" baseline="0" noProof="0" dirty="0">
-              <a:ln>
-                <a:noFill/>
-              </a:ln>
-              <a:solidFill>
-                <a:prstClr val="black"/>
-              </a:solidFill>
-              <a:effectLst/>
-              <a:uLnTx/>
-              <a:uFillTx/>
-              <a:latin typeface="等线" panose="020F0502020204030204"/>
-              <a:ea typeface="等线" panose="02010600030101010101" pitchFamily="2" charset="-122"/>
-              <a:cs typeface="+mn-cs"/>
-            </a:endParaRPr>
-          </a:p>
-        </p:txBody>
-      </p:sp>
-      <p:pic>
-        <p:nvPicPr>
-          <p:cNvPr id="3" name="图片 2"/>
-          <p:cNvPicPr>
-            <a:picLocks noChangeAspect="1"/>
-          </p:cNvPicPr>
-          <p:nvPr/>
-        </p:nvPicPr>
-        <p:blipFill>
-          <a:blip r:embed="rId3">
-            <a:extLst>
-              <a:ext uri="{28A0092B-C50C-407E-A947-70E740481C1C}">
-                <a14:useLocalDpi xmlns:a14="http://schemas.microsoft.com/office/drawing/2010/main" val="0"/>
-              </a:ext>
-            </a:extLst>
-          </a:blip>
-          <a:stretch>
-            <a:fillRect/>
-          </a:stretch>
-        </p:blipFill>
-        <p:spPr>
-          <a:xfrm>
-            <a:off x="1814286" y="1880787"/>
-            <a:ext cx="9000342" cy="3377013"/>
-          </a:xfrm>
-          <a:prstGeom prst="rect">
-            <a:avLst/>
-          </a:prstGeom>
-        </p:spPr>
-      </p:pic>
-    </p:spTree>
-    <p:extLst>
-      <p:ext uri="{BB962C8B-B14F-4D97-AF65-F5344CB8AC3E}">
-        <p14:creationId xmlns:p14="http://schemas.microsoft.com/office/powerpoint/2010/main" val="1049949089"/>
-      </p:ext>
-    </p:extLst>
-  </p:cSld>
-  <p:clrMapOvr>
-    <a:masterClrMapping/>
-  </p:clrMapOvr>
-  <p:timing>
-    <p:tnLst>
-      <p:par>
-        <p:cTn id="1" dur="indefinite" restart="never" nodeType="tmRoot"/>
-      </p:par>
-    </p:tnLst>
-  </p:timing>
-</p:sld>
-</file>
-
-<file path=ppt/slides/slide9.xml><?xml version="1.0" encoding="utf-8"?>
-<p:sld xmlns:a="http://schemas.openxmlformats.org/drawingml/2006/main" xmlns:r="http://schemas.openxmlformats.org/officeDocument/2006/relationships" xmlns:p="http://schemas.openxmlformats.org/presentationml/2006/main">
-  <p:cSld>
-    <p:spTree>
-      <p:nvGrpSpPr>
-        <p:cNvPr id="1" name=""/>
-        <p:cNvGrpSpPr/>
-        <p:nvPr/>
-      </p:nvGrpSpPr>
-      <p:grpSpPr>
-        <a:xfrm>
-          <a:off x="0" y="0"/>
-          <a:ext cx="0" cy="0"/>
-          <a:chOff x="0" y="0"/>
-          <a:chExt cx="0" cy="0"/>
-        </a:xfrm>
-      </p:grpSpPr>
-      <p:sp>
-        <p:nvSpPr>
-          <p:cNvPr id="4" name="矩形 3"/>
-          <p:cNvSpPr/>
-          <p:nvPr/>
-        </p:nvSpPr>
-        <p:spPr>
-          <a:xfrm>
-            <a:off x="66201" y="61547"/>
-            <a:ext cx="2446504" cy="369332"/>
-          </a:xfrm>
-          <a:prstGeom prst="rect">
-            <a:avLst/>
-          </a:prstGeom>
-        </p:spPr>
-        <p:txBody>
-          <a:bodyPr wrap="none">
-            <a:spAutoFit/>
-          </a:bodyPr>
-          <a:lstStyle/>
-          <a:p>
-            <a:pPr algn="ctr"/>
-            <a:r>
-              <a:rPr lang="en-US" altLang="zh-CN" dirty="0" smtClean="0"/>
-              <a:t>Session2 Java</a:t>
-            </a:r>
-            <a:r>
-              <a:rPr lang="zh-CN" altLang="en-US" dirty="0" smtClean="0"/>
-              <a:t>发展简史</a:t>
-            </a:r>
-            <a:endParaRPr lang="en-US" altLang="zh-CN" dirty="0"/>
-          </a:p>
-        </p:txBody>
-      </p:sp>
-      <p:sp>
-        <p:nvSpPr>
-          <p:cNvPr id="5" name="文本框 4"/>
-          <p:cNvSpPr txBox="1"/>
-          <p:nvPr/>
-        </p:nvSpPr>
-        <p:spPr>
-          <a:xfrm>
-            <a:off x="10814628" y="6534834"/>
-            <a:ext cx="1850571" cy="646331"/>
-          </a:xfrm>
-          <a:prstGeom prst="rect">
-            <a:avLst/>
-          </a:prstGeom>
-          <a:noFill/>
-        </p:spPr>
-        <p:txBody>
-          <a:bodyPr wrap="none" rtlCol="0">
-            <a:spAutoFit/>
-          </a:bodyPr>
-          <a:lstStyle/>
-          <a:p>
-            <a:pPr marL="0" marR="0" lvl="0" indent="0" algn="ctr" defTabSz="914400" rtl="0" eaLnBrk="1" fontAlgn="auto" latinLnBrk="0" hangingPunct="1">
-              <a:lnSpc>
-                <a:spcPct val="100000"/>
-              </a:lnSpc>
-              <a:spcBef>
-                <a:spcPts val="0"/>
-              </a:spcBef>
-              <a:spcAft>
-                <a:spcPts val="0"/>
-              </a:spcAft>
-              <a:buClrTx/>
-              <a:buSzTx/>
-              <a:buFontTx/>
-              <a:buNone/>
-              <a:tabLst/>
-              <a:defRPr/>
-            </a:pPr>
-            <a:r>
-              <a:rPr kumimoji="0" lang="en-US" altLang="zh-CN" sz="1800" b="0" i="0" u="none" strike="noStrike" kern="1200" cap="none" spc="0" normalizeH="0" baseline="0" noProof="0" dirty="0">
-                <a:ln w="0"/>
-                <a:solidFill>
-                  <a:prstClr val="black"/>
-                </a:solidFill>
-                <a:effectLst>
-                  <a:outerShdw blurRad="38100" dist="19050" dir="2700000" algn="tl" rotWithShape="0">
-                    <a:prstClr val="black">
-                      <a:alpha val="40000"/>
-                    </a:prstClr>
-                  </a:outerShdw>
-                </a:effectLst>
-                <a:uLnTx/>
-                <a:uFillTx/>
-                <a:latin typeface="Arial Rounded MT Bold" panose="020F0704030504030204" pitchFamily="34" charset="0"/>
-                <a:ea typeface="幼圆" panose="02010509060101010101" pitchFamily="49" charset="-122"/>
-                <a:cs typeface="+mn-cs"/>
-              </a:rPr>
-              <a:t>EZJava</a:t>
-            </a:r>
-            <a:endParaRPr kumimoji="0" lang="zh-CN" altLang="en-US" sz="1800" b="0" i="0" u="none" strike="noStrike" kern="1200" cap="none" spc="0" normalizeH="0" baseline="0" noProof="0" dirty="0">
-              <a:ln w="0"/>
-              <a:solidFill>
-                <a:prstClr val="black"/>
-              </a:solidFill>
-              <a:effectLst>
-                <a:outerShdw blurRad="38100" dist="19050" dir="2700000" algn="tl" rotWithShape="0">
-                  <a:prstClr val="black">
-                    <a:alpha val="40000"/>
-                  </a:prstClr>
-                </a:outerShdw>
-              </a:effectLst>
-              <a:uLnTx/>
-              <a:uFillTx/>
-              <a:latin typeface="Arial Rounded MT Bold" panose="020F0704030504030204" pitchFamily="34" charset="0"/>
-              <a:ea typeface="幼圆" panose="02010509060101010101" pitchFamily="49" charset="-122"/>
-              <a:cs typeface="+mn-cs"/>
-            </a:endParaRPr>
-          </a:p>
-          <a:p>
-            <a:pPr marL="0" marR="0" lvl="0" indent="0" algn="l" defTabSz="914400" rtl="0" eaLnBrk="1" fontAlgn="auto" latinLnBrk="0" hangingPunct="1">
-              <a:lnSpc>
-                <a:spcPct val="100000"/>
-              </a:lnSpc>
-              <a:spcBef>
-                <a:spcPts val="0"/>
-              </a:spcBef>
-              <a:spcAft>
-                <a:spcPts val="0"/>
-              </a:spcAft>
-              <a:buClrTx/>
-              <a:buSzTx/>
-              <a:buFontTx/>
-              <a:buNone/>
-              <a:tabLst/>
-              <a:defRPr/>
-            </a:pPr>
-            <a:endParaRPr kumimoji="0" lang="zh-CN" altLang="en-US" sz="1800" b="0" i="0" u="none" strike="noStrike" kern="1200" cap="none" spc="0" normalizeH="0" baseline="0" noProof="0" dirty="0">
-              <a:ln>
-                <a:noFill/>
-              </a:ln>
-              <a:solidFill>
-                <a:prstClr val="black"/>
-              </a:solidFill>
-              <a:effectLst/>
-              <a:uLnTx/>
-              <a:uFillTx/>
-              <a:latin typeface="等线" panose="020F0502020204030204"/>
-              <a:ea typeface="等线" panose="02010600030101010101" pitchFamily="2" charset="-122"/>
-              <a:cs typeface="+mn-cs"/>
-            </a:endParaRPr>
-          </a:p>
-        </p:txBody>
-      </p:sp>
-      <p:sp>
-        <p:nvSpPr>
-          <p:cNvPr id="3" name="文本框 2"/>
-          <p:cNvSpPr txBox="1"/>
-          <p:nvPr/>
-        </p:nvSpPr>
-        <p:spPr>
-          <a:xfrm>
-            <a:off x="3269862" y="164053"/>
-            <a:ext cx="5176417" cy="369332"/>
-          </a:xfrm>
-          <a:prstGeom prst="rect">
-            <a:avLst/>
-          </a:prstGeom>
-          <a:noFill/>
-        </p:spPr>
-        <p:txBody>
-          <a:bodyPr wrap="none" rtlCol="0">
-            <a:spAutoFit/>
-          </a:bodyPr>
-          <a:lstStyle/>
-          <a:p>
-            <a:r>
-              <a:rPr lang="en-US" altLang="zh-CN" dirty="0"/>
-              <a:t>TIOBE</a:t>
-            </a:r>
-            <a:r>
-              <a:rPr lang="zh-CN" altLang="en-US" dirty="0"/>
-              <a:t>编程语言社区排行</a:t>
-            </a:r>
-            <a:r>
-              <a:rPr lang="zh-CN" altLang="en-US" dirty="0" smtClean="0"/>
-              <a:t>榜 </a:t>
-            </a:r>
-            <a:r>
-              <a:rPr lang="en-US" altLang="zh-CN" dirty="0" smtClean="0"/>
-              <a:t>https</a:t>
-            </a:r>
-            <a:r>
-              <a:rPr lang="en-US" altLang="zh-CN" dirty="0"/>
-              <a:t>://www.tiobe.com</a:t>
-            </a:r>
-            <a:endParaRPr lang="zh-CN" altLang="en-US" dirty="0"/>
-          </a:p>
-        </p:txBody>
-      </p:sp>
-      <p:pic>
-        <p:nvPicPr>
-          <p:cNvPr id="7" name="图片 6"/>
-          <p:cNvPicPr>
-            <a:picLocks noChangeAspect="1"/>
-          </p:cNvPicPr>
-          <p:nvPr/>
-        </p:nvPicPr>
-        <p:blipFill>
-          <a:blip r:embed="rId3">
-            <a:extLst>
-              <a:ext uri="{28A0092B-C50C-407E-A947-70E740481C1C}">
-                <a14:useLocalDpi xmlns:a14="http://schemas.microsoft.com/office/drawing/2010/main" val="0"/>
-              </a:ext>
-            </a:extLst>
-          </a:blip>
-          <a:stretch>
-            <a:fillRect/>
-          </a:stretch>
-        </p:blipFill>
-        <p:spPr>
-          <a:xfrm>
-            <a:off x="2184901" y="533385"/>
-            <a:ext cx="7346340" cy="6246977"/>
-          </a:xfrm>
-          <a:prstGeom prst="rect">
-            <a:avLst/>
-          </a:prstGeom>
-        </p:spPr>
-      </p:pic>
-    </p:spTree>
-    <p:extLst>
-      <p:ext uri="{BB962C8B-B14F-4D97-AF65-F5344CB8AC3E}">
-        <p14:creationId xmlns:p14="http://schemas.microsoft.com/office/powerpoint/2010/main" val="1037244060"/>
       </p:ext>
     </p:extLst>
   </p:cSld>

--- a/ppt/EZJava-Session2-Java发展简史.pptx
+++ b/ppt/EZJava-Session2-Java发展简史.pptx
@@ -12124,8 +12124,9 @@
             <a:pPr algn="ctr"/>
             <a:r>
               <a:rPr lang="en-US" altLang="zh-CN" sz="4800" dirty="0" smtClean="0"/>
-              <a:t>SESSION1</a:t>
-            </a:r>
+              <a:t>SESSION2</a:t>
+            </a:r>
+            <a:endParaRPr lang="en-US" altLang="zh-CN" sz="4800" dirty="0" smtClean="0"/>
           </a:p>
           <a:p>
             <a:pPr algn="ctr"/>
@@ -12149,8 +12150,8 @@
         </p:nvSpPr>
         <p:spPr>
           <a:xfrm>
-            <a:off x="2955354" y="3477325"/>
-            <a:ext cx="6096000" cy="646331"/>
+            <a:off x="2955354" y="3064371"/>
+            <a:ext cx="6096000" cy="1754326"/>
           </a:xfrm>
           <a:prstGeom prst="rect">
             <a:avLst/>
@@ -12177,7 +12178,63 @@
                   <a:prstClr val="black"/>
                 </a:solidFill>
               </a:rPr>
-              <a:t>这门语言是怎么来滴？</a:t>
+              <a:t>这门语言是怎么来滴</a:t>
+            </a:r>
+            <a:r>
+              <a:rPr lang="zh-CN" altLang="en-US" sz="3600" dirty="0" smtClean="0">
+                <a:solidFill>
+                  <a:prstClr val="black"/>
+                </a:solidFill>
+              </a:rPr>
+              <a:t>？</a:t>
+            </a:r>
+            <a:endParaRPr lang="en-US" altLang="zh-CN" sz="3600" dirty="0" smtClean="0">
+              <a:solidFill>
+                <a:prstClr val="black"/>
+              </a:solidFill>
+            </a:endParaRPr>
+          </a:p>
+          <a:p>
+            <a:pPr lvl="0"/>
+            <a:endParaRPr lang="en-US" altLang="zh-CN" sz="3600" dirty="0">
+              <a:solidFill>
+                <a:prstClr val="black"/>
+              </a:solidFill>
+            </a:endParaRPr>
+          </a:p>
+          <a:p>
+            <a:pPr lvl="0"/>
+            <a:r>
+              <a:rPr lang="en-US" altLang="zh-CN" sz="3600" dirty="0" smtClean="0">
+                <a:solidFill>
+                  <a:prstClr val="black"/>
+                </a:solidFill>
+              </a:rPr>
+              <a:t>2.</a:t>
+            </a:r>
+            <a:r>
+              <a:rPr lang="zh-CN" altLang="en-US" sz="3600" dirty="0" smtClean="0">
+                <a:solidFill>
+                  <a:prstClr val="black"/>
+                </a:solidFill>
+              </a:rPr>
+              <a:t>当前</a:t>
+            </a:r>
+            <a:r>
+              <a:rPr lang="en-US" altLang="zh-CN" sz="3600" dirty="0" smtClean="0">
+                <a:solidFill>
+                  <a:prstClr val="black"/>
+                </a:solidFill>
+              </a:rPr>
+              <a:t>Java</a:t>
+            </a:r>
+            <a:r>
+              <a:rPr lang="zh-CN" altLang="en-US" sz="3600" dirty="0" smtClean="0">
+                <a:solidFill>
+                  <a:prstClr val="black"/>
+                </a:solidFill>
+              </a:rPr>
+              <a:t>发展的情况</a:t>
             </a:r>
             <a:endParaRPr lang="en-US" altLang="zh-CN" sz="3600" dirty="0">
               <a:solidFill>
@@ -12411,6 +12468,13 @@
   <p:clrMapOvr>
     <a:masterClrMapping/>
   </p:clrMapOvr>
+  <p:timing>
+    <p:tnLst>
+      <p:par>
+        <p:cTn id="1" dur="indefinite" restart="never" nodeType="tmRoot"/>
+      </p:par>
+    </p:tnLst>
+  </p:timing>
 </p:sld>
 </file>
 
